--- a/UM_DataManagementClass/Lessons/13/13_FirstMeeting.pptx
+++ b/UM_DataManagementClass/Lessons/13/13_FirstMeeting.pptx
@@ -5,38 +5,39 @@
     <p:sldMasterId id="2147483756" r:id="rId1"/>
   </p:sldMasterIdLst>
   <p:notesMasterIdLst>
-    <p:notesMasterId r:id="rId31"/>
+    <p:notesMasterId r:id="rId32"/>
   </p:notesMasterIdLst>
   <p:sldIdLst>
     <p:sldId id="256" r:id="rId2"/>
     <p:sldId id="262" r:id="rId3"/>
-    <p:sldId id="264" r:id="rId4"/>
-    <p:sldId id="265" r:id="rId5"/>
-    <p:sldId id="266" r:id="rId6"/>
-    <p:sldId id="267" r:id="rId7"/>
-    <p:sldId id="268" r:id="rId8"/>
-    <p:sldId id="270" r:id="rId9"/>
-    <p:sldId id="275" r:id="rId10"/>
-    <p:sldId id="269" r:id="rId11"/>
-    <p:sldId id="276" r:id="rId12"/>
-    <p:sldId id="277" r:id="rId13"/>
-    <p:sldId id="271" r:id="rId14"/>
-    <p:sldId id="287" r:id="rId15"/>
-    <p:sldId id="288" r:id="rId16"/>
-    <p:sldId id="279" r:id="rId17"/>
-    <p:sldId id="280" r:id="rId18"/>
-    <p:sldId id="281" r:id="rId19"/>
-    <p:sldId id="282" r:id="rId20"/>
-    <p:sldId id="283" r:id="rId21"/>
-    <p:sldId id="284" r:id="rId22"/>
-    <p:sldId id="285" r:id="rId23"/>
-    <p:sldId id="272" r:id="rId24"/>
-    <p:sldId id="273" r:id="rId25"/>
-    <p:sldId id="278" r:id="rId26"/>
-    <p:sldId id="290" r:id="rId27"/>
-    <p:sldId id="291" r:id="rId28"/>
-    <p:sldId id="289" r:id="rId29"/>
-    <p:sldId id="292" r:id="rId30"/>
+    <p:sldId id="293" r:id="rId4"/>
+    <p:sldId id="264" r:id="rId5"/>
+    <p:sldId id="265" r:id="rId6"/>
+    <p:sldId id="266" r:id="rId7"/>
+    <p:sldId id="267" r:id="rId8"/>
+    <p:sldId id="268" r:id="rId9"/>
+    <p:sldId id="270" r:id="rId10"/>
+    <p:sldId id="275" r:id="rId11"/>
+    <p:sldId id="269" r:id="rId12"/>
+    <p:sldId id="276" r:id="rId13"/>
+    <p:sldId id="277" r:id="rId14"/>
+    <p:sldId id="271" r:id="rId15"/>
+    <p:sldId id="287" r:id="rId16"/>
+    <p:sldId id="294" r:id="rId17"/>
+    <p:sldId id="279" r:id="rId18"/>
+    <p:sldId id="280" r:id="rId19"/>
+    <p:sldId id="281" r:id="rId20"/>
+    <p:sldId id="282" r:id="rId21"/>
+    <p:sldId id="283" r:id="rId22"/>
+    <p:sldId id="284" r:id="rId23"/>
+    <p:sldId id="285" r:id="rId24"/>
+    <p:sldId id="272" r:id="rId25"/>
+    <p:sldId id="273" r:id="rId26"/>
+    <p:sldId id="278" r:id="rId27"/>
+    <p:sldId id="290" r:id="rId28"/>
+    <p:sldId id="291" r:id="rId29"/>
+    <p:sldId id="289" r:id="rId30"/>
+    <p:sldId id="292" r:id="rId31"/>
   </p:sldIdLst>
   <p:sldSz cx="12192000" cy="6858000"/>
   <p:notesSz cx="7010400" cy="9296400"/>
@@ -137,7 +138,7 @@
   </p:defaultTextStyle>
   <p:extLst>
     <p:ext uri="{EFAFB233-063F-42B5-8137-9DF3F51BA10A}">
-      <p15:sldGuideLst xmlns="" xmlns:p15="http://schemas.microsoft.com/office/powerpoint/2012/main">
+      <p15:sldGuideLst xmlns:p15="http://schemas.microsoft.com/office/powerpoint/2012/main">
         <p15:guide id="1" orient="horz" pos="2160" userDrawn="1">
           <p15:clr>
             <a:srgbClr val="A4A3A4"/>
@@ -2335,37 +2336,37 @@
     </dgm:pt>
   </dgm:ptLst>
   <dgm:cxnLst>
+    <dgm:cxn modelId="{3B218B19-807A-4F7C-93AD-763E3990F959}" type="presOf" srcId="{2A917167-CA08-9845-BFBB-075A4D35C066}" destId="{05CF767F-9416-6144-A521-2991891D2774}" srcOrd="1" destOrd="0" presId="urn:microsoft.com/office/officeart/2005/8/layout/hierarchy3"/>
+    <dgm:cxn modelId="{2F4EFA96-F490-4AA8-B6F4-C3280C5A0777}" type="presOf" srcId="{765B203D-8A25-B34F-9F36-6AACDABB14C9}" destId="{3E72D5A2-4BA6-0048-A855-4AD40E92F7DB}" srcOrd="0" destOrd="0" presId="urn:microsoft.com/office/officeart/2005/8/layout/hierarchy3"/>
+    <dgm:cxn modelId="{D5CE1210-4DF9-074E-85A9-4A08D53503FD}" srcId="{1F5C8817-DB8F-2F4F-9F3E-CDD779392C19}" destId="{68EF0485-1377-E945-AF25-075F3AAF9F27}" srcOrd="3" destOrd="0" parTransId="{7E3D195B-F3E2-804A-90DA-F0F21BE9FE6F}" sibTransId="{1459CA70-6652-A141-ADE0-E3577F463AC5}"/>
+    <dgm:cxn modelId="{CCFFE8B7-BBA1-4C24-A109-22B4575B41B2}" type="presOf" srcId="{38893CC9-1131-5D4C-A035-B196533A6BAD}" destId="{66A7E51A-FD5F-954D-A28F-4B87801C4DA6}" srcOrd="0" destOrd="0" presId="urn:microsoft.com/office/officeart/2005/8/layout/hierarchy3"/>
+    <dgm:cxn modelId="{24F45A9B-7956-445F-B01F-FB3A44A34C64}" type="presOf" srcId="{13FF0890-320A-4B47-A53E-B351974631A7}" destId="{EBF8F6B8-9564-1441-9B40-3B57EB82800F}" srcOrd="0" destOrd="0" presId="urn:microsoft.com/office/officeart/2005/8/layout/hierarchy3"/>
+    <dgm:cxn modelId="{EB69434B-4783-3A48-8333-F9D43C197192}" srcId="{6F11DA1A-B722-2344-BAA1-6A89F3D4CF3B}" destId="{2A917167-CA08-9845-BFBB-075A4D35C066}" srcOrd="1" destOrd="0" parTransId="{87CC1D5D-0EC5-1447-8336-16B8032A3E4D}" sibTransId="{80A460C9-DD59-4A41-9F0D-C09AAAF011AC}"/>
     <dgm:cxn modelId="{30CCAB72-18B5-C543-A27F-3AFA74DEC15C}" srcId="{6F11DA1A-B722-2344-BAA1-6A89F3D4CF3B}" destId="{1F5C8817-DB8F-2F4F-9F3E-CDD779392C19}" srcOrd="0" destOrd="0" parTransId="{1E56939D-715A-A54A-843A-48790FF3B0EE}" sibTransId="{29B1CBB3-D3B7-8743-8AC7-131AFF317F9E}"/>
+    <dgm:cxn modelId="{836CD274-86E1-6943-84BA-A68A8C6B6B98}" srcId="{2A917167-CA08-9845-BFBB-075A4D35C066}" destId="{E60D329A-932E-4F46-A992-7BEC4E650667}" srcOrd="0" destOrd="0" parTransId="{38893CC9-1131-5D4C-A035-B196533A6BAD}" sibTransId="{A28D4FF2-832C-2042-B636-87CF09E43C98}"/>
+    <dgm:cxn modelId="{AC024B87-EDBF-1E48-A066-A20F2ACAD4B1}" srcId="{1F5C8817-DB8F-2F4F-9F3E-CDD779392C19}" destId="{83889A59-9D85-494B-8C74-202BB9C379C6}" srcOrd="2" destOrd="0" parTransId="{CD901186-1203-CA44-927A-82BE82D19CDB}" sibTransId="{2818DDB9-9C0F-1846-829A-27F33AB0091C}"/>
     <dgm:cxn modelId="{AEC78A86-D5E8-44C2-B20B-89A074A86319}" type="presOf" srcId="{F49EA226-F576-414B-9B74-BAE6C0730F3A}" destId="{B70210BD-9D05-ED4F-9E14-B9C09F156718}" srcOrd="0" destOrd="0" presId="urn:microsoft.com/office/officeart/2005/8/layout/hierarchy3"/>
-    <dgm:cxn modelId="{EB69434B-4783-3A48-8333-F9D43C197192}" srcId="{6F11DA1A-B722-2344-BAA1-6A89F3D4CF3B}" destId="{2A917167-CA08-9845-BFBB-075A4D35C066}" srcOrd="1" destOrd="0" parTransId="{87CC1D5D-0EC5-1447-8336-16B8032A3E4D}" sibTransId="{80A460C9-DD59-4A41-9F0D-C09AAAF011AC}"/>
+    <dgm:cxn modelId="{88E6888F-257D-F14D-8089-0FD0DD08A500}" srcId="{2A917167-CA08-9845-BFBB-075A4D35C066}" destId="{9B3DFC13-F877-2C4A-857B-7551B181A099}" srcOrd="3" destOrd="0" parTransId="{3B7D6244-D0FB-EB45-B3EA-96FE0136A5FA}" sibTransId="{517542EF-F268-4447-8E00-DD94ED5FABF8}"/>
+    <dgm:cxn modelId="{F90ED833-3681-4F19-8119-F5A2EDF92D7E}" type="presOf" srcId="{3B7D6244-D0FB-EB45-B3EA-96FE0136A5FA}" destId="{15DDC369-24FC-CF43-B8C6-7347F3D93459}" srcOrd="0" destOrd="0" presId="urn:microsoft.com/office/officeart/2005/8/layout/hierarchy3"/>
+    <dgm:cxn modelId="{E07E9D80-7A4E-4E8D-9B8A-109E1ABC3DE4}" type="presOf" srcId="{9627307C-9690-BB47-BD82-1ED6A752B118}" destId="{81DC1441-90E5-E049-8492-C6CE65EF3CDD}" srcOrd="0" destOrd="0" presId="urn:microsoft.com/office/officeart/2005/8/layout/hierarchy3"/>
+    <dgm:cxn modelId="{6BE833A3-DCD7-45AC-B467-6EC61ACACD2F}" type="presOf" srcId="{6267DED2-D0F5-DC48-8F2D-BEFB14687890}" destId="{35EA963D-C281-FF41-8262-A7EE56062F21}" srcOrd="0" destOrd="0" presId="urn:microsoft.com/office/officeart/2005/8/layout/hierarchy3"/>
+    <dgm:cxn modelId="{6F2216C9-F17C-3C48-B086-916BB384EF1B}" srcId="{2A917167-CA08-9845-BFBB-075A4D35C066}" destId="{C3ADF586-87F3-124D-A60C-E66F54C6F810}" srcOrd="1" destOrd="0" parTransId="{765B203D-8A25-B34F-9F36-6AACDABB14C9}" sibTransId="{64C24EFB-EE00-D445-8669-0925F9DBC442}"/>
+    <dgm:cxn modelId="{495ECE20-9BD1-400A-BE74-C8AD77AED1A5}" type="presOf" srcId="{CD901186-1203-CA44-927A-82BE82D19CDB}" destId="{4428862E-12C3-BB49-BD53-24B1C2B3744C}" srcOrd="0" destOrd="0" presId="urn:microsoft.com/office/officeart/2005/8/layout/hierarchy3"/>
+    <dgm:cxn modelId="{86124977-90FB-467E-9789-61E2574DC435}" type="presOf" srcId="{83889A59-9D85-494B-8C74-202BB9C379C6}" destId="{7BE6AD96-1282-9541-BC1F-AC08487A8B16}" srcOrd="0" destOrd="0" presId="urn:microsoft.com/office/officeart/2005/8/layout/hierarchy3"/>
+    <dgm:cxn modelId="{876785E1-7712-4EA8-978E-C00594B6A7A5}" type="presOf" srcId="{6F11DA1A-B722-2344-BAA1-6A89F3D4CF3B}" destId="{3C2C9004-2D3C-8640-988D-D779A8A491AC}" srcOrd="0" destOrd="0" presId="urn:microsoft.com/office/officeart/2005/8/layout/hierarchy3"/>
+    <dgm:cxn modelId="{4C617F15-3F33-47A3-84BB-34E978D52689}" type="presOf" srcId="{7E3D195B-F3E2-804A-90DA-F0F21BE9FE6F}" destId="{B180D373-6C22-4742-8F88-588A0AA7C133}" srcOrd="0" destOrd="0" presId="urn:microsoft.com/office/officeart/2005/8/layout/hierarchy3"/>
+    <dgm:cxn modelId="{8C214E43-2F23-9F4D-82E2-6817B7CC87D5}" srcId="{1F5C8817-DB8F-2F4F-9F3E-CDD779392C19}" destId="{13FF0890-320A-4B47-A53E-B351974631A7}" srcOrd="1" destOrd="0" parTransId="{9627307C-9690-BB47-BD82-1ED6A752B118}" sibTransId="{ECBAD8E8-A9FB-B849-9821-2D5AF5449979}"/>
+    <dgm:cxn modelId="{B7283128-E233-4CC5-815D-4D4A8FDE12AF}" type="presOf" srcId="{0A4FCDB1-35C8-4041-B299-34A6542EC47F}" destId="{673805C9-AEC1-1E4A-9420-07C7CCB2EA23}" srcOrd="0" destOrd="0" presId="urn:microsoft.com/office/officeart/2005/8/layout/hierarchy3"/>
+    <dgm:cxn modelId="{D91D49A1-2403-44B9-AAB0-80748CB1FD2A}" type="presOf" srcId="{E60D329A-932E-4F46-A992-7BEC4E650667}" destId="{3A1E93D5-C55B-F948-949A-32EBE246EB79}" srcOrd="0" destOrd="0" presId="urn:microsoft.com/office/officeart/2005/8/layout/hierarchy3"/>
     <dgm:cxn modelId="{7FACFE59-DF38-464F-A2E6-99507C02BE89}" srcId="{2A917167-CA08-9845-BFBB-075A4D35C066}" destId="{0A4FCDB1-35C8-4041-B299-34A6542EC47F}" srcOrd="2" destOrd="0" parTransId="{F49EA226-F576-414B-9B74-BAE6C0730F3A}" sibTransId="{F4D74F05-2A84-1F4F-8050-FCC00D9CC75D}"/>
-    <dgm:cxn modelId="{86124977-90FB-467E-9789-61E2574DC435}" type="presOf" srcId="{83889A59-9D85-494B-8C74-202BB9C379C6}" destId="{7BE6AD96-1282-9541-BC1F-AC08487A8B16}" srcOrd="0" destOrd="0" presId="urn:microsoft.com/office/officeart/2005/8/layout/hierarchy3"/>
+    <dgm:cxn modelId="{F5492BB1-1DE5-483D-B234-43CE2BFB8A99}" type="presOf" srcId="{68EF0485-1377-E945-AF25-075F3AAF9F27}" destId="{C9DE8436-9AB8-604F-ACE7-FD90ED9B6F6C}" srcOrd="0" destOrd="0" presId="urn:microsoft.com/office/officeart/2005/8/layout/hierarchy3"/>
+    <dgm:cxn modelId="{DD4D3793-1276-4EF1-AE6B-F1F1ACFC07F0}" type="presOf" srcId="{9B3DFC13-F877-2C4A-857B-7551B181A099}" destId="{8356A8C5-4708-3A42-87A7-FE92E34EAA6B}" srcOrd="0" destOrd="0" presId="urn:microsoft.com/office/officeart/2005/8/layout/hierarchy3"/>
+    <dgm:cxn modelId="{EEC07AB3-6CA7-4D6E-B7AC-D5E142C7AA5F}" type="presOf" srcId="{1F5C8817-DB8F-2F4F-9F3E-CDD779392C19}" destId="{63C51976-F41B-F141-93C0-FF6875F20846}" srcOrd="0" destOrd="0" presId="urn:microsoft.com/office/officeart/2005/8/layout/hierarchy3"/>
+    <dgm:cxn modelId="{E837D2F3-30B9-4FC6-B28D-2CB4AD970420}" type="presOf" srcId="{2A917167-CA08-9845-BFBB-075A4D35C066}" destId="{61DFCB1D-42FD-E944-8C7C-50260B51B897}" srcOrd="0" destOrd="0" presId="urn:microsoft.com/office/officeart/2005/8/layout/hierarchy3"/>
+    <dgm:cxn modelId="{1BD92F84-EC57-144F-BEB5-6A6E80F68A77}" srcId="{1F5C8817-DB8F-2F4F-9F3E-CDD779392C19}" destId="{D4C0AFD3-D6C7-944A-9CED-E9E485EBF1C8}" srcOrd="0" destOrd="0" parTransId="{6267DED2-D0F5-DC48-8F2D-BEFB14687890}" sibTransId="{015F7D32-DD96-EC49-B1BB-4559024785AF}"/>
     <dgm:cxn modelId="{170FF20A-2667-4ABE-B707-81DDAECD9784}" type="presOf" srcId="{1F5C8817-DB8F-2F4F-9F3E-CDD779392C19}" destId="{885AAAEF-4BD4-0D45-BFDE-64B8C20C3057}" srcOrd="1" destOrd="0" presId="urn:microsoft.com/office/officeart/2005/8/layout/hierarchy3"/>
-    <dgm:cxn modelId="{3B218B19-807A-4F7C-93AD-763E3990F959}" type="presOf" srcId="{2A917167-CA08-9845-BFBB-075A4D35C066}" destId="{05CF767F-9416-6144-A521-2991891D2774}" srcOrd="1" destOrd="0" presId="urn:microsoft.com/office/officeart/2005/8/layout/hierarchy3"/>
-    <dgm:cxn modelId="{DD4D3793-1276-4EF1-AE6B-F1F1ACFC07F0}" type="presOf" srcId="{9B3DFC13-F877-2C4A-857B-7551B181A099}" destId="{8356A8C5-4708-3A42-87A7-FE92E34EAA6B}" srcOrd="0" destOrd="0" presId="urn:microsoft.com/office/officeart/2005/8/layout/hierarchy3"/>
-    <dgm:cxn modelId="{88E6888F-257D-F14D-8089-0FD0DD08A500}" srcId="{2A917167-CA08-9845-BFBB-075A4D35C066}" destId="{9B3DFC13-F877-2C4A-857B-7551B181A099}" srcOrd="3" destOrd="0" parTransId="{3B7D6244-D0FB-EB45-B3EA-96FE0136A5FA}" sibTransId="{517542EF-F268-4447-8E00-DD94ED5FABF8}"/>
-    <dgm:cxn modelId="{E07E9D80-7A4E-4E8D-9B8A-109E1ABC3DE4}" type="presOf" srcId="{9627307C-9690-BB47-BD82-1ED6A752B118}" destId="{81DC1441-90E5-E049-8492-C6CE65EF3CDD}" srcOrd="0" destOrd="0" presId="urn:microsoft.com/office/officeart/2005/8/layout/hierarchy3"/>
-    <dgm:cxn modelId="{2F4EFA96-F490-4AA8-B6F4-C3280C5A0777}" type="presOf" srcId="{765B203D-8A25-B34F-9F36-6AACDABB14C9}" destId="{3E72D5A2-4BA6-0048-A855-4AD40E92F7DB}" srcOrd="0" destOrd="0" presId="urn:microsoft.com/office/officeart/2005/8/layout/hierarchy3"/>
     <dgm:cxn modelId="{97447E79-0537-4F5D-B0AC-DA7AB5E00D4B}" type="presOf" srcId="{D4C0AFD3-D6C7-944A-9CED-E9E485EBF1C8}" destId="{FE279622-5531-F84C-BFC7-FBD7FE8B9B82}" srcOrd="0" destOrd="0" presId="urn:microsoft.com/office/officeart/2005/8/layout/hierarchy3"/>
-    <dgm:cxn modelId="{6F2216C9-F17C-3C48-B086-916BB384EF1B}" srcId="{2A917167-CA08-9845-BFBB-075A4D35C066}" destId="{C3ADF586-87F3-124D-A60C-E66F54C6F810}" srcOrd="1" destOrd="0" parTransId="{765B203D-8A25-B34F-9F36-6AACDABB14C9}" sibTransId="{64C24EFB-EE00-D445-8669-0925F9DBC442}"/>
-    <dgm:cxn modelId="{876785E1-7712-4EA8-978E-C00594B6A7A5}" type="presOf" srcId="{6F11DA1A-B722-2344-BAA1-6A89F3D4CF3B}" destId="{3C2C9004-2D3C-8640-988D-D779A8A491AC}" srcOrd="0" destOrd="0" presId="urn:microsoft.com/office/officeart/2005/8/layout/hierarchy3"/>
     <dgm:cxn modelId="{7427ABAC-E7D6-432B-9B9E-984BD37B19AE}" type="presOf" srcId="{C3ADF586-87F3-124D-A60C-E66F54C6F810}" destId="{EC345899-C559-064C-9E75-D1103C0B82D1}" srcOrd="0" destOrd="0" presId="urn:microsoft.com/office/officeart/2005/8/layout/hierarchy3"/>
-    <dgm:cxn modelId="{836CD274-86E1-6943-84BA-A68A8C6B6B98}" srcId="{2A917167-CA08-9845-BFBB-075A4D35C066}" destId="{E60D329A-932E-4F46-A992-7BEC4E650667}" srcOrd="0" destOrd="0" parTransId="{38893CC9-1131-5D4C-A035-B196533A6BAD}" sibTransId="{A28D4FF2-832C-2042-B636-87CF09E43C98}"/>
-    <dgm:cxn modelId="{4C617F15-3F33-47A3-84BB-34E978D52689}" type="presOf" srcId="{7E3D195B-F3E2-804A-90DA-F0F21BE9FE6F}" destId="{B180D373-6C22-4742-8F88-588A0AA7C133}" srcOrd="0" destOrd="0" presId="urn:microsoft.com/office/officeart/2005/8/layout/hierarchy3"/>
-    <dgm:cxn modelId="{6BE833A3-DCD7-45AC-B467-6EC61ACACD2F}" type="presOf" srcId="{6267DED2-D0F5-DC48-8F2D-BEFB14687890}" destId="{35EA963D-C281-FF41-8262-A7EE56062F21}" srcOrd="0" destOrd="0" presId="urn:microsoft.com/office/officeart/2005/8/layout/hierarchy3"/>
-    <dgm:cxn modelId="{24F45A9B-7956-445F-B01F-FB3A44A34C64}" type="presOf" srcId="{13FF0890-320A-4B47-A53E-B351974631A7}" destId="{EBF8F6B8-9564-1441-9B40-3B57EB82800F}" srcOrd="0" destOrd="0" presId="urn:microsoft.com/office/officeart/2005/8/layout/hierarchy3"/>
-    <dgm:cxn modelId="{B7283128-E233-4CC5-815D-4D4A8FDE12AF}" type="presOf" srcId="{0A4FCDB1-35C8-4041-B299-34A6542EC47F}" destId="{673805C9-AEC1-1E4A-9420-07C7CCB2EA23}" srcOrd="0" destOrd="0" presId="urn:microsoft.com/office/officeart/2005/8/layout/hierarchy3"/>
-    <dgm:cxn modelId="{E837D2F3-30B9-4FC6-B28D-2CB4AD970420}" type="presOf" srcId="{2A917167-CA08-9845-BFBB-075A4D35C066}" destId="{61DFCB1D-42FD-E944-8C7C-50260B51B897}" srcOrd="0" destOrd="0" presId="urn:microsoft.com/office/officeart/2005/8/layout/hierarchy3"/>
-    <dgm:cxn modelId="{CCFFE8B7-BBA1-4C24-A109-22B4575B41B2}" type="presOf" srcId="{38893CC9-1131-5D4C-A035-B196533A6BAD}" destId="{66A7E51A-FD5F-954D-A28F-4B87801C4DA6}" srcOrd="0" destOrd="0" presId="urn:microsoft.com/office/officeart/2005/8/layout/hierarchy3"/>
-    <dgm:cxn modelId="{F90ED833-3681-4F19-8119-F5A2EDF92D7E}" type="presOf" srcId="{3B7D6244-D0FB-EB45-B3EA-96FE0136A5FA}" destId="{15DDC369-24FC-CF43-B8C6-7347F3D93459}" srcOrd="0" destOrd="0" presId="urn:microsoft.com/office/officeart/2005/8/layout/hierarchy3"/>
-    <dgm:cxn modelId="{1BD92F84-EC57-144F-BEB5-6A6E80F68A77}" srcId="{1F5C8817-DB8F-2F4F-9F3E-CDD779392C19}" destId="{D4C0AFD3-D6C7-944A-9CED-E9E485EBF1C8}" srcOrd="0" destOrd="0" parTransId="{6267DED2-D0F5-DC48-8F2D-BEFB14687890}" sibTransId="{015F7D32-DD96-EC49-B1BB-4559024785AF}"/>
-    <dgm:cxn modelId="{F5492BB1-1DE5-483D-B234-43CE2BFB8A99}" type="presOf" srcId="{68EF0485-1377-E945-AF25-075F3AAF9F27}" destId="{C9DE8436-9AB8-604F-ACE7-FD90ED9B6F6C}" srcOrd="0" destOrd="0" presId="urn:microsoft.com/office/officeart/2005/8/layout/hierarchy3"/>
-    <dgm:cxn modelId="{495ECE20-9BD1-400A-BE74-C8AD77AED1A5}" type="presOf" srcId="{CD901186-1203-CA44-927A-82BE82D19CDB}" destId="{4428862E-12C3-BB49-BD53-24B1C2B3744C}" srcOrd="0" destOrd="0" presId="urn:microsoft.com/office/officeart/2005/8/layout/hierarchy3"/>
-    <dgm:cxn modelId="{D5CE1210-4DF9-074E-85A9-4A08D53503FD}" srcId="{1F5C8817-DB8F-2F4F-9F3E-CDD779392C19}" destId="{68EF0485-1377-E945-AF25-075F3AAF9F27}" srcOrd="3" destOrd="0" parTransId="{7E3D195B-F3E2-804A-90DA-F0F21BE9FE6F}" sibTransId="{1459CA70-6652-A141-ADE0-E3577F463AC5}"/>
-    <dgm:cxn modelId="{AC024B87-EDBF-1E48-A066-A20F2ACAD4B1}" srcId="{1F5C8817-DB8F-2F4F-9F3E-CDD779392C19}" destId="{83889A59-9D85-494B-8C74-202BB9C379C6}" srcOrd="2" destOrd="0" parTransId="{CD901186-1203-CA44-927A-82BE82D19CDB}" sibTransId="{2818DDB9-9C0F-1846-829A-27F33AB0091C}"/>
-    <dgm:cxn modelId="{EEC07AB3-6CA7-4D6E-B7AC-D5E142C7AA5F}" type="presOf" srcId="{1F5C8817-DB8F-2F4F-9F3E-CDD779392C19}" destId="{63C51976-F41B-F141-93C0-FF6875F20846}" srcOrd="0" destOrd="0" presId="urn:microsoft.com/office/officeart/2005/8/layout/hierarchy3"/>
-    <dgm:cxn modelId="{8C214E43-2F23-9F4D-82E2-6817B7CC87D5}" srcId="{1F5C8817-DB8F-2F4F-9F3E-CDD779392C19}" destId="{13FF0890-320A-4B47-A53E-B351974631A7}" srcOrd="1" destOrd="0" parTransId="{9627307C-9690-BB47-BD82-1ED6A752B118}" sibTransId="{ECBAD8E8-A9FB-B849-9821-2D5AF5449979}"/>
-    <dgm:cxn modelId="{D91D49A1-2403-44B9-AAB0-80748CB1FD2A}" type="presOf" srcId="{E60D329A-932E-4F46-A992-7BEC4E650667}" destId="{3A1E93D5-C55B-F948-949A-32EBE246EB79}" srcOrd="0" destOrd="0" presId="urn:microsoft.com/office/officeart/2005/8/layout/hierarchy3"/>
     <dgm:cxn modelId="{94D2ECD8-D02F-4F3A-94C7-729B8CE36083}" type="presParOf" srcId="{3C2C9004-2D3C-8640-988D-D779A8A491AC}" destId="{C48895A9-16BD-C54D-B3B8-AC7A279265F1}" srcOrd="0" destOrd="0" presId="urn:microsoft.com/office/officeart/2005/8/layout/hierarchy3"/>
     <dgm:cxn modelId="{3DE24F3A-EE80-4975-A051-E54694E87AF2}" type="presParOf" srcId="{C48895A9-16BD-C54D-B3B8-AC7A279265F1}" destId="{978B3DBA-CFA8-6F45-9D8C-08348409E345}" srcOrd="0" destOrd="0" presId="urn:microsoft.com/office/officeart/2005/8/layout/hierarchy3"/>
     <dgm:cxn modelId="{3DBB1668-EA50-4B1E-9F15-87B74AE0E69A}" type="presParOf" srcId="{978B3DBA-CFA8-6F45-9D8C-08348409E345}" destId="{63C51976-F41B-F141-93C0-FF6875F20846}" srcOrd="0" destOrd="0" presId="urn:microsoft.com/office/officeart/2005/8/layout/hierarchy3"/>
@@ -8807,7 +8808,7 @@
             <a:fld id="{0B10C68B-4B56-4C57-A100-1112E8D05063}" type="datetimeFigureOut">
               <a:rPr lang="en-US" smtClean="0"/>
               <a:pPr/>
-              <a:t>4/10/2016</a:t>
+              <a:t>4/11/2016</a:t>
             </a:fld>
             <a:endParaRPr lang="en-US"/>
           </a:p>
@@ -9227,7 +9228,7 @@
             <a:fld id="{D2222311-5920-0D46-9D12-B49F8DC13FAD}" type="slidenum">
               <a:rPr lang="en-US" smtClean="0"/>
               <a:pPr/>
-              <a:t>18</a:t>
+              <a:t>19</a:t>
             </a:fld>
             <a:endParaRPr lang="en-US"/>
           </a:p>
@@ -9316,7 +9317,7 @@
             <a:fld id="{D2222311-5920-0D46-9D12-B49F8DC13FAD}" type="slidenum">
               <a:rPr lang="en-US" smtClean="0"/>
               <a:pPr/>
-              <a:t>19</a:t>
+              <a:t>20</a:t>
             </a:fld>
             <a:endParaRPr lang="en-US"/>
           </a:p>
@@ -9401,7 +9402,7 @@
             <a:fld id="{D2222311-5920-0D46-9D12-B49F8DC13FAD}" type="slidenum">
               <a:rPr lang="en-US" smtClean="0"/>
               <a:pPr/>
-              <a:t>20</a:t>
+              <a:t>21</a:t>
             </a:fld>
             <a:endParaRPr lang="en-US"/>
           </a:p>
@@ -9512,7 +9513,7 @@
             <a:fld id="{D2222311-5920-0D46-9D12-B49F8DC13FAD}" type="slidenum">
               <a:rPr lang="en-US" smtClean="0"/>
               <a:pPr/>
-              <a:t>21</a:t>
+              <a:t>22</a:t>
             </a:fld>
             <a:endParaRPr lang="en-US"/>
           </a:p>
@@ -9597,7 +9598,7 @@
             <a:fld id="{BD1BE559-B438-492B-8B25-996CFA6FE800}" type="slidenum">
               <a:rPr lang="en-US" smtClean="0"/>
               <a:pPr/>
-              <a:t>28</a:t>
+              <a:t>29</a:t>
             </a:fld>
             <a:endParaRPr lang="en-US"/>
           </a:p>
@@ -9724,7 +9725,7 @@
             <a:fld id="{D2222311-5920-0D46-9D12-B49F8DC13FAD}" type="slidenum">
               <a:rPr lang="en-US" smtClean="0"/>
               <a:pPr/>
-              <a:t>3</a:t>
+              <a:t>4</a:t>
             </a:fld>
             <a:endParaRPr lang="en-US"/>
           </a:p>
@@ -9809,7 +9810,7 @@
             <a:fld id="{D2222311-5920-0D46-9D12-B49F8DC13FAD}" type="slidenum">
               <a:rPr lang="en-US" smtClean="0"/>
               <a:pPr/>
-              <a:t>4</a:t>
+              <a:t>5</a:t>
             </a:fld>
             <a:endParaRPr lang="en-US"/>
           </a:p>
@@ -9906,7 +9907,7 @@
             <a:fld id="{D2222311-5920-0D46-9D12-B49F8DC13FAD}" type="slidenum">
               <a:rPr lang="en-US" smtClean="0"/>
               <a:pPr/>
-              <a:t>5</a:t>
+              <a:t>6</a:t>
             </a:fld>
             <a:endParaRPr lang="en-US"/>
           </a:p>
@@ -10080,7 +10081,7 @@
             <a:fld id="{D2222311-5920-0D46-9D12-B49F8DC13FAD}" type="slidenum">
               <a:rPr lang="en-US" smtClean="0"/>
               <a:pPr/>
-              <a:t>6</a:t>
+              <a:t>7</a:t>
             </a:fld>
             <a:endParaRPr lang="en-US"/>
           </a:p>
@@ -10318,7 +10319,7 @@
             <a:fld id="{D2222311-5920-0D46-9D12-B49F8DC13FAD}" type="slidenum">
               <a:rPr lang="en-US" smtClean="0"/>
               <a:pPr/>
-              <a:t>7</a:t>
+              <a:t>8</a:t>
             </a:fld>
             <a:endParaRPr lang="en-US"/>
           </a:p>
@@ -10403,7 +10404,7 @@
             <a:fld id="{D2222311-5920-0D46-9D12-B49F8DC13FAD}" type="slidenum">
               <a:rPr lang="en-US" smtClean="0"/>
               <a:pPr/>
-              <a:t>8</a:t>
+              <a:t>9</a:t>
             </a:fld>
             <a:endParaRPr lang="en-US"/>
           </a:p>
@@ -10643,7 +10644,7 @@
             <a:fld id="{D2222311-5920-0D46-9D12-B49F8DC13FAD}" type="slidenum">
               <a:rPr lang="en-US" smtClean="0"/>
               <a:pPr/>
-              <a:t>16</a:t>
+              <a:t>17</a:t>
             </a:fld>
             <a:endParaRPr lang="en-US"/>
           </a:p>
@@ -10736,7 +10737,7 @@
             <a:fld id="{D2222311-5920-0D46-9D12-B49F8DC13FAD}" type="slidenum">
               <a:rPr lang="en-US" smtClean="0"/>
               <a:pPr/>
-              <a:t>17</a:t>
+              <a:t>18</a:t>
             </a:fld>
             <a:endParaRPr lang="en-US"/>
           </a:p>
@@ -10898,7 +10899,7 @@
               <a:pPr>
                 <a:defRPr/>
               </a:pPr>
-              <a:t>4/10/2016</a:t>
+              <a:t>4/11/2016</a:t>
             </a:fld>
             <a:endParaRPr lang="en-US">
               <a:solidFill>
@@ -11113,7 +11114,7 @@
               <a:pPr>
                 <a:defRPr/>
               </a:pPr>
-              <a:t>4/10/2016</a:t>
+              <a:t>4/11/2016</a:t>
             </a:fld>
             <a:endParaRPr lang="en-US">
               <a:solidFill>
@@ -11338,7 +11339,7 @@
               <a:pPr>
                 <a:defRPr/>
               </a:pPr>
-              <a:t>4/10/2016</a:t>
+              <a:t>4/11/2016</a:t>
             </a:fld>
             <a:endParaRPr lang="en-US">
               <a:solidFill>
@@ -11579,7 +11580,7 @@
               <a:pPr>
                 <a:defRPr/>
               </a:pPr>
-              <a:t>4/10/2016</a:t>
+              <a:t>4/11/2016</a:t>
             </a:fld>
             <a:endParaRPr lang="en-US">
               <a:solidFill>
@@ -11868,7 +11869,7 @@
               <a:pPr>
                 <a:defRPr/>
               </a:pPr>
-              <a:t>4/10/2016</a:t>
+              <a:t>4/11/2016</a:t>
             </a:fld>
             <a:endParaRPr lang="en-US">
               <a:solidFill>
@@ -12189,7 +12190,7 @@
               <a:pPr>
                 <a:defRPr/>
               </a:pPr>
-              <a:t>4/10/2016</a:t>
+              <a:t>4/11/2016</a:t>
             </a:fld>
             <a:endParaRPr lang="en-US">
               <a:solidFill>
@@ -12649,7 +12650,7 @@
               <a:pPr>
                 <a:defRPr/>
               </a:pPr>
-              <a:t>4/10/2016</a:t>
+              <a:t>4/11/2016</a:t>
             </a:fld>
             <a:endParaRPr lang="en-US">
               <a:solidFill>
@@ -12820,7 +12821,7 @@
               <a:pPr>
                 <a:defRPr/>
               </a:pPr>
-              <a:t>4/10/2016</a:t>
+              <a:t>4/11/2016</a:t>
             </a:fld>
             <a:endParaRPr lang="en-US">
               <a:solidFill>
@@ -12960,7 +12961,7 @@
               <a:pPr>
                 <a:defRPr/>
               </a:pPr>
-              <a:t>4/10/2016</a:t>
+              <a:t>4/11/2016</a:t>
             </a:fld>
             <a:endParaRPr lang="en-US">
               <a:solidFill>
@@ -13282,7 +13283,7 @@
               <a:pPr>
                 <a:defRPr/>
               </a:pPr>
-              <a:t>4/10/2016</a:t>
+              <a:t>4/11/2016</a:t>
             </a:fld>
             <a:endParaRPr lang="en-US">
               <a:solidFill>
@@ -13584,7 +13585,7 @@
               <a:pPr>
                 <a:defRPr/>
               </a:pPr>
-              <a:t>4/10/2016</a:t>
+              <a:t>4/11/2016</a:t>
             </a:fld>
             <a:endParaRPr lang="en-US">
               <a:solidFill>
@@ -13842,7 +13843,7 @@
               <a:pPr>
                 <a:defRPr/>
               </a:pPr>
-              <a:t>4/10/2016</a:t>
+              <a:t>4/11/2016</a:t>
             </a:fld>
             <a:endParaRPr lang="en-US">
               <a:solidFill>
@@ -14524,6 +14525,96 @@
         </p:nvSpPr>
         <p:spPr>
           <a:xfrm>
+            <a:off x="4842164" y="1825625"/>
+            <a:ext cx="6511635" cy="4351338"/>
+          </a:xfrm>
+        </p:spPr>
+        <p:txBody>
+          <a:bodyPr/>
+          <a:lstStyle/>
+          <a:p>
+            <a:r>
+              <a:rPr lang="en-US" dirty="0" err="1" smtClean="0"/>
+              <a:t>bitrot</a:t>
+            </a:r>
+            <a:endParaRPr lang="en-US" dirty="0" smtClean="0"/>
+          </a:p>
+          <a:p>
+            <a:r>
+              <a:rPr lang="en-US" dirty="0" smtClean="0"/>
+              <a:t>there is no cloud</a:t>
+            </a:r>
+            <a:endParaRPr lang="en-US" dirty="0"/>
+          </a:p>
+        </p:txBody>
+      </p:sp>
+    </p:spTree>
+  </p:cSld>
+  <p:clrMapOvr>
+    <a:masterClrMapping/>
+  </p:clrMapOvr>
+  <p:timing>
+    <p:tnLst>
+      <p:par>
+        <p:cTn id="1" dur="indefinite" restart="never" nodeType="tmRoot"/>
+      </p:par>
+    </p:tnLst>
+  </p:timing>
+</p:sld>
+</file>
+
+<file path=ppt/slides/slide11.xml><?xml version="1.0" encoding="utf-8"?>
+<p:sld xmlns:a="http://schemas.openxmlformats.org/drawingml/2006/main" xmlns:r="http://schemas.openxmlformats.org/officeDocument/2006/relationships" xmlns:p="http://schemas.openxmlformats.org/presentationml/2006/main">
+  <p:cSld>
+    <p:spTree>
+      <p:nvGrpSpPr>
+        <p:cNvPr id="1" name=""/>
+        <p:cNvGrpSpPr/>
+        <p:nvPr/>
+      </p:nvGrpSpPr>
+      <p:grpSpPr>
+        <a:xfrm>
+          <a:off x="0" y="0"/>
+          <a:ext cx="0" cy="0"/>
+          <a:chOff x="0" y="0"/>
+          <a:chExt cx="0" cy="0"/>
+        </a:xfrm>
+      </p:grpSpPr>
+      <p:sp>
+        <p:nvSpPr>
+          <p:cNvPr id="2" name="Title 1"/>
+          <p:cNvSpPr>
+            <a:spLocks noGrp="1"/>
+          </p:cNvSpPr>
+          <p:nvPr>
+            <p:ph type="title"/>
+          </p:nvPr>
+        </p:nvSpPr>
+        <p:spPr/>
+        <p:txBody>
+          <a:bodyPr/>
+          <a:lstStyle/>
+          <a:p>
+            <a:r>
+              <a:rPr lang="en-US" dirty="0" smtClean="0"/>
+              <a:t>Checksum Review</a:t>
+            </a:r>
+            <a:endParaRPr lang="en-US" dirty="0"/>
+          </a:p>
+        </p:txBody>
+      </p:sp>
+      <p:sp>
+        <p:nvSpPr>
+          <p:cNvPr id="3" name="Content Placeholder 2"/>
+          <p:cNvSpPr>
+            <a:spLocks noGrp="1"/>
+          </p:cNvSpPr>
+          <p:nvPr>
+            <p:ph idx="1"/>
+          </p:nvPr>
+        </p:nvSpPr>
+        <p:spPr>
+          <a:xfrm>
             <a:off x="4010890" y="1825625"/>
             <a:ext cx="7342909" cy="4351338"/>
           </a:xfrm>
@@ -14604,10 +14695,17 @@
   <p:clrMapOvr>
     <a:masterClrMapping/>
   </p:clrMapOvr>
+  <p:timing>
+    <p:tnLst>
+      <p:par>
+        <p:cTn id="1" dur="indefinite" restart="never" nodeType="tmRoot"/>
+      </p:par>
+    </p:tnLst>
+  </p:timing>
 </p:sld>
 </file>
 
-<file path=ppt/slides/slide11.xml><?xml version="1.0" encoding="utf-8"?>
+<file path=ppt/slides/slide12.xml><?xml version="1.0" encoding="utf-8"?>
 <p:sld xmlns:a="http://schemas.openxmlformats.org/drawingml/2006/main" xmlns:r="http://schemas.openxmlformats.org/officeDocument/2006/relationships" xmlns:p="http://schemas.openxmlformats.org/presentationml/2006/main">
   <p:cSld>
     <p:spTree>
@@ -15235,7 +15333,7 @@
 </p:sld>
 </file>
 
-<file path=ppt/slides/slide12.xml><?xml version="1.0" encoding="utf-8"?>
+<file path=ppt/slides/slide13.xml><?xml version="1.0" encoding="utf-8"?>
 <p:sld xmlns:a="http://schemas.openxmlformats.org/drawingml/2006/main" xmlns:r="http://schemas.openxmlformats.org/officeDocument/2006/relationships" xmlns:p="http://schemas.openxmlformats.org/presentationml/2006/main">
   <p:cSld>
     <p:spTree>
@@ -15538,7 +15636,7 @@
 </p:sld>
 </file>
 
-<file path=ppt/slides/slide13.xml><?xml version="1.0" encoding="utf-8"?>
+<file path=ppt/slides/slide14.xml><?xml version="1.0" encoding="utf-8"?>
 <p:sld xmlns:a="http://schemas.openxmlformats.org/drawingml/2006/main" xmlns:r="http://schemas.openxmlformats.org/officeDocument/2006/relationships" xmlns:p="http://schemas.openxmlformats.org/presentationml/2006/main">
   <p:cSld>
     <p:spTree>
@@ -15950,7 +16048,7 @@
 </p:sld>
 </file>
 
-<file path=ppt/slides/slide14.xml><?xml version="1.0" encoding="utf-8"?>
+<file path=ppt/slides/slide15.xml><?xml version="1.0" encoding="utf-8"?>
 <p:sld xmlns:a="http://schemas.openxmlformats.org/drawingml/2006/main" xmlns:r="http://schemas.openxmlformats.org/officeDocument/2006/relationships" xmlns:p="http://schemas.openxmlformats.org/presentationml/2006/main">
   <p:cSld>
     <p:spTree>
@@ -15984,7 +16082,7 @@
           <a:p>
             <a:r>
               <a:rPr lang="en-US" dirty="0" smtClean="0"/>
-              <a:t>sharing</a:t>
+              <a:t>Researcher perspectives on sharing</a:t>
             </a:r>
             <a:endParaRPr lang="en-US" dirty="0"/>
           </a:p>
@@ -16028,8 +16126,8 @@
         </p:nvSpPr>
         <p:spPr>
           <a:xfrm>
-            <a:off x="5444836" y="5070763"/>
-            <a:ext cx="5908963" cy="1106199"/>
+            <a:off x="6851605" y="4970585"/>
+            <a:ext cx="2538579" cy="1511177"/>
           </a:xfrm>
         </p:spPr>
         <p:txBody>
@@ -16043,7 +16141,7 @@
             </a:pPr>
             <a:r>
               <a:rPr lang="en-US" dirty="0" smtClean="0"/>
-              <a:t>Control</a:t>
+              <a:t>Age</a:t>
             </a:r>
           </a:p>
           <a:p>
@@ -16052,8 +16150,9 @@
             </a:pPr>
             <a:r>
               <a:rPr lang="en-US" dirty="0" smtClean="0"/>
-              <a:t>Resources</a:t>
-            </a:r>
+              <a:t>Control</a:t>
+            </a:r>
+            <a:endParaRPr lang="en-US" dirty="0" smtClean="0"/>
           </a:p>
           <a:p>
             <a:pPr>
@@ -16061,136 +16160,22 @@
             </a:pPr>
             <a:r>
               <a:rPr lang="en-US" dirty="0" smtClean="0"/>
-              <a:t>Returns</a:t>
+              <a:t>Resources</a:t>
             </a:r>
           </a:p>
           <a:p>
             <a:pPr>
               <a:buNone/>
             </a:pPr>
-            <a:endParaRPr lang="en-US" dirty="0"/>
-          </a:p>
-        </p:txBody>
-      </p:sp>
-    </p:spTree>
-  </p:cSld>
-  <p:clrMapOvr>
-    <a:masterClrMapping/>
-  </p:clrMapOvr>
-  <p:timing>
-    <p:tnLst>
-      <p:par>
-        <p:cTn id="1" dur="indefinite" restart="never" nodeType="tmRoot"/>
-      </p:par>
-    </p:tnLst>
-  </p:timing>
-</p:sld>
-</file>
-
-<file path=ppt/slides/slide15.xml><?xml version="1.0" encoding="utf-8"?>
-<p:sld xmlns:a="http://schemas.openxmlformats.org/drawingml/2006/main" xmlns:r="http://schemas.openxmlformats.org/officeDocument/2006/relationships" xmlns:p="http://schemas.openxmlformats.org/presentationml/2006/main">
-  <p:cSld>
-    <p:spTree>
-      <p:nvGrpSpPr>
-        <p:cNvPr id="1" name=""/>
-        <p:cNvGrpSpPr/>
-        <p:nvPr/>
-      </p:nvGrpSpPr>
-      <p:grpSpPr>
-        <a:xfrm>
-          <a:off x="0" y="0"/>
-          <a:ext cx="0" cy="0"/>
-          <a:chOff x="0" y="0"/>
-          <a:chExt cx="0" cy="0"/>
-        </a:xfrm>
-      </p:grpSpPr>
-      <p:sp>
-        <p:nvSpPr>
-          <p:cNvPr id="2" name="Title 1"/>
-          <p:cNvSpPr>
-            <a:spLocks noGrp="1"/>
-          </p:cNvSpPr>
-          <p:nvPr>
-            <p:ph type="title"/>
-          </p:nvPr>
-        </p:nvSpPr>
-        <p:spPr/>
-        <p:txBody>
-          <a:bodyPr/>
-          <a:lstStyle/>
-          <a:p>
             <a:r>
               <a:rPr lang="en-US" dirty="0" smtClean="0"/>
-              <a:t>Sharing (why not) </a:t>
-            </a:r>
-            <a:endParaRPr lang="en-US" dirty="0"/>
-          </a:p>
-        </p:txBody>
-      </p:sp>
-      <p:sp>
-        <p:nvSpPr>
-          <p:cNvPr id="6" name="Content Placeholder 5"/>
-          <p:cNvSpPr>
-            <a:spLocks noGrp="1"/>
-          </p:cNvSpPr>
-          <p:nvPr>
-            <p:ph idx="1"/>
-          </p:nvPr>
-        </p:nvSpPr>
-        <p:spPr/>
-        <p:txBody>
-          <a:bodyPr/>
-          <a:lstStyle/>
-          <a:p>
-            <a:r>
-              <a:rPr lang="en-US" dirty="0" smtClean="0"/>
-              <a:t>Adverse Use</a:t>
-            </a:r>
-          </a:p>
-          <a:p>
-            <a:pPr lvl="1">
+              <a:t>Returns</a:t>
+            </a:r>
+          </a:p>
+          <a:p>
+            <a:pPr>
               <a:buNone/>
             </a:pPr>
-            <a:r>
-              <a:rPr lang="en-US" i="1" dirty="0" smtClean="0"/>
-              <a:t>falsification, commercial misuse, competitive misuse, flawed interpretation</a:t>
-            </a:r>
-            <a:r>
-              <a:rPr lang="en-US" dirty="0" smtClean="0"/>
-              <a:t>, and </a:t>
-            </a:r>
-            <a:r>
-              <a:rPr lang="en-US" i="1" dirty="0" smtClean="0"/>
-              <a:t>unclear intent</a:t>
-            </a:r>
-            <a:r>
-              <a:rPr lang="en-US" dirty="0" smtClean="0"/>
-              <a:t>.</a:t>
-            </a:r>
-          </a:p>
-          <a:p>
-            <a:pPr lvl="1"/>
-            <a:endParaRPr lang="en-US" dirty="0" smtClean="0"/>
-          </a:p>
-          <a:p>
-            <a:pPr lvl="1"/>
-            <a:endParaRPr lang="en-US" dirty="0" smtClean="0"/>
-          </a:p>
-          <a:p>
-            <a:r>
-              <a:rPr lang="en-US" dirty="0" smtClean="0"/>
-              <a:t>Academic Data is </a:t>
-            </a:r>
-            <a:r>
-              <a:rPr lang="en-US" i="1" dirty="0" smtClean="0"/>
-              <a:t>not </a:t>
-            </a:r>
-            <a:r>
-              <a:rPr lang="en-US" dirty="0" smtClean="0"/>
-              <a:t>a knowledge commons</a:t>
-            </a:r>
-          </a:p>
-          <a:p>
             <a:endParaRPr lang="en-US" dirty="0"/>
           </a:p>
         </p:txBody>
@@ -16239,6 +16224,222 @@
         </p:nvSpPr>
         <p:spPr/>
         <p:txBody>
+          <a:bodyPr/>
+          <a:lstStyle/>
+          <a:p>
+            <a:endParaRPr lang="en-US"/>
+          </a:p>
+        </p:txBody>
+      </p:sp>
+      <p:sp>
+        <p:nvSpPr>
+          <p:cNvPr id="3" name="Content Placeholder 2"/>
+          <p:cNvSpPr>
+            <a:spLocks noGrp="1"/>
+          </p:cNvSpPr>
+          <p:nvPr>
+            <p:ph idx="1"/>
+          </p:nvPr>
+        </p:nvSpPr>
+        <p:spPr/>
+        <p:txBody>
+          <a:bodyPr/>
+          <a:lstStyle/>
+          <a:p>
+            <a:endParaRPr lang="en-US"/>
+          </a:p>
+        </p:txBody>
+      </p:sp>
+      <p:pic>
+        <p:nvPicPr>
+          <p:cNvPr id="1026" name="Picture 2" descr="http://journals.plos.org/plosone/article/figure/image?size=large&amp;id=info:doi/10.1371/journal.pone.0118053.g004"/>
+          <p:cNvPicPr>
+            <a:picLocks noChangeAspect="1" noChangeArrowheads="1"/>
+          </p:cNvPicPr>
+          <p:nvPr/>
+        </p:nvPicPr>
+        <p:blipFill>
+          <a:blip r:embed="rId2">
+            <a:extLst>
+              <a:ext uri="{28A0092B-C50C-407E-A947-70E740481C1C}">
+                <a14:useLocalDpi xmlns:a14="http://schemas.microsoft.com/office/drawing/2010/main" val="0"/>
+              </a:ext>
+            </a:extLst>
+          </a:blip>
+          <a:srcRect/>
+          <a:stretch>
+            <a:fillRect/>
+          </a:stretch>
+        </p:blipFill>
+        <p:spPr bwMode="auto">
+          <a:xfrm>
+            <a:off x="1486122" y="485950"/>
+            <a:ext cx="9219755" cy="5947392"/>
+          </a:xfrm>
+          <a:prstGeom prst="rect">
+            <a:avLst/>
+          </a:prstGeom>
+          <a:noFill/>
+          <a:extLst>
+            <a:ext uri="{909E8E84-426E-40DD-AFC4-6F175D3DCCD1}">
+              <a14:hiddenFill xmlns:a14="http://schemas.microsoft.com/office/drawing/2010/main">
+                <a:solidFill>
+                  <a:srgbClr val="FFFFFF"/>
+                </a:solidFill>
+              </a14:hiddenFill>
+            </a:ext>
+          </a:extLst>
+        </p:spPr>
+      </p:pic>
+      <p:sp>
+        <p:nvSpPr>
+          <p:cNvPr id="5" name="Rectangle 4"/>
+          <p:cNvSpPr/>
+          <p:nvPr/>
+        </p:nvSpPr>
+        <p:spPr>
+          <a:xfrm>
+            <a:off x="3724102" y="5918662"/>
+            <a:ext cx="5320145" cy="668568"/>
+          </a:xfrm>
+          <a:prstGeom prst="rect">
+            <a:avLst/>
+          </a:prstGeom>
+          <a:solidFill>
+            <a:schemeClr val="bg1"/>
+          </a:solidFill>
+          <a:ln>
+            <a:noFill/>
+          </a:ln>
+        </p:spPr>
+        <p:style>
+          <a:lnRef idx="2">
+            <a:schemeClr val="accent1">
+              <a:shade val="50000"/>
+            </a:schemeClr>
+          </a:lnRef>
+          <a:fillRef idx="1">
+            <a:schemeClr val="accent1"/>
+          </a:fillRef>
+          <a:effectRef idx="0">
+            <a:schemeClr val="accent1"/>
+          </a:effectRef>
+          <a:fontRef idx="minor">
+            <a:schemeClr val="lt1"/>
+          </a:fontRef>
+        </p:style>
+        <p:txBody>
+          <a:bodyPr rtlCol="0" anchor="ctr"/>
+          <a:lstStyle/>
+          <a:p>
+            <a:pPr algn="ctr"/>
+            <a:endParaRPr lang="en-US"/>
+          </a:p>
+        </p:txBody>
+      </p:sp>
+      <p:sp>
+        <p:nvSpPr>
+          <p:cNvPr id="4" name="Rectangle 3"/>
+          <p:cNvSpPr/>
+          <p:nvPr/>
+        </p:nvSpPr>
+        <p:spPr>
+          <a:xfrm>
+            <a:off x="3988659" y="6176963"/>
+            <a:ext cx="4214680" cy="307777"/>
+          </a:xfrm>
+          <a:prstGeom prst="rect">
+            <a:avLst/>
+          </a:prstGeom>
+        </p:spPr>
+        <p:txBody>
+          <a:bodyPr wrap="none">
+            <a:spAutoFit/>
+          </a:bodyPr>
+          <a:lstStyle/>
+          <a:p>
+            <a:r>
+              <a:rPr lang="en-US" sz="1400" dirty="0">
+                <a:solidFill>
+                  <a:schemeClr val="tx1">
+                    <a:lumMod val="65000"/>
+                    <a:lumOff val="35000"/>
+                  </a:schemeClr>
+                </a:solidFill>
+              </a:rPr>
+              <a:t>http://</a:t>
+            </a:r>
+            <a:r>
+              <a:rPr lang="en-US" sz="1400" dirty="0" smtClean="0">
+                <a:solidFill>
+                  <a:schemeClr val="tx1">
+                    <a:lumMod val="65000"/>
+                    <a:lumOff val="35000"/>
+                  </a:schemeClr>
+                </a:solidFill>
+              </a:rPr>
+              <a:t>dx.doi.org/10.1371/journal.pone.0118053.g004</a:t>
+            </a:r>
+            <a:endParaRPr lang="en-US" sz="1400" dirty="0">
+              <a:solidFill>
+                <a:schemeClr val="tx1">
+                  <a:lumMod val="65000"/>
+                  <a:lumOff val="35000"/>
+                </a:schemeClr>
+              </a:solidFill>
+            </a:endParaRPr>
+          </a:p>
+        </p:txBody>
+      </p:sp>
+    </p:spTree>
+    <p:extLst>
+      <p:ext uri="{BB962C8B-B14F-4D97-AF65-F5344CB8AC3E}">
+        <p14:creationId xmlns:p14="http://schemas.microsoft.com/office/powerpoint/2010/main" val="3365219470"/>
+      </p:ext>
+    </p:extLst>
+  </p:cSld>
+  <p:clrMapOvr>
+    <a:masterClrMapping/>
+  </p:clrMapOvr>
+  <p:timing>
+    <p:tnLst>
+      <p:par>
+        <p:cTn id="1" dur="indefinite" restart="never" nodeType="tmRoot"/>
+      </p:par>
+    </p:tnLst>
+  </p:timing>
+</p:sld>
+</file>
+
+<file path=ppt/slides/slide17.xml><?xml version="1.0" encoding="utf-8"?>
+<p:sld xmlns:a="http://schemas.openxmlformats.org/drawingml/2006/main" xmlns:r="http://schemas.openxmlformats.org/officeDocument/2006/relationships" xmlns:p="http://schemas.openxmlformats.org/presentationml/2006/main">
+  <p:cSld>
+    <p:spTree>
+      <p:nvGrpSpPr>
+        <p:cNvPr id="1" name=""/>
+        <p:cNvGrpSpPr/>
+        <p:nvPr/>
+      </p:nvGrpSpPr>
+      <p:grpSpPr>
+        <a:xfrm>
+          <a:off x="0" y="0"/>
+          <a:ext cx="0" cy="0"/>
+          <a:chOff x="0" y="0"/>
+          <a:chExt cx="0" cy="0"/>
+        </a:xfrm>
+      </p:grpSpPr>
+      <p:sp>
+        <p:nvSpPr>
+          <p:cNvPr id="2" name="Title 1"/>
+          <p:cNvSpPr>
+            <a:spLocks noGrp="1"/>
+          </p:cNvSpPr>
+          <p:nvPr>
+            <p:ph type="title"/>
+          </p:nvPr>
+        </p:nvSpPr>
+        <p:spPr/>
+        <p:txBody>
           <a:bodyPr>
             <a:normAutofit/>
           </a:bodyPr>
@@ -16264,7 +16465,7 @@
         </p:nvSpPr>
         <p:spPr>
           <a:xfrm>
-            <a:off x="701142" y="1717886"/>
+            <a:off x="1185234" y="1717886"/>
             <a:ext cx="6072829" cy="4008566"/>
           </a:xfrm>
         </p:spPr>
@@ -16355,7 +16556,7 @@
         </p:nvSpPr>
         <p:spPr>
           <a:xfrm>
-            <a:off x="6751090" y="1717886"/>
+            <a:off x="6576279" y="1717886"/>
             <a:ext cx="5440910" cy="3477569"/>
           </a:xfrm>
           <a:prstGeom prst="rect">
@@ -16585,7 +16786,7 @@
         </p:nvCxnSpPr>
         <p:spPr>
           <a:xfrm>
-            <a:off x="6830504" y="2468523"/>
+            <a:off x="6655693" y="2468523"/>
             <a:ext cx="0" cy="2145136"/>
           </a:xfrm>
           <a:prstGeom prst="straightConnector1">
@@ -16613,6 +16814,104 @@
           </a:fontRef>
         </p:style>
       </p:cxnSp>
+      <p:sp>
+        <p:nvSpPr>
+          <p:cNvPr id="6" name="Rectangle 5"/>
+          <p:cNvSpPr/>
+          <p:nvPr/>
+        </p:nvSpPr>
+        <p:spPr>
+          <a:xfrm>
+            <a:off x="653142" y="6211669"/>
+            <a:ext cx="10842171" cy="523220"/>
+          </a:xfrm>
+          <a:prstGeom prst="rect">
+            <a:avLst/>
+          </a:prstGeom>
+        </p:spPr>
+        <p:txBody>
+          <a:bodyPr wrap="square">
+            <a:spAutoFit/>
+          </a:bodyPr>
+          <a:lstStyle/>
+          <a:p>
+            <a:r>
+              <a:rPr lang="en-US" sz="1400" dirty="0" smtClean="0">
+                <a:solidFill>
+                  <a:schemeClr val="tx1">
+                    <a:lumMod val="65000"/>
+                    <a:lumOff val="35000"/>
+                  </a:schemeClr>
+                </a:solidFill>
+              </a:rPr>
+              <a:t>Next seven slides </a:t>
+            </a:r>
+            <a:r>
+              <a:rPr lang="en-US" sz="1400" dirty="0" smtClean="0">
+                <a:solidFill>
+                  <a:schemeClr val="tx1">
+                    <a:lumMod val="65000"/>
+                    <a:lumOff val="35000"/>
+                  </a:schemeClr>
+                </a:solidFill>
+              </a:rPr>
+              <a:t>adapted from: </a:t>
+            </a:r>
+            <a:r>
+              <a:rPr lang="en-US" sz="1400" dirty="0" smtClean="0">
+                <a:solidFill>
+                  <a:schemeClr val="tx1">
+                    <a:lumMod val="65000"/>
+                    <a:lumOff val="35000"/>
+                  </a:schemeClr>
+                </a:solidFill>
+              </a:rPr>
+              <a:t>Whitmire</a:t>
+            </a:r>
+            <a:r>
+              <a:rPr lang="en-US" sz="1400" dirty="0" smtClean="0">
+                <a:solidFill>
+                  <a:schemeClr val="tx1">
+                    <a:lumMod val="65000"/>
+                    <a:lumOff val="35000"/>
+                  </a:schemeClr>
+                </a:solidFill>
+              </a:rPr>
+              <a:t>, Amanda L. (2014). Research Data Management Curriculum, Lecture </a:t>
+            </a:r>
+            <a:r>
+              <a:rPr lang="en-US" sz="1400" dirty="0" smtClean="0">
+                <a:solidFill>
+                  <a:schemeClr val="tx1">
+                    <a:lumMod val="65000"/>
+                    <a:lumOff val="35000"/>
+                  </a:schemeClr>
+                </a:solidFill>
+              </a:rPr>
+              <a:t>15: Data Preservation. </a:t>
+            </a:r>
+            <a:r>
+              <a:rPr lang="en-US" sz="1400" dirty="0" smtClean="0">
+                <a:solidFill>
+                  <a:schemeClr val="tx1">
+                    <a:lumMod val="65000"/>
+                    <a:lumOff val="35000"/>
+                  </a:schemeClr>
+                </a:solidFill>
+              </a:rPr>
+              <a:t>Oregon State University Libraries. Retrieved 11/04/2015 from: http://figshare.com/articles/GRAD521_Research_Data_Management_Lectures/1003835</a:t>
+            </a:r>
+            <a:endParaRPr lang="en-US" sz="1400" dirty="0">
+              <a:solidFill>
+                <a:schemeClr val="tx1">
+                  <a:lumMod val="65000"/>
+                  <a:lumOff val="35000"/>
+                </a:schemeClr>
+              </a:solidFill>
+            </a:endParaRPr>
+          </a:p>
+        </p:txBody>
+      </p:sp>
     </p:spTree>
     <p:extLst>
       <p:ext uri="{BB962C8B-B14F-4D97-AF65-F5344CB8AC3E}">
@@ -16657,7 +16956,7 @@
                                           </p:stCondLst>
                                         </p:cTn>
                                         <p:tgtEl>
-                                          <p:spTgt spid="5">
+                                          <p:spTgt spid="3">
                                             <p:txEl>
                                               <p:pRg st="0" end="0"/>
                                             </p:txEl>
@@ -16688,7 +16987,7 @@
                                           </p:stCondLst>
                                         </p:cTn>
                                         <p:tgtEl>
-                                          <p:spTgt spid="5">
+                                          <p:spTgt spid="3">
                                             <p:txEl>
                                               <p:pRg st="1" end="1"/>
                                             </p:txEl>
@@ -16719,7 +17018,7 @@
                                           </p:stCondLst>
                                         </p:cTn>
                                         <p:tgtEl>
-                                          <p:spTgt spid="5">
+                                          <p:spTgt spid="3">
                                             <p:txEl>
                                               <p:pRg st="2" end="2"/>
                                             </p:txEl>
@@ -16750,7 +17049,7 @@
                                           </p:stCondLst>
                                         </p:cTn>
                                         <p:tgtEl>
-                                          <p:spTgt spid="5">
+                                          <p:spTgt spid="3">
                                             <p:txEl>
                                               <p:pRg st="3" end="3"/>
                                             </p:txEl>
@@ -16781,7 +17080,7 @@
                                           </p:stCondLst>
                                         </p:cTn>
                                         <p:tgtEl>
-                                          <p:spTgt spid="5">
+                                          <p:spTgt spid="3">
                                             <p:txEl>
                                               <p:pRg st="4" end="4"/>
                                             </p:txEl>
@@ -16812,7 +17111,7 @@
                                           </p:stCondLst>
                                         </p:cTn>
                                         <p:tgtEl>
-                                          <p:spTgt spid="5">
+                                          <p:spTgt spid="3">
                                             <p:txEl>
                                               <p:pRg st="5" end="5"/>
                                             </p:txEl>
@@ -16843,11 +17142,273 @@
                                           </p:stCondLst>
                                         </p:cTn>
                                         <p:tgtEl>
+                                          <p:spTgt spid="3">
+                                            <p:txEl>
+                                              <p:pRg st="6" end="6"/>
+                                            </p:txEl>
+                                          </p:spTgt>
+                                        </p:tgtEl>
+                                        <p:attrNameLst>
+                                          <p:attrName>style.visibility</p:attrName>
+                                        </p:attrNameLst>
+                                      </p:cBhvr>
+                                      <p:to>
+                                        <p:strVal val="visible"/>
+                                      </p:to>
+                                    </p:set>
+                                  </p:childTnLst>
+                                </p:cTn>
+                              </p:par>
+                            </p:childTnLst>
+                          </p:cTn>
+                        </p:par>
+                      </p:childTnLst>
+                    </p:cTn>
+                  </p:par>
+                  <p:par>
+                    <p:cTn id="19" fill="hold">
+                      <p:stCondLst>
+                        <p:cond delay="indefinite"/>
+                      </p:stCondLst>
+                      <p:childTnLst>
+                        <p:par>
+                          <p:cTn id="20" fill="hold">
+                            <p:stCondLst>
+                              <p:cond delay="0"/>
+                            </p:stCondLst>
+                            <p:childTnLst>
+                              <p:par>
+                                <p:cTn id="21" presetID="1" presetClass="entr" presetSubtype="0" fill="hold" grpId="0" nodeType="clickEffect">
+                                  <p:stCondLst>
+                                    <p:cond delay="0"/>
+                                  </p:stCondLst>
+                                  <p:childTnLst>
+                                    <p:set>
+                                      <p:cBhvr>
+                                        <p:cTn id="22" dur="1" fill="hold">
+                                          <p:stCondLst>
+                                            <p:cond delay="0"/>
+                                          </p:stCondLst>
+                                        </p:cTn>
+                                        <p:tgtEl>
+                                          <p:spTgt spid="5">
+                                            <p:txEl>
+                                              <p:pRg st="0" end="0"/>
+                                            </p:txEl>
+                                          </p:spTgt>
+                                        </p:tgtEl>
+                                        <p:attrNameLst>
+                                          <p:attrName>style.visibility</p:attrName>
+                                        </p:attrNameLst>
+                                      </p:cBhvr>
+                                      <p:to>
+                                        <p:strVal val="visible"/>
+                                      </p:to>
+                                    </p:set>
+                                  </p:childTnLst>
+                                </p:cTn>
+                              </p:par>
+                              <p:par>
+                                <p:cTn id="23" presetID="1" presetClass="entr" presetSubtype="0" fill="hold" grpId="0" nodeType="withEffect">
+                                  <p:stCondLst>
+                                    <p:cond delay="0"/>
+                                  </p:stCondLst>
+                                  <p:childTnLst>
+                                    <p:set>
+                                      <p:cBhvr>
+                                        <p:cTn id="24" dur="1" fill="hold">
+                                          <p:stCondLst>
+                                            <p:cond delay="0"/>
+                                          </p:stCondLst>
+                                        </p:cTn>
+                                        <p:tgtEl>
+                                          <p:spTgt spid="5">
+                                            <p:txEl>
+                                              <p:pRg st="1" end="1"/>
+                                            </p:txEl>
+                                          </p:spTgt>
+                                        </p:tgtEl>
+                                        <p:attrNameLst>
+                                          <p:attrName>style.visibility</p:attrName>
+                                        </p:attrNameLst>
+                                      </p:cBhvr>
+                                      <p:to>
+                                        <p:strVal val="visible"/>
+                                      </p:to>
+                                    </p:set>
+                                  </p:childTnLst>
+                                </p:cTn>
+                              </p:par>
+                              <p:par>
+                                <p:cTn id="25" presetID="1" presetClass="entr" presetSubtype="0" fill="hold" grpId="0" nodeType="withEffect">
+                                  <p:stCondLst>
+                                    <p:cond delay="0"/>
+                                  </p:stCondLst>
+                                  <p:childTnLst>
+                                    <p:set>
+                                      <p:cBhvr>
+                                        <p:cTn id="26" dur="1" fill="hold">
+                                          <p:stCondLst>
+                                            <p:cond delay="0"/>
+                                          </p:stCondLst>
+                                        </p:cTn>
+                                        <p:tgtEl>
+                                          <p:spTgt spid="5">
+                                            <p:txEl>
+                                              <p:pRg st="2" end="2"/>
+                                            </p:txEl>
+                                          </p:spTgt>
+                                        </p:tgtEl>
+                                        <p:attrNameLst>
+                                          <p:attrName>style.visibility</p:attrName>
+                                        </p:attrNameLst>
+                                      </p:cBhvr>
+                                      <p:to>
+                                        <p:strVal val="visible"/>
+                                      </p:to>
+                                    </p:set>
+                                  </p:childTnLst>
+                                </p:cTn>
+                              </p:par>
+                              <p:par>
+                                <p:cTn id="27" presetID="1" presetClass="entr" presetSubtype="0" fill="hold" grpId="0" nodeType="withEffect">
+                                  <p:stCondLst>
+                                    <p:cond delay="0"/>
+                                  </p:stCondLst>
+                                  <p:childTnLst>
+                                    <p:set>
+                                      <p:cBhvr>
+                                        <p:cTn id="28" dur="1" fill="hold">
+                                          <p:stCondLst>
+                                            <p:cond delay="0"/>
+                                          </p:stCondLst>
+                                        </p:cTn>
+                                        <p:tgtEl>
+                                          <p:spTgt spid="5">
+                                            <p:txEl>
+                                              <p:pRg st="3" end="3"/>
+                                            </p:txEl>
+                                          </p:spTgt>
+                                        </p:tgtEl>
+                                        <p:attrNameLst>
+                                          <p:attrName>style.visibility</p:attrName>
+                                        </p:attrNameLst>
+                                      </p:cBhvr>
+                                      <p:to>
+                                        <p:strVal val="visible"/>
+                                      </p:to>
+                                    </p:set>
+                                  </p:childTnLst>
+                                </p:cTn>
+                              </p:par>
+                              <p:par>
+                                <p:cTn id="29" presetID="1" presetClass="entr" presetSubtype="0" fill="hold" grpId="0" nodeType="withEffect">
+                                  <p:stCondLst>
+                                    <p:cond delay="0"/>
+                                  </p:stCondLst>
+                                  <p:childTnLst>
+                                    <p:set>
+                                      <p:cBhvr>
+                                        <p:cTn id="30" dur="1" fill="hold">
+                                          <p:stCondLst>
+                                            <p:cond delay="0"/>
+                                          </p:stCondLst>
+                                        </p:cTn>
+                                        <p:tgtEl>
+                                          <p:spTgt spid="5">
+                                            <p:txEl>
+                                              <p:pRg st="4" end="4"/>
+                                            </p:txEl>
+                                          </p:spTgt>
+                                        </p:tgtEl>
+                                        <p:attrNameLst>
+                                          <p:attrName>style.visibility</p:attrName>
+                                        </p:attrNameLst>
+                                      </p:cBhvr>
+                                      <p:to>
+                                        <p:strVal val="visible"/>
+                                      </p:to>
+                                    </p:set>
+                                  </p:childTnLst>
+                                </p:cTn>
+                              </p:par>
+                              <p:par>
+                                <p:cTn id="31" presetID="1" presetClass="entr" presetSubtype="0" fill="hold" grpId="0" nodeType="withEffect">
+                                  <p:stCondLst>
+                                    <p:cond delay="0"/>
+                                  </p:stCondLst>
+                                  <p:childTnLst>
+                                    <p:set>
+                                      <p:cBhvr>
+                                        <p:cTn id="32" dur="1" fill="hold">
+                                          <p:stCondLst>
+                                            <p:cond delay="0"/>
+                                          </p:stCondLst>
+                                        </p:cTn>
+                                        <p:tgtEl>
+                                          <p:spTgt spid="5">
+                                            <p:txEl>
+                                              <p:pRg st="5" end="5"/>
+                                            </p:txEl>
+                                          </p:spTgt>
+                                        </p:tgtEl>
+                                        <p:attrNameLst>
+                                          <p:attrName>style.visibility</p:attrName>
+                                        </p:attrNameLst>
+                                      </p:cBhvr>
+                                      <p:to>
+                                        <p:strVal val="visible"/>
+                                      </p:to>
+                                    </p:set>
+                                  </p:childTnLst>
+                                </p:cTn>
+                              </p:par>
+                              <p:par>
+                                <p:cTn id="33" presetID="1" presetClass="entr" presetSubtype="0" fill="hold" grpId="0" nodeType="withEffect">
+                                  <p:stCondLst>
+                                    <p:cond delay="0"/>
+                                  </p:stCondLst>
+                                  <p:childTnLst>
+                                    <p:set>
+                                      <p:cBhvr>
+                                        <p:cTn id="34" dur="1" fill="hold">
+                                          <p:stCondLst>
+                                            <p:cond delay="0"/>
+                                          </p:stCondLst>
+                                        </p:cTn>
+                                        <p:tgtEl>
                                           <p:spTgt spid="5">
                                             <p:txEl>
                                               <p:pRg st="6" end="6"/>
                                             </p:txEl>
                                           </p:spTgt>
+                                        </p:tgtEl>
+                                        <p:attrNameLst>
+                                          <p:attrName>style.visibility</p:attrName>
+                                        </p:attrNameLst>
+                                      </p:cBhvr>
+                                      <p:to>
+                                        <p:strVal val="visible"/>
+                                      </p:to>
+                                    </p:set>
+                                  </p:childTnLst>
+                                </p:cTn>
+                              </p:par>
+                              <p:par>
+                                <p:cTn id="35" presetID="1" presetClass="entr" presetSubtype="0" fill="hold" nodeType="withEffect">
+                                  <p:stCondLst>
+                                    <p:cond delay="0"/>
+                                  </p:stCondLst>
+                                  <p:childTnLst>
+                                    <p:set>
+                                      <p:cBhvr>
+                                        <p:cTn id="36" dur="1" fill="hold">
+                                          <p:stCondLst>
+                                            <p:cond delay="0"/>
+                                          </p:stCondLst>
+                                        </p:cTn>
+                                        <p:tgtEl>
+                                          <p:spTgt spid="10"/>
                                         </p:tgtEl>
                                         <p:attrNameLst>
                                           <p:attrName>style.visibility</p:attrName>
@@ -16888,13 +17449,14 @@
       </p:par>
     </p:tnLst>
     <p:bldLst>
+      <p:bldP spid="3" grpId="0" uiExpand="1" build="p"/>
       <p:bldP spid="5" grpId="0" build="allAtOnce"/>
     </p:bldLst>
   </p:timing>
 </p:sld>
 </file>
 
-<file path=ppt/slides/slide17.xml><?xml version="1.0" encoding="utf-8"?>
+<file path=ppt/slides/slide18.xml><?xml version="1.0" encoding="utf-8"?>
 <p:sld xmlns:a="http://schemas.openxmlformats.org/drawingml/2006/main" xmlns:r="http://schemas.openxmlformats.org/officeDocument/2006/relationships" xmlns:p="http://schemas.openxmlformats.org/presentationml/2006/main">
   <p:cSld>
     <p:spTree>
@@ -17241,7 +17803,7 @@
 </p:sld>
 </file>
 
-<file path=ppt/slides/slide18.xml><?xml version="1.0" encoding="utf-8"?>
+<file path=ppt/slides/slide19.xml><?xml version="1.0" encoding="utf-8"?>
 <p:sld xmlns:a="http://schemas.openxmlformats.org/drawingml/2006/main" xmlns:r="http://schemas.openxmlformats.org/officeDocument/2006/relationships" xmlns:p="http://schemas.openxmlformats.org/presentationml/2006/main">
   <p:cSld>
     <p:spTree>
@@ -17357,7 +17919,6 @@
               <a:rPr lang="en-US" sz="2800" dirty="0" smtClean="0"/>
               <a:t>(check your department)</a:t>
             </a:r>
-            <a:endParaRPr lang="en-US" sz="2800" dirty="0" smtClean="0"/>
           </a:p>
           <a:p>
             <a:pPr algn="ctr"/>
@@ -17503,7 +18064,142 @@
 </p:sld>
 </file>
 
-<file path=ppt/slides/slide19.xml><?xml version="1.0" encoding="utf-8"?>
+<file path=ppt/slides/slide2.xml><?xml version="1.0" encoding="utf-8"?>
+<p:sld xmlns:a="http://schemas.openxmlformats.org/drawingml/2006/main" xmlns:r="http://schemas.openxmlformats.org/officeDocument/2006/relationships" xmlns:p="http://schemas.openxmlformats.org/presentationml/2006/main">
+  <p:cSld>
+    <p:spTree>
+      <p:nvGrpSpPr>
+        <p:cNvPr id="1" name=""/>
+        <p:cNvGrpSpPr/>
+        <p:nvPr/>
+      </p:nvGrpSpPr>
+      <p:grpSpPr>
+        <a:xfrm>
+          <a:off x="0" y="0"/>
+          <a:ext cx="0" cy="0"/>
+          <a:chOff x="0" y="0"/>
+          <a:chExt cx="0" cy="0"/>
+        </a:xfrm>
+      </p:grpSpPr>
+      <p:sp>
+        <p:nvSpPr>
+          <p:cNvPr id="2" name="Title 1"/>
+          <p:cNvSpPr>
+            <a:spLocks noGrp="1"/>
+          </p:cNvSpPr>
+          <p:nvPr>
+            <p:ph type="title"/>
+          </p:nvPr>
+        </p:nvSpPr>
+        <p:spPr/>
+        <p:txBody>
+          <a:bodyPr>
+            <a:normAutofit/>
+          </a:bodyPr>
+          <a:lstStyle/>
+          <a:p>
+            <a:r>
+              <a:rPr lang="en-US" sz="2400" dirty="0" smtClean="0"/>
+              <a:t>Todays </a:t>
+            </a:r>
+            <a:r>
+              <a:rPr lang="en-US" sz="2400" dirty="0"/>
+              <a:t>Topics</a:t>
+            </a:r>
+            <a:r>
+              <a:rPr lang="en-US" dirty="0"/>
+              <a:t/>
+            </a:r>
+            <a:br>
+              <a:rPr lang="en-US" dirty="0"/>
+            </a:br>
+            <a:r>
+              <a:rPr lang="en-US" dirty="0" smtClean="0"/>
+              <a:t>Repositories and </a:t>
+            </a:r>
+            <a:r>
+              <a:rPr lang="en-US" dirty="0" smtClean="0"/>
+              <a:t>Archiving</a:t>
+            </a:r>
+            <a:endParaRPr lang="en-US" dirty="0"/>
+          </a:p>
+        </p:txBody>
+      </p:sp>
+      <p:sp>
+        <p:nvSpPr>
+          <p:cNvPr id="3" name="Content Placeholder 2"/>
+          <p:cNvSpPr>
+            <a:spLocks noGrp="1"/>
+          </p:cNvSpPr>
+          <p:nvPr>
+            <p:ph idx="1"/>
+          </p:nvPr>
+        </p:nvSpPr>
+        <p:spPr>
+          <a:xfrm>
+            <a:off x="4294414" y="2565399"/>
+            <a:ext cx="6003682" cy="3709099"/>
+          </a:xfrm>
+        </p:spPr>
+        <p:txBody>
+          <a:bodyPr>
+            <a:normAutofit/>
+          </a:bodyPr>
+          <a:lstStyle/>
+          <a:p>
+            <a:r>
+              <a:rPr lang="en-US" dirty="0" smtClean="0"/>
+              <a:t>Archiving vs</a:t>
+            </a:r>
+            <a:r>
+              <a:rPr lang="en-US" dirty="0" smtClean="0"/>
+              <a:t>. Backup</a:t>
+            </a:r>
+          </a:p>
+          <a:p>
+            <a:r>
+              <a:rPr lang="en-US" dirty="0" smtClean="0"/>
+              <a:t>Repository Options</a:t>
+            </a:r>
+          </a:p>
+          <a:p>
+            <a:r>
+              <a:rPr lang="en-US" dirty="0" smtClean="0"/>
+              <a:t>Data Citation</a:t>
+            </a:r>
+          </a:p>
+          <a:p>
+            <a:endParaRPr lang="en-US" dirty="0" smtClean="0"/>
+          </a:p>
+          <a:p>
+            <a:pPr marL="0" indent="0">
+              <a:buNone/>
+            </a:pPr>
+            <a:endParaRPr lang="en-US" dirty="0" smtClean="0"/>
+          </a:p>
+        </p:txBody>
+      </p:sp>
+    </p:spTree>
+    <p:extLst>
+      <p:ext uri="{BB962C8B-B14F-4D97-AF65-F5344CB8AC3E}">
+        <p14:creationId xmlns:p14="http://schemas.microsoft.com/office/powerpoint/2010/main" val="4075626601"/>
+      </p:ext>
+    </p:extLst>
+  </p:cSld>
+  <p:clrMapOvr>
+    <a:masterClrMapping/>
+  </p:clrMapOvr>
+  <p:timing>
+    <p:tnLst>
+      <p:par>
+        <p:cTn id="1" dur="indefinite" restart="never" nodeType="tmRoot"/>
+      </p:par>
+    </p:tnLst>
+  </p:timing>
+</p:sld>
+</file>
+
+<file path=ppt/slides/slide20.xml><?xml version="1.0" encoding="utf-8"?>
 <p:sld xmlns:a="http://schemas.openxmlformats.org/drawingml/2006/main" xmlns:r="http://schemas.openxmlformats.org/officeDocument/2006/relationships" xmlns:p="http://schemas.openxmlformats.org/presentationml/2006/main">
   <p:cSld>
     <p:spTree>
@@ -17537,11 +18233,7 @@
           <a:p>
             <a:r>
               <a:rPr lang="en-US" dirty="0" smtClean="0"/>
-              <a:t>Archive @ </a:t>
-            </a:r>
-            <a:r>
-              <a:rPr lang="en-US" dirty="0" smtClean="0"/>
-              <a:t>University of Miami Institutional Repository</a:t>
+              <a:t>Archive @ University of Miami Institutional Repository</a:t>
             </a:r>
             <a:endParaRPr lang="en-US" dirty="0"/>
           </a:p>
@@ -17594,7 +18286,6 @@
               <a:rPr lang="en-US" sz="2400" dirty="0" smtClean="0"/>
               <a:t> Digital Commons (commercial site that UM subscribes to)</a:t>
             </a:r>
-            <a:endParaRPr lang="en-US" sz="2400" dirty="0" smtClean="0"/>
           </a:p>
           <a:p>
             <a:pPr marL="285750" indent="-285750">
@@ -17613,27 +18304,7 @@
             </a:pPr>
             <a:r>
               <a:rPr lang="en-US" sz="2400" dirty="0" smtClean="0"/>
-              <a:t>OK </a:t>
-            </a:r>
-            <a:r>
-              <a:rPr lang="en-US" sz="2400" dirty="0" smtClean="0"/>
-              <a:t>for </a:t>
-            </a:r>
-            <a:r>
-              <a:rPr lang="en-US" sz="2400" dirty="0" smtClean="0"/>
-              <a:t>unrestricted data. Not compliant for sensitive </a:t>
-            </a:r>
-            <a:r>
-              <a:rPr lang="en-US" sz="2400" dirty="0" smtClean="0"/>
-              <a:t>(FERPA</a:t>
-            </a:r>
-            <a:r>
-              <a:rPr lang="en-US" sz="2400" dirty="0" smtClean="0"/>
-              <a:t>) </a:t>
-            </a:r>
-            <a:r>
-              <a:rPr lang="en-US" sz="2400" dirty="0" smtClean="0"/>
-              <a:t>and protected data</a:t>
+              <a:t>OK for unrestricted data. Not compliant for sensitive (FERPA) and protected data</a:t>
             </a:r>
             <a:endParaRPr lang="en-US" sz="2400" dirty="0"/>
           </a:p>
@@ -17664,21 +18335,8 @@
             <a:pPr algn="ctr"/>
             <a:r>
               <a:rPr lang="en-US" sz="2800" dirty="0" smtClean="0"/>
-              <a:t>($0/year * </a:t>
-            </a:r>
-            <a:r>
-              <a:rPr lang="en-US" sz="2800" dirty="0" smtClean="0"/>
-              <a:t>100 </a:t>
-            </a:r>
-            <a:r>
-              <a:rPr lang="en-US" sz="2800" dirty="0" smtClean="0"/>
-              <a:t>GB) </a:t>
-            </a:r>
-            <a:r>
-              <a:rPr lang="en-US" sz="2800" dirty="0" smtClean="0"/>
-              <a:t>= $0 </a:t>
-            </a:r>
-            <a:endParaRPr lang="en-US" sz="2800" dirty="0" smtClean="0"/>
+              <a:t>($0/year * 100 GB) = $0 </a:t>
+            </a:r>
           </a:p>
         </p:txBody>
       </p:sp>
@@ -17749,49 +18407,6 @@
       </p:cxnSp>
       <p:sp>
         <p:nvSpPr>
-          <p:cNvPr id="13" name="TextBox 12"/>
-          <p:cNvSpPr txBox="1"/>
-          <p:nvPr/>
-        </p:nvSpPr>
-        <p:spPr>
-          <a:xfrm>
-            <a:off x="1815660" y="4316167"/>
-            <a:ext cx="784280" cy="1015663"/>
-          </a:xfrm>
-          <a:prstGeom prst="rect">
-            <a:avLst/>
-          </a:prstGeom>
-          <a:noFill/>
-        </p:spPr>
-        <p:txBody>
-          <a:bodyPr wrap="square" rtlCol="0">
-            <a:spAutoFit/>
-          </a:bodyPr>
-          <a:lstStyle/>
-          <a:p>
-            <a:pPr algn="ctr"/>
-            <a:r>
-              <a:rPr lang="en-US" sz="6000" b="1" dirty="0" smtClean="0">
-                <a:solidFill>
-                  <a:schemeClr val="accent3">
-                    <a:lumMod val="50000"/>
-                  </a:schemeClr>
-                </a:solidFill>
-              </a:rPr>
-              <a:t>$</a:t>
-            </a:r>
-            <a:endParaRPr lang="en-US" sz="6000" b="1" dirty="0">
-              <a:solidFill>
-                <a:schemeClr val="accent3">
-                  <a:lumMod val="50000"/>
-                </a:schemeClr>
-              </a:solidFill>
-            </a:endParaRPr>
-          </a:p>
-        </p:txBody>
-      </p:sp>
-      <p:sp>
-        <p:nvSpPr>
           <p:cNvPr id="4" name="Rectangle 3"/>
           <p:cNvSpPr/>
           <p:nvPr/>
@@ -17823,6 +18438,49 @@
             <a:endParaRPr lang="en-US" sz="3200" b="1" dirty="0">
               <a:solidFill>
                 <a:srgbClr val="FF0000"/>
+              </a:solidFill>
+            </a:endParaRPr>
+          </a:p>
+        </p:txBody>
+      </p:sp>
+      <p:sp>
+        <p:nvSpPr>
+          <p:cNvPr id="12" name="TextBox 11"/>
+          <p:cNvSpPr txBox="1"/>
+          <p:nvPr/>
+        </p:nvSpPr>
+        <p:spPr>
+          <a:xfrm>
+            <a:off x="3109176" y="4316167"/>
+            <a:ext cx="784280" cy="1015663"/>
+          </a:xfrm>
+          <a:prstGeom prst="rect">
+            <a:avLst/>
+          </a:prstGeom>
+          <a:noFill/>
+        </p:spPr>
+        <p:txBody>
+          <a:bodyPr wrap="square" rtlCol="0">
+            <a:spAutoFit/>
+          </a:bodyPr>
+          <a:lstStyle/>
+          <a:p>
+            <a:pPr algn="ctr"/>
+            <a:r>
+              <a:rPr lang="en-US" sz="6000" b="1" dirty="0" smtClean="0">
+                <a:solidFill>
+                  <a:schemeClr val="accent3">
+                    <a:lumMod val="50000"/>
+                  </a:schemeClr>
+                </a:solidFill>
+              </a:rPr>
+              <a:t>$</a:t>
+            </a:r>
+            <a:endParaRPr lang="en-US" sz="6000" b="1" dirty="0">
+              <a:solidFill>
+                <a:schemeClr val="accent3">
+                  <a:lumMod val="50000"/>
+                </a:schemeClr>
               </a:solidFill>
             </a:endParaRPr>
           </a:p>
@@ -17848,134 +18506,7 @@
 </p:sld>
 </file>
 
-<file path=ppt/slides/slide2.xml><?xml version="1.0" encoding="utf-8"?>
-<p:sld xmlns:a="http://schemas.openxmlformats.org/drawingml/2006/main" xmlns:r="http://schemas.openxmlformats.org/officeDocument/2006/relationships" xmlns:p="http://schemas.openxmlformats.org/presentationml/2006/main">
-  <p:cSld>
-    <p:spTree>
-      <p:nvGrpSpPr>
-        <p:cNvPr id="1" name=""/>
-        <p:cNvGrpSpPr/>
-        <p:nvPr/>
-      </p:nvGrpSpPr>
-      <p:grpSpPr>
-        <a:xfrm>
-          <a:off x="0" y="0"/>
-          <a:ext cx="0" cy="0"/>
-          <a:chOff x="0" y="0"/>
-          <a:chExt cx="0" cy="0"/>
-        </a:xfrm>
-      </p:grpSpPr>
-      <p:sp>
-        <p:nvSpPr>
-          <p:cNvPr id="2" name="Title 1"/>
-          <p:cNvSpPr>
-            <a:spLocks noGrp="1"/>
-          </p:cNvSpPr>
-          <p:nvPr>
-            <p:ph type="title"/>
-          </p:nvPr>
-        </p:nvSpPr>
-        <p:spPr/>
-        <p:txBody>
-          <a:bodyPr>
-            <a:normAutofit/>
-          </a:bodyPr>
-          <a:lstStyle/>
-          <a:p>
-            <a:r>
-              <a:rPr lang="en-US" sz="2400" dirty="0" smtClean="0"/>
-              <a:t>Todays </a:t>
-            </a:r>
-            <a:r>
-              <a:rPr lang="en-US" sz="2400" dirty="0"/>
-              <a:t>Topics</a:t>
-            </a:r>
-            <a:r>
-              <a:rPr lang="en-US" dirty="0"/>
-              <a:t/>
-            </a:r>
-            <a:br>
-              <a:rPr lang="en-US" dirty="0"/>
-            </a:br>
-            <a:r>
-              <a:rPr lang="en-US" dirty="0" smtClean="0"/>
-              <a:t>Repositories and Preservation</a:t>
-            </a:r>
-            <a:endParaRPr lang="en-US" dirty="0"/>
-          </a:p>
-        </p:txBody>
-      </p:sp>
-      <p:sp>
-        <p:nvSpPr>
-          <p:cNvPr id="3" name="Content Placeholder 2"/>
-          <p:cNvSpPr>
-            <a:spLocks noGrp="1"/>
-          </p:cNvSpPr>
-          <p:nvPr>
-            <p:ph idx="1"/>
-          </p:nvPr>
-        </p:nvSpPr>
-        <p:spPr>
-          <a:xfrm>
-            <a:off x="4294414" y="2565399"/>
-            <a:ext cx="6003682" cy="3709099"/>
-          </a:xfrm>
-        </p:spPr>
-        <p:txBody>
-          <a:bodyPr>
-            <a:normAutofit/>
-          </a:bodyPr>
-          <a:lstStyle/>
-          <a:p>
-            <a:r>
-              <a:rPr lang="en-US" dirty="0" smtClean="0"/>
-              <a:t>Preservation vs. Backup</a:t>
-            </a:r>
-          </a:p>
-          <a:p>
-            <a:r>
-              <a:rPr lang="en-US" dirty="0" smtClean="0"/>
-              <a:t>Repository Options</a:t>
-            </a:r>
-          </a:p>
-          <a:p>
-            <a:r>
-              <a:rPr lang="en-US" dirty="0" smtClean="0"/>
-              <a:t>Data Citation</a:t>
-            </a:r>
-          </a:p>
-          <a:p>
-            <a:endParaRPr lang="en-US" dirty="0" smtClean="0"/>
-          </a:p>
-          <a:p>
-            <a:pPr marL="0" indent="0">
-              <a:buNone/>
-            </a:pPr>
-            <a:endParaRPr lang="en-US" dirty="0" smtClean="0"/>
-          </a:p>
-        </p:txBody>
-      </p:sp>
-    </p:spTree>
-    <p:extLst>
-      <p:ext uri="{BB962C8B-B14F-4D97-AF65-F5344CB8AC3E}">
-        <p14:creationId xmlns:p14="http://schemas.microsoft.com/office/powerpoint/2010/main" val="4075626601"/>
-      </p:ext>
-    </p:extLst>
-  </p:cSld>
-  <p:clrMapOvr>
-    <a:masterClrMapping/>
-  </p:clrMapOvr>
-  <p:timing>
-    <p:tnLst>
-      <p:par>
-        <p:cTn id="1" dur="indefinite" restart="never" nodeType="tmRoot"/>
-      </p:par>
-    </p:tnLst>
-  </p:timing>
-</p:sld>
-</file>
-
-<file path=ppt/slides/slide20.xml><?xml version="1.0" encoding="utf-8"?>
+<file path=ppt/slides/slide21.xml><?xml version="1.0" encoding="utf-8"?>
 <p:sld xmlns:a="http://schemas.openxmlformats.org/drawingml/2006/main" xmlns:r="http://schemas.openxmlformats.org/officeDocument/2006/relationships" xmlns:p="http://schemas.openxmlformats.org/presentationml/2006/main">
   <p:cSld>
     <p:spTree>
@@ -18173,7 +18704,6 @@
               <a:rPr lang="en-US" sz="2800" dirty="0" smtClean="0"/>
               <a:t>Depends</a:t>
             </a:r>
-            <a:endParaRPr lang="en-US" sz="2800" dirty="0" smtClean="0"/>
           </a:p>
           <a:p>
             <a:pPr algn="ctr"/>
@@ -18319,7 +18849,7 @@
 </p:sld>
 </file>
 
-<file path=ppt/slides/slide21.xml><?xml version="1.0" encoding="utf-8"?>
+<file path=ppt/slides/slide22.xml><?xml version="1.0" encoding="utf-8"?>
 <p:sld xmlns:a="http://schemas.openxmlformats.org/drawingml/2006/main" xmlns:r="http://schemas.openxmlformats.org/officeDocument/2006/relationships" xmlns:p="http://schemas.openxmlformats.org/presentationml/2006/main">
   <p:cSld>
     <p:spTree>
@@ -18454,7 +18984,6 @@
               <a:rPr lang="en-US" sz="2800" dirty="0" smtClean="0"/>
               <a:t>depends</a:t>
             </a:r>
-            <a:endParaRPr lang="en-US" sz="2800" dirty="0" smtClean="0"/>
           </a:p>
           <a:p>
             <a:pPr algn="ctr"/>
@@ -18600,128 +19129,6 @@
 </p:sld>
 </file>
 
-<file path=ppt/slides/slide22.xml><?xml version="1.0" encoding="utf-8"?>
-<p:sld xmlns:a="http://schemas.openxmlformats.org/drawingml/2006/main" xmlns:r="http://schemas.openxmlformats.org/officeDocument/2006/relationships" xmlns:p="http://schemas.openxmlformats.org/presentationml/2006/main">
-  <p:cSld>
-    <p:spTree>
-      <p:nvGrpSpPr>
-        <p:cNvPr id="1" name=""/>
-        <p:cNvGrpSpPr/>
-        <p:nvPr/>
-      </p:nvGrpSpPr>
-      <p:grpSpPr>
-        <a:xfrm>
-          <a:off x="0" y="0"/>
-          <a:ext cx="0" cy="0"/>
-          <a:chOff x="0" y="0"/>
-          <a:chExt cx="0" cy="0"/>
-        </a:xfrm>
-      </p:grpSpPr>
-      <p:sp>
-        <p:nvSpPr>
-          <p:cNvPr id="2" name="Title 1"/>
-          <p:cNvSpPr>
-            <a:spLocks noGrp="1"/>
-          </p:cNvSpPr>
-          <p:nvPr>
-            <p:ph type="title"/>
-          </p:nvPr>
-        </p:nvSpPr>
-        <p:spPr/>
-        <p:txBody>
-          <a:bodyPr/>
-          <a:lstStyle/>
-          <a:p>
-            <a:r>
-              <a:rPr lang="en-US" dirty="0" smtClean="0"/>
-              <a:t>Bottom line</a:t>
-            </a:r>
-            <a:endParaRPr lang="en-US" dirty="0"/>
-          </a:p>
-        </p:txBody>
-      </p:sp>
-      <p:sp>
-        <p:nvSpPr>
-          <p:cNvPr id="3" name="TextBox 2"/>
-          <p:cNvSpPr txBox="1"/>
-          <p:nvPr/>
-        </p:nvSpPr>
-        <p:spPr>
-          <a:xfrm>
-            <a:off x="3522518" y="1590842"/>
-            <a:ext cx="6920346" cy="2677656"/>
-          </a:xfrm>
-          <a:prstGeom prst="rect">
-            <a:avLst/>
-          </a:prstGeom>
-          <a:noFill/>
-        </p:spPr>
-        <p:txBody>
-          <a:bodyPr wrap="square" rtlCol="0">
-            <a:spAutoFit/>
-          </a:bodyPr>
-          <a:lstStyle/>
-          <a:p>
-            <a:r>
-              <a:rPr lang="en-US" sz="2400" dirty="0" smtClean="0"/>
-              <a:t>No “one-size-fits all” approach</a:t>
-            </a:r>
-          </a:p>
-          <a:p>
-            <a:endParaRPr lang="en-US" sz="2400" dirty="0"/>
-          </a:p>
-          <a:p>
-            <a:r>
-              <a:rPr lang="en-US" sz="2400" dirty="0" smtClean="0"/>
-              <a:t>Balance costs, storage quality, access, degree of involvement, security, longevity etc.</a:t>
-            </a:r>
-          </a:p>
-          <a:p>
-            <a:endParaRPr lang="en-US" sz="2400" dirty="0"/>
-          </a:p>
-          <a:p>
-            <a:r>
-              <a:rPr lang="en-US" sz="2400" dirty="0" smtClean="0"/>
-              <a:t>Plan ahead so you can budget </a:t>
-            </a:r>
-            <a:r>
-              <a:rPr lang="en-US" sz="2400" dirty="0" smtClean="0"/>
-              <a:t>appropriately</a:t>
-            </a:r>
-          </a:p>
-          <a:p>
-            <a:r>
-              <a:rPr lang="en-US" sz="2400" dirty="0" smtClean="0"/>
-              <a:t>(write into grants)</a:t>
-            </a:r>
-            <a:r>
-              <a:rPr lang="en-US" sz="2400" dirty="0" smtClean="0"/>
-              <a:t> </a:t>
-            </a:r>
-            <a:endParaRPr lang="en-US" sz="2400" dirty="0"/>
-          </a:p>
-        </p:txBody>
-      </p:sp>
-    </p:spTree>
-    <p:extLst>
-      <p:ext uri="{BB962C8B-B14F-4D97-AF65-F5344CB8AC3E}">
-        <p14:creationId xmlns:p14="http://schemas.microsoft.com/office/powerpoint/2010/main" val="1890575488"/>
-      </p:ext>
-    </p:extLst>
-  </p:cSld>
-  <p:clrMapOvr>
-    <a:masterClrMapping/>
-  </p:clrMapOvr>
-  <p:timing>
-    <p:tnLst>
-      <p:par>
-        <p:cTn id="1" dur="indefinite" restart="never" nodeType="tmRoot"/>
-      </p:par>
-    </p:tnLst>
-  </p:timing>
-</p:sld>
-</file>
-
 <file path=ppt/slides/slide23.xml><?xml version="1.0" encoding="utf-8"?>
 <p:sld xmlns:a="http://schemas.openxmlformats.org/drawingml/2006/main" xmlns:r="http://schemas.openxmlformats.org/officeDocument/2006/relationships" xmlns:p="http://schemas.openxmlformats.org/presentationml/2006/main">
   <p:cSld>
@@ -18756,6 +19163,120 @@
           <a:p>
             <a:r>
               <a:rPr lang="en-US" dirty="0" smtClean="0"/>
+              <a:t>Bottom line</a:t>
+            </a:r>
+            <a:endParaRPr lang="en-US" dirty="0"/>
+          </a:p>
+        </p:txBody>
+      </p:sp>
+      <p:sp>
+        <p:nvSpPr>
+          <p:cNvPr id="3" name="TextBox 2"/>
+          <p:cNvSpPr txBox="1"/>
+          <p:nvPr/>
+        </p:nvSpPr>
+        <p:spPr>
+          <a:xfrm>
+            <a:off x="3522518" y="1590842"/>
+            <a:ext cx="6920346" cy="2677656"/>
+          </a:xfrm>
+          <a:prstGeom prst="rect">
+            <a:avLst/>
+          </a:prstGeom>
+          <a:noFill/>
+        </p:spPr>
+        <p:txBody>
+          <a:bodyPr wrap="square" rtlCol="0">
+            <a:spAutoFit/>
+          </a:bodyPr>
+          <a:lstStyle/>
+          <a:p>
+            <a:r>
+              <a:rPr lang="en-US" sz="2400" dirty="0" smtClean="0"/>
+              <a:t>No “one-size-fits all” approach</a:t>
+            </a:r>
+          </a:p>
+          <a:p>
+            <a:endParaRPr lang="en-US" sz="2400" dirty="0"/>
+          </a:p>
+          <a:p>
+            <a:r>
+              <a:rPr lang="en-US" sz="2400" dirty="0" smtClean="0"/>
+              <a:t>Balance costs, storage quality, access, degree of involvement, security, longevity etc.</a:t>
+            </a:r>
+          </a:p>
+          <a:p>
+            <a:endParaRPr lang="en-US" sz="2400" dirty="0"/>
+          </a:p>
+          <a:p>
+            <a:r>
+              <a:rPr lang="en-US" sz="2400" dirty="0" smtClean="0"/>
+              <a:t>Plan ahead so you can budget appropriately</a:t>
+            </a:r>
+          </a:p>
+          <a:p>
+            <a:r>
+              <a:rPr lang="en-US" sz="2400" dirty="0" smtClean="0"/>
+              <a:t>(write into grants) </a:t>
+            </a:r>
+            <a:endParaRPr lang="en-US" sz="2400" dirty="0"/>
+          </a:p>
+        </p:txBody>
+      </p:sp>
+    </p:spTree>
+    <p:extLst>
+      <p:ext uri="{BB962C8B-B14F-4D97-AF65-F5344CB8AC3E}">
+        <p14:creationId xmlns:p14="http://schemas.microsoft.com/office/powerpoint/2010/main" val="1890575488"/>
+      </p:ext>
+    </p:extLst>
+  </p:cSld>
+  <p:clrMapOvr>
+    <a:masterClrMapping/>
+  </p:clrMapOvr>
+  <p:timing>
+    <p:tnLst>
+      <p:par>
+        <p:cTn id="1" dur="indefinite" restart="never" nodeType="tmRoot"/>
+      </p:par>
+    </p:tnLst>
+  </p:timing>
+</p:sld>
+</file>
+
+<file path=ppt/slides/slide24.xml><?xml version="1.0" encoding="utf-8"?>
+<p:sld xmlns:a="http://schemas.openxmlformats.org/drawingml/2006/main" xmlns:r="http://schemas.openxmlformats.org/officeDocument/2006/relationships" xmlns:p="http://schemas.openxmlformats.org/presentationml/2006/main">
+  <p:cSld>
+    <p:spTree>
+      <p:nvGrpSpPr>
+        <p:cNvPr id="1" name=""/>
+        <p:cNvGrpSpPr/>
+        <p:nvPr/>
+      </p:nvGrpSpPr>
+      <p:grpSpPr>
+        <a:xfrm>
+          <a:off x="0" y="0"/>
+          <a:ext cx="0" cy="0"/>
+          <a:chOff x="0" y="0"/>
+          <a:chExt cx="0" cy="0"/>
+        </a:xfrm>
+      </p:grpSpPr>
+      <p:sp>
+        <p:nvSpPr>
+          <p:cNvPr id="2" name="Title 1"/>
+          <p:cNvSpPr>
+            <a:spLocks noGrp="1"/>
+          </p:cNvSpPr>
+          <p:nvPr>
+            <p:ph type="title"/>
+          </p:nvPr>
+        </p:nvSpPr>
+        <p:spPr/>
+        <p:txBody>
+          <a:bodyPr/>
+          <a:lstStyle/>
+          <a:p>
+            <a:r>
+              <a:rPr lang="en-US" dirty="0" smtClean="0"/>
               <a:t>Repository Directories</a:t>
             </a:r>
             <a:endParaRPr lang="en-US" dirty="0"/>
@@ -18896,7 +19417,7 @@
 </p:sld>
 </file>
 
-<file path=ppt/slides/slide24.xml><?xml version="1.0" encoding="utf-8"?>
+<file path=ppt/slides/slide25.xml><?xml version="1.0" encoding="utf-8"?>
 <p:sld xmlns:a="http://schemas.openxmlformats.org/drawingml/2006/main" xmlns:r="http://schemas.openxmlformats.org/officeDocument/2006/relationships" xmlns:p="http://schemas.openxmlformats.org/presentationml/2006/main">
   <p:cSld>
     <p:spTree>
@@ -19231,11 +19752,7 @@
             </a:pPr>
             <a:r>
               <a:rPr lang="en-US" sz="2000" dirty="0" smtClean="0"/>
-              <a:t>Snow and Ice Data </a:t>
-            </a:r>
-            <a:r>
-              <a:rPr lang="en-US" sz="2000" dirty="0" smtClean="0"/>
-              <a:t>Center</a:t>
+              <a:t>Snow and Ice Data Center</a:t>
             </a:r>
           </a:p>
           <a:p>
@@ -19273,7 +19790,6 @@
               <a:rPr lang="en-US" sz="2000" dirty="0" smtClean="0"/>
               <a:t>Biological and Chemical Oceanography Data Management Office (BCO-DMO)</a:t>
             </a:r>
-            <a:endParaRPr lang="en-US" sz="2000" dirty="0" smtClean="0"/>
           </a:p>
           <a:p>
             <a:pPr marL="457200" lvl="1" indent="0">
@@ -19301,7 +19817,6 @@
               <a:rPr lang="en-US" sz="1800" dirty="0" smtClean="0"/>
               <a:t> </a:t>
             </a:r>
-            <a:endParaRPr lang="en-US" sz="1800" dirty="0" smtClean="0"/>
           </a:p>
           <a:p>
             <a:pPr lvl="1">
@@ -19413,7 +19928,7 @@
 </p:sld>
 </file>
 
-<file path=ppt/slides/slide25.xml><?xml version="1.0" encoding="utf-8"?>
+<file path=ppt/slides/slide26.xml><?xml version="1.0" encoding="utf-8"?>
 <p:sld xmlns:a="http://schemas.openxmlformats.org/drawingml/2006/main" xmlns:r="http://schemas.openxmlformats.org/officeDocument/2006/relationships" xmlns:p="http://schemas.openxmlformats.org/presentationml/2006/main">
   <p:cSld>
     <p:spTree>
@@ -19774,7 +20289,7 @@
 </p:sld>
 </file>
 
-<file path=ppt/slides/slide26.xml><?xml version="1.0" encoding="utf-8"?>
+<file path=ppt/slides/slide27.xml><?xml version="1.0" encoding="utf-8"?>
 <p:sld xmlns:a="http://schemas.openxmlformats.org/drawingml/2006/main" xmlns:r="http://schemas.openxmlformats.org/officeDocument/2006/relationships" xmlns:p="http://schemas.openxmlformats.org/presentationml/2006/main">
   <p:cSld>
     <p:spTree>
@@ -19876,7 +20391,7 @@
 </p:sld>
 </file>
 
-<file path=ppt/slides/slide27.xml><?xml version="1.0" encoding="utf-8"?>
+<file path=ppt/slides/slide28.xml><?xml version="1.0" encoding="utf-8"?>
 <p:sld xmlns:a="http://schemas.openxmlformats.org/drawingml/2006/main" xmlns:r="http://schemas.openxmlformats.org/officeDocument/2006/relationships" xmlns:p="http://schemas.openxmlformats.org/presentationml/2006/main">
   <p:cSld>
     <p:spTree>
@@ -20258,7 +20773,7 @@
 </p:sld>
 </file>
 
-<file path=ppt/slides/slide28.xml><?xml version="1.0" encoding="utf-8"?>
+<file path=ppt/slides/slide29.xml><?xml version="1.0" encoding="utf-8"?>
 <p:sld xmlns:a="http://schemas.openxmlformats.org/drawingml/2006/main" xmlns:r="http://schemas.openxmlformats.org/officeDocument/2006/relationships" xmlns:p="http://schemas.openxmlformats.org/presentationml/2006/main">
   <p:cSld>
     <p:spTree>
@@ -20427,7 +20942,6 @@
               <a:rPr lang="en-US" dirty="0"/>
               <a:t>ID</a:t>
             </a:r>
-            <a:endParaRPr lang="en-US" dirty="0"/>
           </a:p>
         </p:txBody>
       </p:sp>
@@ -20530,7 +21044,7 @@
 </p:sld>
 </file>
 
-<file path=ppt/slides/slide29.xml><?xml version="1.0" encoding="utf-8"?>
+<file path=ppt/slides/slide3.xml><?xml version="1.0" encoding="utf-8"?>
 <p:sld xmlns:a="http://schemas.openxmlformats.org/drawingml/2006/main" xmlns:r="http://schemas.openxmlformats.org/officeDocument/2006/relationships" xmlns:p="http://schemas.openxmlformats.org/presentationml/2006/main">
   <p:cSld>
     <p:spTree>
@@ -20562,6 +21076,134 @@
           <a:bodyPr/>
           <a:lstStyle/>
           <a:p>
+            <a:endParaRPr lang="en-US"/>
+          </a:p>
+        </p:txBody>
+      </p:sp>
+      <p:sp>
+        <p:nvSpPr>
+          <p:cNvPr id="3" name="Content Placeholder 2"/>
+          <p:cNvSpPr>
+            <a:spLocks noGrp="1"/>
+          </p:cNvSpPr>
+          <p:nvPr>
+            <p:ph idx="1"/>
+          </p:nvPr>
+        </p:nvSpPr>
+        <p:spPr>
+          <a:xfrm>
+            <a:off x="4206240" y="2309445"/>
+            <a:ext cx="7147559" cy="3867517"/>
+          </a:xfrm>
+        </p:spPr>
+        <p:txBody>
+          <a:bodyPr>
+            <a:normAutofit/>
+          </a:bodyPr>
+          <a:lstStyle/>
+          <a:p>
+            <a:pPr marL="0" indent="0">
+              <a:spcBef>
+                <a:spcPts val="1800"/>
+              </a:spcBef>
+              <a:buNone/>
+            </a:pPr>
+            <a:r>
+              <a:rPr lang="en-US" sz="3200" dirty="0" smtClean="0"/>
+              <a:t>Storage</a:t>
+            </a:r>
+          </a:p>
+          <a:p>
+            <a:pPr marL="457200" lvl="1" indent="0">
+              <a:spcBef>
+                <a:spcPts val="1800"/>
+              </a:spcBef>
+              <a:buNone/>
+            </a:pPr>
+            <a:r>
+              <a:rPr lang="en-US" sz="3200" dirty="0" smtClean="0"/>
+              <a:t>Archives</a:t>
+            </a:r>
+          </a:p>
+          <a:p>
+            <a:pPr marL="914400" lvl="2" indent="0">
+              <a:spcBef>
+                <a:spcPts val="1800"/>
+              </a:spcBef>
+              <a:buNone/>
+            </a:pPr>
+            <a:r>
+              <a:rPr lang="en-US" sz="3200" dirty="0" smtClean="0"/>
+              <a:t>Preservation</a:t>
+            </a:r>
+          </a:p>
+          <a:p>
+            <a:pPr marL="1371600" lvl="3" indent="0">
+              <a:spcBef>
+                <a:spcPts val="1800"/>
+              </a:spcBef>
+              <a:buNone/>
+            </a:pPr>
+            <a:r>
+              <a:rPr lang="en-US" sz="3200" dirty="0" smtClean="0"/>
+              <a:t>Curation</a:t>
+            </a:r>
+            <a:endParaRPr lang="en-US" sz="3200" dirty="0"/>
+          </a:p>
+        </p:txBody>
+      </p:sp>
+    </p:spTree>
+    <p:extLst>
+      <p:ext uri="{BB962C8B-B14F-4D97-AF65-F5344CB8AC3E}">
+        <p14:creationId xmlns:p14="http://schemas.microsoft.com/office/powerpoint/2010/main" val="1338865962"/>
+      </p:ext>
+    </p:extLst>
+  </p:cSld>
+  <p:clrMapOvr>
+    <a:masterClrMapping/>
+  </p:clrMapOvr>
+  <p:timing>
+    <p:tnLst>
+      <p:par>
+        <p:cTn id="1" dur="indefinite" restart="never" nodeType="tmRoot"/>
+      </p:par>
+    </p:tnLst>
+  </p:timing>
+</p:sld>
+</file>
+
+<file path=ppt/slides/slide30.xml><?xml version="1.0" encoding="utf-8"?>
+<p:sld xmlns:a="http://schemas.openxmlformats.org/drawingml/2006/main" xmlns:r="http://schemas.openxmlformats.org/officeDocument/2006/relationships" xmlns:p="http://schemas.openxmlformats.org/presentationml/2006/main">
+  <p:cSld>
+    <p:spTree>
+      <p:nvGrpSpPr>
+        <p:cNvPr id="1" name=""/>
+        <p:cNvGrpSpPr/>
+        <p:nvPr/>
+      </p:nvGrpSpPr>
+      <p:grpSpPr>
+        <a:xfrm>
+          <a:off x="0" y="0"/>
+          <a:ext cx="0" cy="0"/>
+          <a:chOff x="0" y="0"/>
+          <a:chExt cx="0" cy="0"/>
+        </a:xfrm>
+      </p:grpSpPr>
+      <p:sp>
+        <p:nvSpPr>
+          <p:cNvPr id="2" name="Title 1"/>
+          <p:cNvSpPr>
+            <a:spLocks noGrp="1"/>
+          </p:cNvSpPr>
+          <p:nvPr>
+            <p:ph type="title"/>
+          </p:nvPr>
+        </p:nvSpPr>
+        <p:spPr/>
+        <p:txBody>
+          <a:bodyPr/>
+          <a:lstStyle/>
+          <a:p>
             <a:r>
               <a:rPr lang="en-US" dirty="0" smtClean="0"/>
               <a:t>Homework #5</a:t>
@@ -20781,7 +21423,7 @@
 </p:sld>
 </file>
 
-<file path=ppt/slides/slide3.xml><?xml version="1.0" encoding="utf-8"?>
+<file path=ppt/slides/slide4.xml><?xml version="1.0" encoding="utf-8"?>
 <p:sld xmlns:a="http://schemas.openxmlformats.org/drawingml/2006/main" xmlns:r="http://schemas.openxmlformats.org/officeDocument/2006/relationships" xmlns:p="http://schemas.openxmlformats.org/presentationml/2006/main">
   <p:cSld>
     <p:spTree>
@@ -20859,142 +21501,141 @@
           </a:p>
         </p:txBody>
       </p:sp>
-    </p:spTree>
-    <p:extLst>
-      <p:ext uri="{BB962C8B-B14F-4D97-AF65-F5344CB8AC3E}">
-        <p14:creationId xmlns:p14="http://schemas.microsoft.com/office/powerpoint/2010/main" val="3299391354"/>
-      </p:ext>
-    </p:extLst>
-  </p:cSld>
-  <p:clrMapOvr>
-    <a:masterClrMapping/>
-  </p:clrMapOvr>
-  <p:timing>
-    <p:tnLst>
-      <p:par>
-        <p:cTn id="1" dur="indefinite" restart="never" nodeType="tmRoot"/>
-      </p:par>
-    </p:tnLst>
-  </p:timing>
-</p:sld>
-</file>
-
-<file path=ppt/slides/slide4.xml><?xml version="1.0" encoding="utf-8"?>
-<p:sld xmlns:a="http://schemas.openxmlformats.org/drawingml/2006/main" xmlns:r="http://schemas.openxmlformats.org/officeDocument/2006/relationships" xmlns:p="http://schemas.openxmlformats.org/presentationml/2006/main">
-  <p:cSld>
-    <p:spTree>
-      <p:nvGrpSpPr>
-        <p:cNvPr id="1" name=""/>
-        <p:cNvGrpSpPr/>
-        <p:nvPr/>
-      </p:nvGrpSpPr>
-      <p:grpSpPr>
-        <a:xfrm>
-          <a:off x="0" y="0"/>
-          <a:ext cx="0" cy="0"/>
-          <a:chOff x="0" y="0"/>
-          <a:chExt cx="0" cy="0"/>
-        </a:xfrm>
-      </p:grpSpPr>
       <p:sp>
         <p:nvSpPr>
-          <p:cNvPr id="9" name="Title 8"/>
-          <p:cNvSpPr>
-            <a:spLocks noGrp="1"/>
-          </p:cNvSpPr>
-          <p:nvPr>
-            <p:ph type="title"/>
-          </p:nvPr>
-        </p:nvSpPr>
-        <p:spPr/>
-        <p:txBody>
-          <a:bodyPr/>
-          <a:lstStyle/>
-          <a:p>
-            <a:r>
-              <a:rPr lang="en-US" dirty="0" smtClean="0"/>
-              <a:t>To Archive Data</a:t>
-            </a:r>
-            <a:endParaRPr lang="en-US" dirty="0"/>
-          </a:p>
-        </p:txBody>
-      </p:sp>
-      <p:sp>
-        <p:nvSpPr>
-          <p:cNvPr id="10" name="Content Placeholder 9"/>
-          <p:cNvSpPr>
-            <a:spLocks noGrp="1"/>
-          </p:cNvSpPr>
-          <p:nvPr>
-            <p:ph idx="1"/>
-          </p:nvPr>
+          <p:cNvPr id="4" name="Rectangle 3"/>
+          <p:cNvSpPr/>
+          <p:nvPr/>
         </p:nvSpPr>
         <p:spPr>
           <a:xfrm>
-            <a:off x="4016830" y="1725717"/>
-            <a:ext cx="5143500" cy="3351210"/>
+            <a:off x="653142" y="6211669"/>
+            <a:ext cx="10842171" cy="523220"/>
           </a:xfrm>
+          <a:prstGeom prst="rect">
+            <a:avLst/>
+          </a:prstGeom>
         </p:spPr>
         <p:txBody>
-          <a:bodyPr/>
+          <a:bodyPr wrap="square">
+            <a:spAutoFit/>
+          </a:bodyPr>
           <a:lstStyle/>
           <a:p>
-            <a:pPr marL="514350" indent="-514350">
-              <a:buFont typeface="+mj-lt"/>
-              <a:buAutoNum type="arabicPeriod"/>
-            </a:pPr>
-            <a:r>
-              <a:rPr lang="en-US" dirty="0" smtClean="0"/>
-              <a:t>Data selection or appraisal</a:t>
-            </a:r>
-          </a:p>
-          <a:p>
-            <a:pPr marL="514350" indent="-514350">
-              <a:buFont typeface="+mj-lt"/>
-              <a:buAutoNum type="arabicPeriod"/>
-            </a:pPr>
-            <a:r>
-              <a:rPr lang="en-US" dirty="0" smtClean="0"/>
-              <a:t>Format selection</a:t>
-            </a:r>
-          </a:p>
-          <a:p>
-            <a:pPr marL="514350" indent="-514350">
-              <a:buFont typeface="+mj-lt"/>
-              <a:buAutoNum type="arabicPeriod"/>
-            </a:pPr>
-            <a:r>
-              <a:rPr lang="en-US" dirty="0" smtClean="0"/>
-              <a:t>Perform checksums</a:t>
-            </a:r>
-          </a:p>
-          <a:p>
-            <a:pPr marL="514350" indent="-514350">
-              <a:buFont typeface="+mj-lt"/>
-              <a:buAutoNum type="arabicPeriod"/>
-            </a:pPr>
-            <a:r>
-              <a:rPr lang="en-US" dirty="0" smtClean="0"/>
-              <a:t>Select archive location</a:t>
-            </a:r>
-          </a:p>
-          <a:p>
-            <a:pPr marL="514350" indent="-514350">
-              <a:buFont typeface="+mj-lt"/>
-              <a:buAutoNum type="arabicPeriod"/>
-            </a:pPr>
-            <a:r>
-              <a:rPr lang="en-US" dirty="0" smtClean="0"/>
-              <a:t>Periodic file- and bit-level audits</a:t>
-            </a:r>
-            <a:endParaRPr lang="en-US" dirty="0"/>
+            <a:r>
+              <a:rPr lang="en-US" sz="1400" dirty="0" smtClean="0">
+                <a:solidFill>
+                  <a:schemeClr val="tx1">
+                    <a:lumMod val="65000"/>
+                    <a:lumOff val="35000"/>
+                  </a:schemeClr>
+                </a:solidFill>
+              </a:rPr>
+              <a:t>Next five slides </a:t>
+            </a:r>
+            <a:r>
+              <a:rPr lang="en-US" sz="1400" dirty="0" smtClean="0">
+                <a:solidFill>
+                  <a:schemeClr val="tx1">
+                    <a:lumMod val="65000"/>
+                    <a:lumOff val="35000"/>
+                  </a:schemeClr>
+                </a:solidFill>
+              </a:rPr>
+              <a:t>adapted from: </a:t>
+            </a:r>
+            <a:r>
+              <a:rPr lang="en-US" sz="1400" dirty="0" smtClean="0">
+                <a:solidFill>
+                  <a:schemeClr val="tx1">
+                    <a:lumMod val="65000"/>
+                    <a:lumOff val="35000"/>
+                  </a:schemeClr>
+                </a:solidFill>
+              </a:rPr>
+              <a:t>Whitmire</a:t>
+            </a:r>
+            <a:r>
+              <a:rPr lang="en-US" sz="1400" dirty="0" smtClean="0">
+                <a:solidFill>
+                  <a:schemeClr val="tx1">
+                    <a:lumMod val="65000"/>
+                    <a:lumOff val="35000"/>
+                  </a:schemeClr>
+                </a:solidFill>
+              </a:rPr>
+              <a:t>, Amanda L. (2014). Research Data Management Curriculum, Lecture </a:t>
+            </a:r>
+            <a:r>
+              <a:rPr lang="en-US" sz="1400" dirty="0" smtClean="0">
+                <a:solidFill>
+                  <a:schemeClr val="tx1">
+                    <a:lumMod val="65000"/>
+                    <a:lumOff val="35000"/>
+                  </a:schemeClr>
+                </a:solidFill>
+              </a:rPr>
+              <a:t>15: Data Preservation and </a:t>
+            </a:r>
+            <a:r>
+              <a:rPr lang="en-US" sz="1400" dirty="0" err="1" smtClean="0">
+                <a:solidFill>
+                  <a:schemeClr val="tx1">
+                    <a:lumMod val="65000"/>
+                    <a:lumOff val="35000"/>
+                  </a:schemeClr>
+                </a:solidFill>
+              </a:rPr>
+              <a:t>DataONE</a:t>
+            </a:r>
+            <a:r>
+              <a:rPr lang="en-US" sz="1400" dirty="0" smtClean="0">
+                <a:solidFill>
+                  <a:schemeClr val="tx1">
+                    <a:lumMod val="65000"/>
+                    <a:lumOff val="35000"/>
+                  </a:schemeClr>
+                </a:solidFill>
+              </a:rPr>
+              <a:t> </a:t>
+            </a:r>
+            <a:r>
+              <a:rPr lang="en-US" sz="1400" dirty="0">
+                <a:solidFill>
+                  <a:schemeClr val="tx1">
+                    <a:lumMod val="65000"/>
+                    <a:lumOff val="35000"/>
+                  </a:schemeClr>
+                </a:solidFill>
+              </a:rPr>
+              <a:t>education modules https://</a:t>
+            </a:r>
+            <a:r>
+              <a:rPr lang="en-US" sz="1400" dirty="0" smtClean="0">
+                <a:solidFill>
+                  <a:schemeClr val="tx1">
+                    <a:lumMod val="65000"/>
+                    <a:lumOff val="35000"/>
+                  </a:schemeClr>
+                </a:solidFill>
+              </a:rPr>
+              <a:t>www.dataone.org/education-modules.</a:t>
+            </a:r>
+            <a:endParaRPr lang="en-US" sz="1400" dirty="0">
+              <a:solidFill>
+                <a:schemeClr val="tx1">
+                  <a:lumMod val="65000"/>
+                  <a:lumOff val="35000"/>
+                </a:schemeClr>
+              </a:solidFill>
+            </a:endParaRPr>
           </a:p>
         </p:txBody>
       </p:sp>
     </p:spTree>
     <p:extLst>
       <p:ext uri="{BB962C8B-B14F-4D97-AF65-F5344CB8AC3E}">
-        <p14:creationId xmlns:p14="http://schemas.microsoft.com/office/powerpoint/2010/main" val="900820502"/>
+        <p14:creationId xmlns:p14="http://schemas.microsoft.com/office/powerpoint/2010/main" val="3299391354"/>
       </p:ext>
     </p:extLst>
   </p:cSld>
@@ -21030,6 +21671,138 @@
       </p:grpSpPr>
       <p:sp>
         <p:nvSpPr>
+          <p:cNvPr id="9" name="Title 8"/>
+          <p:cNvSpPr>
+            <a:spLocks noGrp="1"/>
+          </p:cNvSpPr>
+          <p:nvPr>
+            <p:ph type="title"/>
+          </p:nvPr>
+        </p:nvSpPr>
+        <p:spPr/>
+        <p:txBody>
+          <a:bodyPr/>
+          <a:lstStyle/>
+          <a:p>
+            <a:r>
+              <a:rPr lang="en-US" dirty="0" smtClean="0"/>
+              <a:t>To Archive Data</a:t>
+            </a:r>
+            <a:endParaRPr lang="en-US" dirty="0"/>
+          </a:p>
+        </p:txBody>
+      </p:sp>
+      <p:sp>
+        <p:nvSpPr>
+          <p:cNvPr id="10" name="Content Placeholder 9"/>
+          <p:cNvSpPr>
+            <a:spLocks noGrp="1"/>
+          </p:cNvSpPr>
+          <p:nvPr>
+            <p:ph idx="1"/>
+          </p:nvPr>
+        </p:nvSpPr>
+        <p:spPr>
+          <a:xfrm>
+            <a:off x="4016830" y="1725717"/>
+            <a:ext cx="5143500" cy="3351210"/>
+          </a:xfrm>
+        </p:spPr>
+        <p:txBody>
+          <a:bodyPr/>
+          <a:lstStyle/>
+          <a:p>
+            <a:pPr marL="514350" indent="-514350">
+              <a:buFont typeface="+mj-lt"/>
+              <a:buAutoNum type="arabicPeriod"/>
+            </a:pPr>
+            <a:r>
+              <a:rPr lang="en-US" dirty="0" smtClean="0"/>
+              <a:t>Data selection or appraisal</a:t>
+            </a:r>
+          </a:p>
+          <a:p>
+            <a:pPr marL="514350" indent="-514350">
+              <a:buFont typeface="+mj-lt"/>
+              <a:buAutoNum type="arabicPeriod"/>
+            </a:pPr>
+            <a:r>
+              <a:rPr lang="en-US" dirty="0" smtClean="0"/>
+              <a:t>Format selection</a:t>
+            </a:r>
+          </a:p>
+          <a:p>
+            <a:pPr marL="514350" indent="-514350">
+              <a:buFont typeface="+mj-lt"/>
+              <a:buAutoNum type="arabicPeriod"/>
+            </a:pPr>
+            <a:r>
+              <a:rPr lang="en-US" dirty="0" smtClean="0"/>
+              <a:t>Perform checksums</a:t>
+            </a:r>
+          </a:p>
+          <a:p>
+            <a:pPr marL="514350" indent="-514350">
+              <a:buFont typeface="+mj-lt"/>
+              <a:buAutoNum type="arabicPeriod"/>
+            </a:pPr>
+            <a:r>
+              <a:rPr lang="en-US" dirty="0" smtClean="0"/>
+              <a:t>Select archive location</a:t>
+            </a:r>
+          </a:p>
+          <a:p>
+            <a:pPr marL="514350" indent="-514350">
+              <a:buFont typeface="+mj-lt"/>
+              <a:buAutoNum type="arabicPeriod"/>
+            </a:pPr>
+            <a:r>
+              <a:rPr lang="en-US" dirty="0" smtClean="0"/>
+              <a:t>Periodic file- and bit-level audits</a:t>
+            </a:r>
+            <a:endParaRPr lang="en-US" dirty="0"/>
+          </a:p>
+        </p:txBody>
+      </p:sp>
+    </p:spTree>
+    <p:extLst>
+      <p:ext uri="{BB962C8B-B14F-4D97-AF65-F5344CB8AC3E}">
+        <p14:creationId xmlns:p14="http://schemas.microsoft.com/office/powerpoint/2010/main" val="900820502"/>
+      </p:ext>
+    </p:extLst>
+  </p:cSld>
+  <p:clrMapOvr>
+    <a:masterClrMapping/>
+  </p:clrMapOvr>
+  <p:timing>
+    <p:tnLst>
+      <p:par>
+        <p:cTn id="1" dur="indefinite" restart="never" nodeType="tmRoot"/>
+      </p:par>
+    </p:tnLst>
+  </p:timing>
+</p:sld>
+</file>
+
+<file path=ppt/slides/slide6.xml><?xml version="1.0" encoding="utf-8"?>
+<p:sld xmlns:a="http://schemas.openxmlformats.org/drawingml/2006/main" xmlns:r="http://schemas.openxmlformats.org/officeDocument/2006/relationships" xmlns:p="http://schemas.openxmlformats.org/presentationml/2006/main">
+  <p:cSld>
+    <p:spTree>
+      <p:nvGrpSpPr>
+        <p:cNvPr id="1" name=""/>
+        <p:cNvGrpSpPr/>
+        <p:nvPr/>
+      </p:nvGrpSpPr>
+      <p:grpSpPr>
+        <a:xfrm>
+          <a:off x="0" y="0"/>
+          <a:ext cx="0" cy="0"/>
+          <a:chOff x="0" y="0"/>
+          <a:chExt cx="0" cy="0"/>
+        </a:xfrm>
+      </p:grpSpPr>
+      <p:sp>
+        <p:nvSpPr>
           <p:cNvPr id="2" name="Title 1"/>
           <p:cNvSpPr>
             <a:spLocks noGrp="1"/>
@@ -21165,7 +21938,7 @@
 </p:sld>
 </file>
 
-<file path=ppt/slides/slide6.xml><?xml version="1.0" encoding="utf-8"?>
+<file path=ppt/slides/slide7.xml><?xml version="1.0" encoding="utf-8"?>
 <p:sld xmlns:a="http://schemas.openxmlformats.org/drawingml/2006/main" xmlns:r="http://schemas.openxmlformats.org/officeDocument/2006/relationships" xmlns:p="http://schemas.openxmlformats.org/presentationml/2006/main">
   <p:cSld>
     <p:spTree>
@@ -21252,7 +22025,7 @@
 </p:sld>
 </file>
 
-<file path=ppt/slides/slide7.xml><?xml version="1.0" encoding="utf-8"?>
+<file path=ppt/slides/slide8.xml><?xml version="1.0" encoding="utf-8"?>
 <p:sld xmlns:a="http://schemas.openxmlformats.org/drawingml/2006/main" xmlns:r="http://schemas.openxmlformats.org/officeDocument/2006/relationships" xmlns:p="http://schemas.openxmlformats.org/presentationml/2006/main">
   <p:cSld>
     <p:spTree>
@@ -21491,50 +22264,68 @@
           <a:lstStyle/>
           <a:p>
             <a:r>
-              <a:rPr lang="en-US" sz="1400" dirty="0" smtClean="0"/>
-              <a:t>For </a:t>
-            </a:r>
-            <a:r>
-              <a:rPr lang="en-US" sz="1400" dirty="0" smtClean="0"/>
-              <a:t>more: </a:t>
-            </a:r>
-            <a:r>
-              <a:rPr lang="en-US" sz="1400" dirty="0"/>
-              <a:t>Whyte, A. &amp; Wilson, A. (2010). "How to Appraise and Select Research Data for Curation". DCC How-to Guides. Edinburgh: Digital Curation Centre. </a:t>
-            </a:r>
-            <a:r>
-              <a:rPr lang="en-US" sz="1400" u="sng" dirty="0">
-                <a:hlinkClick r:id="rId3"/>
+              <a:rPr lang="en-US" sz="1400" dirty="0" smtClean="0">
+                <a:solidFill>
+                  <a:schemeClr val="tx1">
+                    <a:lumMod val="65000"/>
+                    <a:lumOff val="35000"/>
+                  </a:schemeClr>
+                </a:solidFill>
               </a:rPr>
-              <a:t>http://www.dcc.ac.uk/resources/how-</a:t>
-            </a:r>
-            <a:r>
-              <a:rPr lang="en-US" sz="1400" u="sng" dirty="0" smtClean="0">
-                <a:hlinkClick r:id="rId3"/>
+              <a:t>For more: </a:t>
+            </a:r>
+            <a:r>
+              <a:rPr lang="en-US" sz="1400" dirty="0">
+                <a:solidFill>
+                  <a:schemeClr val="tx1">
+                    <a:lumMod val="65000"/>
+                    <a:lumOff val="35000"/>
+                  </a:schemeClr>
+                </a:solidFill>
+              </a:rPr>
+              <a:t>Whyte, A. &amp; Wilson, A. (2010). "How to Appraise and Select Research Data for Curation". DCC How-to Guides. Edinburgh: Digital Curation Centre. http://www.dcc.ac.uk/resources/how-</a:t>
+            </a:r>
+            <a:r>
+              <a:rPr lang="en-US" sz="1400" dirty="0" smtClean="0">
+                <a:solidFill>
+                  <a:schemeClr val="tx1">
+                    <a:lumMod val="65000"/>
+                    <a:lumOff val="35000"/>
+                  </a:schemeClr>
+                </a:solidFill>
               </a:rPr>
               <a:t>guides</a:t>
             </a:r>
             <a:r>
-              <a:rPr lang="en-US" sz="1400" u="sng" dirty="0"/>
-              <a:t>, also </a:t>
-            </a:r>
-            <a:r>
-              <a:rPr lang="en-US" sz="1400" u="sng" dirty="0">
-                <a:hlinkClick r:id="rId4"/>
+              <a:rPr lang="en-US" sz="1400" dirty="0">
+                <a:solidFill>
+                  <a:schemeClr val="tx1">
+                    <a:lumMod val="65000"/>
+                    <a:lumOff val="35000"/>
+                  </a:schemeClr>
+                </a:solidFill>
               </a:rPr>
-              <a:t>http://www.dcc.ac.uk/resources/how-guides/five-steps-decide-what-data-</a:t>
-            </a:r>
-            <a:r>
-              <a:rPr lang="en-US" sz="1400" u="sng" dirty="0" smtClean="0">
-                <a:hlinkClick r:id="rId4"/>
+              <a:t>, also http://</a:t>
+            </a:r>
+            <a:r>
+              <a:rPr lang="en-US" sz="1400" dirty="0" smtClean="0">
+                <a:solidFill>
+                  <a:schemeClr val="tx1">
+                    <a:lumMod val="65000"/>
+                    <a:lumOff val="35000"/>
+                  </a:schemeClr>
+                </a:solidFill>
               </a:rPr>
-              <a:t>keep</a:t>
-            </a:r>
-            <a:r>
-              <a:rPr lang="en-US" sz="1400" u="sng" dirty="0" smtClean="0"/>
-              <a:t> </a:t>
-            </a:r>
-            <a:endParaRPr lang="en-US" sz="1400" dirty="0"/>
+              <a:t>www.dcc.ac.uk/resources/how-guides/five-steps-decide-what-data-keep</a:t>
+            </a:r>
+            <a:endParaRPr lang="en-US" sz="1400" dirty="0">
+              <a:solidFill>
+                <a:schemeClr val="tx1">
+                  <a:lumMod val="65000"/>
+                  <a:lumOff val="35000"/>
+                </a:schemeClr>
+              </a:solidFill>
+            </a:endParaRPr>
           </a:p>
         </p:txBody>
       </p:sp>
@@ -21542,138 +22333,6 @@
     <p:extLst>
       <p:ext uri="{BB962C8B-B14F-4D97-AF65-F5344CB8AC3E}">
         <p14:creationId xmlns:p14="http://schemas.microsoft.com/office/powerpoint/2010/main" val="2342921133"/>
-      </p:ext>
-    </p:extLst>
-  </p:cSld>
-  <p:clrMapOvr>
-    <a:masterClrMapping/>
-  </p:clrMapOvr>
-  <p:timing>
-    <p:tnLst>
-      <p:par>
-        <p:cTn id="1" dur="indefinite" restart="never" nodeType="tmRoot"/>
-      </p:par>
-    </p:tnLst>
-  </p:timing>
-</p:sld>
-</file>
-
-<file path=ppt/slides/slide8.xml><?xml version="1.0" encoding="utf-8"?>
-<p:sld xmlns:a="http://schemas.openxmlformats.org/drawingml/2006/main" xmlns:r="http://schemas.openxmlformats.org/officeDocument/2006/relationships" xmlns:p="http://schemas.openxmlformats.org/presentationml/2006/main">
-  <p:cSld>
-    <p:spTree>
-      <p:nvGrpSpPr>
-        <p:cNvPr id="1" name=""/>
-        <p:cNvGrpSpPr/>
-        <p:nvPr/>
-      </p:nvGrpSpPr>
-      <p:grpSpPr>
-        <a:xfrm>
-          <a:off x="0" y="0"/>
-          <a:ext cx="0" cy="0"/>
-          <a:chOff x="0" y="0"/>
-          <a:chExt cx="0" cy="0"/>
-        </a:xfrm>
-      </p:grpSpPr>
-      <p:sp>
-        <p:nvSpPr>
-          <p:cNvPr id="9" name="Title 8"/>
-          <p:cNvSpPr>
-            <a:spLocks noGrp="1"/>
-          </p:cNvSpPr>
-          <p:nvPr>
-            <p:ph type="title"/>
-          </p:nvPr>
-        </p:nvSpPr>
-        <p:spPr/>
-        <p:txBody>
-          <a:bodyPr/>
-          <a:lstStyle/>
-          <a:p>
-            <a:r>
-              <a:rPr lang="en-US" dirty="0" smtClean="0"/>
-              <a:t>To Archive Data</a:t>
-            </a:r>
-            <a:endParaRPr lang="en-US" dirty="0"/>
-          </a:p>
-        </p:txBody>
-      </p:sp>
-      <p:sp>
-        <p:nvSpPr>
-          <p:cNvPr id="10" name="Content Placeholder 9"/>
-          <p:cNvSpPr>
-            <a:spLocks noGrp="1"/>
-          </p:cNvSpPr>
-          <p:nvPr>
-            <p:ph idx="1"/>
-          </p:nvPr>
-        </p:nvSpPr>
-        <p:spPr>
-          <a:xfrm>
-            <a:off x="4016830" y="1725717"/>
-            <a:ext cx="5143500" cy="3351210"/>
-          </a:xfrm>
-        </p:spPr>
-        <p:txBody>
-          <a:bodyPr/>
-          <a:lstStyle/>
-          <a:p>
-            <a:pPr marL="514350" indent="-514350">
-              <a:buFont typeface="+mj-lt"/>
-              <a:buAutoNum type="arabicPeriod"/>
-            </a:pPr>
-            <a:r>
-              <a:rPr lang="en-US" dirty="0" smtClean="0"/>
-              <a:t>Data selection or appraisal</a:t>
-            </a:r>
-          </a:p>
-          <a:p>
-            <a:pPr marL="514350" indent="-514350">
-              <a:buFont typeface="+mj-lt"/>
-              <a:buAutoNum type="arabicPeriod"/>
-            </a:pPr>
-            <a:r>
-              <a:rPr lang="en-US" dirty="0" smtClean="0"/>
-              <a:t>Format selection</a:t>
-            </a:r>
-          </a:p>
-          <a:p>
-            <a:pPr marL="514350" indent="-514350">
-              <a:buFont typeface="+mj-lt"/>
-              <a:buAutoNum type="arabicPeriod"/>
-            </a:pPr>
-            <a:r>
-              <a:rPr lang="en-US" dirty="0" smtClean="0"/>
-              <a:t>Perform checksums</a:t>
-            </a:r>
-          </a:p>
-          <a:p>
-            <a:pPr marL="514350" indent="-514350">
-              <a:buFont typeface="+mj-lt"/>
-              <a:buAutoNum type="arabicPeriod"/>
-            </a:pPr>
-            <a:r>
-              <a:rPr lang="en-US" dirty="0" smtClean="0"/>
-              <a:t>Select archive location</a:t>
-            </a:r>
-          </a:p>
-          <a:p>
-            <a:pPr marL="514350" indent="-514350">
-              <a:buFont typeface="+mj-lt"/>
-              <a:buAutoNum type="arabicPeriod"/>
-            </a:pPr>
-            <a:r>
-              <a:rPr lang="en-US" dirty="0" smtClean="0"/>
-              <a:t>Periodic file- and bit-level audits</a:t>
-            </a:r>
-            <a:endParaRPr lang="en-US" dirty="0"/>
-          </a:p>
-        </p:txBody>
-      </p:sp>
-    </p:spTree>
-    <p:extLst>
-      <p:ext uri="{BB962C8B-B14F-4D97-AF65-F5344CB8AC3E}">
-        <p14:creationId xmlns:p14="http://schemas.microsoft.com/office/powerpoint/2010/main" val="900820502"/>
       </p:ext>
     </p:extLst>
   </p:cSld>
@@ -21709,7 +22368,7 @@
       </p:grpSpPr>
       <p:sp>
         <p:nvSpPr>
-          <p:cNvPr id="2" name="Title 1"/>
+          <p:cNvPr id="9" name="Title 8"/>
           <p:cNvSpPr>
             <a:spLocks noGrp="1"/>
           </p:cNvSpPr>
@@ -21724,7 +22383,7 @@
           <a:p>
             <a:r>
               <a:rPr lang="en-US" dirty="0" smtClean="0"/>
-              <a:t>Checksum Review</a:t>
+              <a:t>To Archive Data</a:t>
             </a:r>
             <a:endParaRPr lang="en-US" dirty="0"/>
           </a:p>
@@ -21732,7 +22391,7 @@
       </p:sp>
       <p:sp>
         <p:nvSpPr>
-          <p:cNvPr id="3" name="Content Placeholder 2"/>
+          <p:cNvPr id="10" name="Content Placeholder 9"/>
           <p:cNvSpPr>
             <a:spLocks noGrp="1"/>
           </p:cNvSpPr>
@@ -21742,34 +22401,83 @@
         </p:nvSpPr>
         <p:spPr>
           <a:xfrm>
-            <a:off x="4842164" y="1825625"/>
-            <a:ext cx="6511635" cy="4351338"/>
+            <a:off x="4016830" y="1725717"/>
+            <a:ext cx="5143500" cy="3351210"/>
           </a:xfrm>
         </p:spPr>
         <p:txBody>
           <a:bodyPr/>
           <a:lstStyle/>
           <a:p>
-            <a:r>
-              <a:rPr lang="en-US" dirty="0" err="1" smtClean="0"/>
-              <a:t>bitrot</a:t>
-            </a:r>
-            <a:endParaRPr lang="en-US" dirty="0" smtClean="0"/>
-          </a:p>
-          <a:p>
+            <a:pPr marL="514350" indent="-514350">
+              <a:buFont typeface="+mj-lt"/>
+              <a:buAutoNum type="arabicPeriod"/>
+            </a:pPr>
             <a:r>
               <a:rPr lang="en-US" dirty="0" smtClean="0"/>
-              <a:t>there is no cloud</a:t>
+              <a:t>Data selection or appraisal</a:t>
+            </a:r>
+          </a:p>
+          <a:p>
+            <a:pPr marL="514350" indent="-514350">
+              <a:buFont typeface="+mj-lt"/>
+              <a:buAutoNum type="arabicPeriod"/>
+            </a:pPr>
+            <a:r>
+              <a:rPr lang="en-US" dirty="0" smtClean="0"/>
+              <a:t>Format selection</a:t>
+            </a:r>
+          </a:p>
+          <a:p>
+            <a:pPr marL="514350" indent="-514350">
+              <a:buFont typeface="+mj-lt"/>
+              <a:buAutoNum type="arabicPeriod"/>
+            </a:pPr>
+            <a:r>
+              <a:rPr lang="en-US" dirty="0" smtClean="0"/>
+              <a:t>Perform checksums</a:t>
+            </a:r>
+          </a:p>
+          <a:p>
+            <a:pPr marL="514350" indent="-514350">
+              <a:buFont typeface="+mj-lt"/>
+              <a:buAutoNum type="arabicPeriod"/>
+            </a:pPr>
+            <a:r>
+              <a:rPr lang="en-US" dirty="0" smtClean="0"/>
+              <a:t>Select archive location</a:t>
+            </a:r>
+          </a:p>
+          <a:p>
+            <a:pPr marL="514350" indent="-514350">
+              <a:buFont typeface="+mj-lt"/>
+              <a:buAutoNum type="arabicPeriod"/>
+            </a:pPr>
+            <a:r>
+              <a:rPr lang="en-US" dirty="0" smtClean="0"/>
+              <a:t>Periodic file- and bit-level audits</a:t>
             </a:r>
             <a:endParaRPr lang="en-US" dirty="0"/>
           </a:p>
         </p:txBody>
       </p:sp>
     </p:spTree>
+    <p:extLst>
+      <p:ext uri="{BB962C8B-B14F-4D97-AF65-F5344CB8AC3E}">
+        <p14:creationId xmlns:p14="http://schemas.microsoft.com/office/powerpoint/2010/main" val="900820502"/>
+      </p:ext>
+    </p:extLst>
   </p:cSld>
   <p:clrMapOvr>
     <a:masterClrMapping/>
   </p:clrMapOvr>
+  <p:timing>
+    <p:tnLst>
+      <p:par>
+        <p:cTn id="1" dur="indefinite" restart="never" nodeType="tmRoot"/>
+      </p:par>
+    </p:tnLst>
+  </p:timing>
 </p:sld>
 </file>
 
@@ -22028,7 +22736,7 @@
   <a:extraClrSchemeLst/>
   <a:extLst>
     <a:ext uri="{05A4C25C-085E-4340-85A3-A5531E510DB2}">
-      <thm15:themeFamily xmlns="" xmlns:thm15="http://schemas.microsoft.com/office/thememl/2012/main" name="Office Theme" id="{62F939B6-93AF-4DB8-9C6B-D6C7DFDC589F}" vid="{4A3C46E8-61CC-4603-A589-7422A47A8E4A}"/>
+      <thm15:themeFamily xmlns:thm15="http://schemas.microsoft.com/office/thememl/2012/main" name="Office Theme" id="{62F939B6-93AF-4DB8-9C6B-D6C7DFDC589F}" vid="{4A3C46E8-61CC-4603-A589-7422A47A8E4A}"/>
     </a:ext>
   </a:extLst>
 </a:theme>
@@ -22289,7 +22997,7 @@
   <a:extraClrSchemeLst/>
   <a:extLst>
     <a:ext uri="{05A4C25C-085E-4340-85A3-A5531E510DB2}">
-      <thm15:themeFamily xmlns="" xmlns:thm15="http://schemas.microsoft.com/office/thememl/2012/main" name="Office Theme" id="{62F939B6-93AF-4DB8-9C6B-D6C7DFDC589F}" vid="{4A3C46E8-61CC-4603-A589-7422A47A8E4A}"/>
+      <thm15:themeFamily xmlns:thm15="http://schemas.microsoft.com/office/thememl/2012/main" name="Office Theme" id="{62F939B6-93AF-4DB8-9C6B-D6C7DFDC589F}" vid="{4A3C46E8-61CC-4603-A589-7422A47A8E4A}"/>
     </a:ext>
   </a:extLst>
 </a:theme>

--- a/UM_DataManagementClass/Lessons/13/13_FirstMeeting.pptx
+++ b/UM_DataManagementClass/Lessons/13/13_FirstMeeting.pptx
@@ -138,7 +138,7 @@
   </p:defaultTextStyle>
   <p:extLst>
     <p:ext uri="{EFAFB233-063F-42B5-8137-9DF3F51BA10A}">
-      <p15:sldGuideLst xmlns:p15="http://schemas.microsoft.com/office/powerpoint/2012/main">
+      <p15:sldGuideLst xmlns:p15="http://schemas.microsoft.com/office/powerpoint/2012/main" xmlns="">
         <p15:guide id="1" orient="horz" pos="2160" userDrawn="1">
           <p15:clr>
             <a:srgbClr val="A4A3A4"/>
@@ -2336,37 +2336,37 @@
     </dgm:pt>
   </dgm:ptLst>
   <dgm:cxnLst>
+    <dgm:cxn modelId="{B7283128-E233-4CC5-815D-4D4A8FDE12AF}" type="presOf" srcId="{0A4FCDB1-35C8-4041-B299-34A6542EC47F}" destId="{673805C9-AEC1-1E4A-9420-07C7CCB2EA23}" srcOrd="0" destOrd="0" presId="urn:microsoft.com/office/officeart/2005/8/layout/hierarchy3"/>
+    <dgm:cxn modelId="{7FACFE59-DF38-464F-A2E6-99507C02BE89}" srcId="{2A917167-CA08-9845-BFBB-075A4D35C066}" destId="{0A4FCDB1-35C8-4041-B299-34A6542EC47F}" srcOrd="2" destOrd="0" parTransId="{F49EA226-F576-414B-9B74-BAE6C0730F3A}" sibTransId="{F4D74F05-2A84-1F4F-8050-FCC00D9CC75D}"/>
+    <dgm:cxn modelId="{836CD274-86E1-6943-84BA-A68A8C6B6B98}" srcId="{2A917167-CA08-9845-BFBB-075A4D35C066}" destId="{E60D329A-932E-4F46-A992-7BEC4E650667}" srcOrd="0" destOrd="0" parTransId="{38893CC9-1131-5D4C-A035-B196533A6BAD}" sibTransId="{A28D4FF2-832C-2042-B636-87CF09E43C98}"/>
+    <dgm:cxn modelId="{7427ABAC-E7D6-432B-9B9E-984BD37B19AE}" type="presOf" srcId="{C3ADF586-87F3-124D-A60C-E66F54C6F810}" destId="{EC345899-C559-064C-9E75-D1103C0B82D1}" srcOrd="0" destOrd="0" presId="urn:microsoft.com/office/officeart/2005/8/layout/hierarchy3"/>
+    <dgm:cxn modelId="{4C617F15-3F33-47A3-84BB-34E978D52689}" type="presOf" srcId="{7E3D195B-F3E2-804A-90DA-F0F21BE9FE6F}" destId="{B180D373-6C22-4742-8F88-588A0AA7C133}" srcOrd="0" destOrd="0" presId="urn:microsoft.com/office/officeart/2005/8/layout/hierarchy3"/>
+    <dgm:cxn modelId="{6F2216C9-F17C-3C48-B086-916BB384EF1B}" srcId="{2A917167-CA08-9845-BFBB-075A4D35C066}" destId="{C3ADF586-87F3-124D-A60C-E66F54C6F810}" srcOrd="1" destOrd="0" parTransId="{765B203D-8A25-B34F-9F36-6AACDABB14C9}" sibTransId="{64C24EFB-EE00-D445-8669-0925F9DBC442}"/>
+    <dgm:cxn modelId="{EB69434B-4783-3A48-8333-F9D43C197192}" srcId="{6F11DA1A-B722-2344-BAA1-6A89F3D4CF3B}" destId="{2A917167-CA08-9845-BFBB-075A4D35C066}" srcOrd="1" destOrd="0" parTransId="{87CC1D5D-0EC5-1447-8336-16B8032A3E4D}" sibTransId="{80A460C9-DD59-4A41-9F0D-C09AAAF011AC}"/>
     <dgm:cxn modelId="{3B218B19-807A-4F7C-93AD-763E3990F959}" type="presOf" srcId="{2A917167-CA08-9845-BFBB-075A4D35C066}" destId="{05CF767F-9416-6144-A521-2991891D2774}" srcOrd="1" destOrd="0" presId="urn:microsoft.com/office/officeart/2005/8/layout/hierarchy3"/>
+    <dgm:cxn modelId="{EEC07AB3-6CA7-4D6E-B7AC-D5E142C7AA5F}" type="presOf" srcId="{1F5C8817-DB8F-2F4F-9F3E-CDD779392C19}" destId="{63C51976-F41B-F141-93C0-FF6875F20846}" srcOrd="0" destOrd="0" presId="urn:microsoft.com/office/officeart/2005/8/layout/hierarchy3"/>
+    <dgm:cxn modelId="{DD4D3793-1276-4EF1-AE6B-F1F1ACFC07F0}" type="presOf" srcId="{9B3DFC13-F877-2C4A-857B-7551B181A099}" destId="{8356A8C5-4708-3A42-87A7-FE92E34EAA6B}" srcOrd="0" destOrd="0" presId="urn:microsoft.com/office/officeart/2005/8/layout/hierarchy3"/>
+    <dgm:cxn modelId="{876785E1-7712-4EA8-978E-C00594B6A7A5}" type="presOf" srcId="{6F11DA1A-B722-2344-BAA1-6A89F3D4CF3B}" destId="{3C2C9004-2D3C-8640-988D-D779A8A491AC}" srcOrd="0" destOrd="0" presId="urn:microsoft.com/office/officeart/2005/8/layout/hierarchy3"/>
+    <dgm:cxn modelId="{86124977-90FB-467E-9789-61E2574DC435}" type="presOf" srcId="{83889A59-9D85-494B-8C74-202BB9C379C6}" destId="{7BE6AD96-1282-9541-BC1F-AC08487A8B16}" srcOrd="0" destOrd="0" presId="urn:microsoft.com/office/officeart/2005/8/layout/hierarchy3"/>
+    <dgm:cxn modelId="{AC024B87-EDBF-1E48-A066-A20F2ACAD4B1}" srcId="{1F5C8817-DB8F-2F4F-9F3E-CDD779392C19}" destId="{83889A59-9D85-494B-8C74-202BB9C379C6}" srcOrd="2" destOrd="0" parTransId="{CD901186-1203-CA44-927A-82BE82D19CDB}" sibTransId="{2818DDB9-9C0F-1846-829A-27F33AB0091C}"/>
+    <dgm:cxn modelId="{D5CE1210-4DF9-074E-85A9-4A08D53503FD}" srcId="{1F5C8817-DB8F-2F4F-9F3E-CDD779392C19}" destId="{68EF0485-1377-E945-AF25-075F3AAF9F27}" srcOrd="3" destOrd="0" parTransId="{7E3D195B-F3E2-804A-90DA-F0F21BE9FE6F}" sibTransId="{1459CA70-6652-A141-ADE0-E3577F463AC5}"/>
+    <dgm:cxn modelId="{97447E79-0537-4F5D-B0AC-DA7AB5E00D4B}" type="presOf" srcId="{D4C0AFD3-D6C7-944A-9CED-E9E485EBF1C8}" destId="{FE279622-5531-F84C-BFC7-FBD7FE8B9B82}" srcOrd="0" destOrd="0" presId="urn:microsoft.com/office/officeart/2005/8/layout/hierarchy3"/>
+    <dgm:cxn modelId="{8C214E43-2F23-9F4D-82E2-6817B7CC87D5}" srcId="{1F5C8817-DB8F-2F4F-9F3E-CDD779392C19}" destId="{13FF0890-320A-4B47-A53E-B351974631A7}" srcOrd="1" destOrd="0" parTransId="{9627307C-9690-BB47-BD82-1ED6A752B118}" sibTransId="{ECBAD8E8-A9FB-B849-9821-2D5AF5449979}"/>
+    <dgm:cxn modelId="{1BD92F84-EC57-144F-BEB5-6A6E80F68A77}" srcId="{1F5C8817-DB8F-2F4F-9F3E-CDD779392C19}" destId="{D4C0AFD3-D6C7-944A-9CED-E9E485EBF1C8}" srcOrd="0" destOrd="0" parTransId="{6267DED2-D0F5-DC48-8F2D-BEFB14687890}" sibTransId="{015F7D32-DD96-EC49-B1BB-4559024785AF}"/>
+    <dgm:cxn modelId="{6BE833A3-DCD7-45AC-B467-6EC61ACACD2F}" type="presOf" srcId="{6267DED2-D0F5-DC48-8F2D-BEFB14687890}" destId="{35EA963D-C281-FF41-8262-A7EE56062F21}" srcOrd="0" destOrd="0" presId="urn:microsoft.com/office/officeart/2005/8/layout/hierarchy3"/>
+    <dgm:cxn modelId="{AEC78A86-D5E8-44C2-B20B-89A074A86319}" type="presOf" srcId="{F49EA226-F576-414B-9B74-BAE6C0730F3A}" destId="{B70210BD-9D05-ED4F-9E14-B9C09F156718}" srcOrd="0" destOrd="0" presId="urn:microsoft.com/office/officeart/2005/8/layout/hierarchy3"/>
+    <dgm:cxn modelId="{30CCAB72-18B5-C543-A27F-3AFA74DEC15C}" srcId="{6F11DA1A-B722-2344-BAA1-6A89F3D4CF3B}" destId="{1F5C8817-DB8F-2F4F-9F3E-CDD779392C19}" srcOrd="0" destOrd="0" parTransId="{1E56939D-715A-A54A-843A-48790FF3B0EE}" sibTransId="{29B1CBB3-D3B7-8743-8AC7-131AFF317F9E}"/>
+    <dgm:cxn modelId="{E07E9D80-7A4E-4E8D-9B8A-109E1ABC3DE4}" type="presOf" srcId="{9627307C-9690-BB47-BD82-1ED6A752B118}" destId="{81DC1441-90E5-E049-8492-C6CE65EF3CDD}" srcOrd="0" destOrd="0" presId="urn:microsoft.com/office/officeart/2005/8/layout/hierarchy3"/>
+    <dgm:cxn modelId="{88E6888F-257D-F14D-8089-0FD0DD08A500}" srcId="{2A917167-CA08-9845-BFBB-075A4D35C066}" destId="{9B3DFC13-F877-2C4A-857B-7551B181A099}" srcOrd="3" destOrd="0" parTransId="{3B7D6244-D0FB-EB45-B3EA-96FE0136A5FA}" sibTransId="{517542EF-F268-4447-8E00-DD94ED5FABF8}"/>
+    <dgm:cxn modelId="{170FF20A-2667-4ABE-B707-81DDAECD9784}" type="presOf" srcId="{1F5C8817-DB8F-2F4F-9F3E-CDD779392C19}" destId="{885AAAEF-4BD4-0D45-BFDE-64B8C20C3057}" srcOrd="1" destOrd="0" presId="urn:microsoft.com/office/officeart/2005/8/layout/hierarchy3"/>
+    <dgm:cxn modelId="{CCFFE8B7-BBA1-4C24-A109-22B4575B41B2}" type="presOf" srcId="{38893CC9-1131-5D4C-A035-B196533A6BAD}" destId="{66A7E51A-FD5F-954D-A28F-4B87801C4DA6}" srcOrd="0" destOrd="0" presId="urn:microsoft.com/office/officeart/2005/8/layout/hierarchy3"/>
+    <dgm:cxn modelId="{F90ED833-3681-4F19-8119-F5A2EDF92D7E}" type="presOf" srcId="{3B7D6244-D0FB-EB45-B3EA-96FE0136A5FA}" destId="{15DDC369-24FC-CF43-B8C6-7347F3D93459}" srcOrd="0" destOrd="0" presId="urn:microsoft.com/office/officeart/2005/8/layout/hierarchy3"/>
+    <dgm:cxn modelId="{24F45A9B-7956-445F-B01F-FB3A44A34C64}" type="presOf" srcId="{13FF0890-320A-4B47-A53E-B351974631A7}" destId="{EBF8F6B8-9564-1441-9B40-3B57EB82800F}" srcOrd="0" destOrd="0" presId="urn:microsoft.com/office/officeart/2005/8/layout/hierarchy3"/>
+    <dgm:cxn modelId="{D91D49A1-2403-44B9-AAB0-80748CB1FD2A}" type="presOf" srcId="{E60D329A-932E-4F46-A992-7BEC4E650667}" destId="{3A1E93D5-C55B-F948-949A-32EBE246EB79}" srcOrd="0" destOrd="0" presId="urn:microsoft.com/office/officeart/2005/8/layout/hierarchy3"/>
+    <dgm:cxn modelId="{E837D2F3-30B9-4FC6-B28D-2CB4AD970420}" type="presOf" srcId="{2A917167-CA08-9845-BFBB-075A4D35C066}" destId="{61DFCB1D-42FD-E944-8C7C-50260B51B897}" srcOrd="0" destOrd="0" presId="urn:microsoft.com/office/officeart/2005/8/layout/hierarchy3"/>
+    <dgm:cxn modelId="{F5492BB1-1DE5-483D-B234-43CE2BFB8A99}" type="presOf" srcId="{68EF0485-1377-E945-AF25-075F3AAF9F27}" destId="{C9DE8436-9AB8-604F-ACE7-FD90ED9B6F6C}" srcOrd="0" destOrd="0" presId="urn:microsoft.com/office/officeart/2005/8/layout/hierarchy3"/>
+    <dgm:cxn modelId="{495ECE20-9BD1-400A-BE74-C8AD77AED1A5}" type="presOf" srcId="{CD901186-1203-CA44-927A-82BE82D19CDB}" destId="{4428862E-12C3-BB49-BD53-24B1C2B3744C}" srcOrd="0" destOrd="0" presId="urn:microsoft.com/office/officeart/2005/8/layout/hierarchy3"/>
     <dgm:cxn modelId="{2F4EFA96-F490-4AA8-B6F4-C3280C5A0777}" type="presOf" srcId="{765B203D-8A25-B34F-9F36-6AACDABB14C9}" destId="{3E72D5A2-4BA6-0048-A855-4AD40E92F7DB}" srcOrd="0" destOrd="0" presId="urn:microsoft.com/office/officeart/2005/8/layout/hierarchy3"/>
-    <dgm:cxn modelId="{D5CE1210-4DF9-074E-85A9-4A08D53503FD}" srcId="{1F5C8817-DB8F-2F4F-9F3E-CDD779392C19}" destId="{68EF0485-1377-E945-AF25-075F3AAF9F27}" srcOrd="3" destOrd="0" parTransId="{7E3D195B-F3E2-804A-90DA-F0F21BE9FE6F}" sibTransId="{1459CA70-6652-A141-ADE0-E3577F463AC5}"/>
-    <dgm:cxn modelId="{CCFFE8B7-BBA1-4C24-A109-22B4575B41B2}" type="presOf" srcId="{38893CC9-1131-5D4C-A035-B196533A6BAD}" destId="{66A7E51A-FD5F-954D-A28F-4B87801C4DA6}" srcOrd="0" destOrd="0" presId="urn:microsoft.com/office/officeart/2005/8/layout/hierarchy3"/>
-    <dgm:cxn modelId="{24F45A9B-7956-445F-B01F-FB3A44A34C64}" type="presOf" srcId="{13FF0890-320A-4B47-A53E-B351974631A7}" destId="{EBF8F6B8-9564-1441-9B40-3B57EB82800F}" srcOrd="0" destOrd="0" presId="urn:microsoft.com/office/officeart/2005/8/layout/hierarchy3"/>
-    <dgm:cxn modelId="{EB69434B-4783-3A48-8333-F9D43C197192}" srcId="{6F11DA1A-B722-2344-BAA1-6A89F3D4CF3B}" destId="{2A917167-CA08-9845-BFBB-075A4D35C066}" srcOrd="1" destOrd="0" parTransId="{87CC1D5D-0EC5-1447-8336-16B8032A3E4D}" sibTransId="{80A460C9-DD59-4A41-9F0D-C09AAAF011AC}"/>
-    <dgm:cxn modelId="{30CCAB72-18B5-C543-A27F-3AFA74DEC15C}" srcId="{6F11DA1A-B722-2344-BAA1-6A89F3D4CF3B}" destId="{1F5C8817-DB8F-2F4F-9F3E-CDD779392C19}" srcOrd="0" destOrd="0" parTransId="{1E56939D-715A-A54A-843A-48790FF3B0EE}" sibTransId="{29B1CBB3-D3B7-8743-8AC7-131AFF317F9E}"/>
-    <dgm:cxn modelId="{836CD274-86E1-6943-84BA-A68A8C6B6B98}" srcId="{2A917167-CA08-9845-BFBB-075A4D35C066}" destId="{E60D329A-932E-4F46-A992-7BEC4E650667}" srcOrd="0" destOrd="0" parTransId="{38893CC9-1131-5D4C-A035-B196533A6BAD}" sibTransId="{A28D4FF2-832C-2042-B636-87CF09E43C98}"/>
-    <dgm:cxn modelId="{AC024B87-EDBF-1E48-A066-A20F2ACAD4B1}" srcId="{1F5C8817-DB8F-2F4F-9F3E-CDD779392C19}" destId="{83889A59-9D85-494B-8C74-202BB9C379C6}" srcOrd="2" destOrd="0" parTransId="{CD901186-1203-CA44-927A-82BE82D19CDB}" sibTransId="{2818DDB9-9C0F-1846-829A-27F33AB0091C}"/>
-    <dgm:cxn modelId="{AEC78A86-D5E8-44C2-B20B-89A074A86319}" type="presOf" srcId="{F49EA226-F576-414B-9B74-BAE6C0730F3A}" destId="{B70210BD-9D05-ED4F-9E14-B9C09F156718}" srcOrd="0" destOrd="0" presId="urn:microsoft.com/office/officeart/2005/8/layout/hierarchy3"/>
-    <dgm:cxn modelId="{88E6888F-257D-F14D-8089-0FD0DD08A500}" srcId="{2A917167-CA08-9845-BFBB-075A4D35C066}" destId="{9B3DFC13-F877-2C4A-857B-7551B181A099}" srcOrd="3" destOrd="0" parTransId="{3B7D6244-D0FB-EB45-B3EA-96FE0136A5FA}" sibTransId="{517542EF-F268-4447-8E00-DD94ED5FABF8}"/>
-    <dgm:cxn modelId="{F90ED833-3681-4F19-8119-F5A2EDF92D7E}" type="presOf" srcId="{3B7D6244-D0FB-EB45-B3EA-96FE0136A5FA}" destId="{15DDC369-24FC-CF43-B8C6-7347F3D93459}" srcOrd="0" destOrd="0" presId="urn:microsoft.com/office/officeart/2005/8/layout/hierarchy3"/>
-    <dgm:cxn modelId="{E07E9D80-7A4E-4E8D-9B8A-109E1ABC3DE4}" type="presOf" srcId="{9627307C-9690-BB47-BD82-1ED6A752B118}" destId="{81DC1441-90E5-E049-8492-C6CE65EF3CDD}" srcOrd="0" destOrd="0" presId="urn:microsoft.com/office/officeart/2005/8/layout/hierarchy3"/>
-    <dgm:cxn modelId="{6BE833A3-DCD7-45AC-B467-6EC61ACACD2F}" type="presOf" srcId="{6267DED2-D0F5-DC48-8F2D-BEFB14687890}" destId="{35EA963D-C281-FF41-8262-A7EE56062F21}" srcOrd="0" destOrd="0" presId="urn:microsoft.com/office/officeart/2005/8/layout/hierarchy3"/>
-    <dgm:cxn modelId="{6F2216C9-F17C-3C48-B086-916BB384EF1B}" srcId="{2A917167-CA08-9845-BFBB-075A4D35C066}" destId="{C3ADF586-87F3-124D-A60C-E66F54C6F810}" srcOrd="1" destOrd="0" parTransId="{765B203D-8A25-B34F-9F36-6AACDABB14C9}" sibTransId="{64C24EFB-EE00-D445-8669-0925F9DBC442}"/>
-    <dgm:cxn modelId="{495ECE20-9BD1-400A-BE74-C8AD77AED1A5}" type="presOf" srcId="{CD901186-1203-CA44-927A-82BE82D19CDB}" destId="{4428862E-12C3-BB49-BD53-24B1C2B3744C}" srcOrd="0" destOrd="0" presId="urn:microsoft.com/office/officeart/2005/8/layout/hierarchy3"/>
-    <dgm:cxn modelId="{86124977-90FB-467E-9789-61E2574DC435}" type="presOf" srcId="{83889A59-9D85-494B-8C74-202BB9C379C6}" destId="{7BE6AD96-1282-9541-BC1F-AC08487A8B16}" srcOrd="0" destOrd="0" presId="urn:microsoft.com/office/officeart/2005/8/layout/hierarchy3"/>
-    <dgm:cxn modelId="{876785E1-7712-4EA8-978E-C00594B6A7A5}" type="presOf" srcId="{6F11DA1A-B722-2344-BAA1-6A89F3D4CF3B}" destId="{3C2C9004-2D3C-8640-988D-D779A8A491AC}" srcOrd="0" destOrd="0" presId="urn:microsoft.com/office/officeart/2005/8/layout/hierarchy3"/>
-    <dgm:cxn modelId="{4C617F15-3F33-47A3-84BB-34E978D52689}" type="presOf" srcId="{7E3D195B-F3E2-804A-90DA-F0F21BE9FE6F}" destId="{B180D373-6C22-4742-8F88-588A0AA7C133}" srcOrd="0" destOrd="0" presId="urn:microsoft.com/office/officeart/2005/8/layout/hierarchy3"/>
-    <dgm:cxn modelId="{8C214E43-2F23-9F4D-82E2-6817B7CC87D5}" srcId="{1F5C8817-DB8F-2F4F-9F3E-CDD779392C19}" destId="{13FF0890-320A-4B47-A53E-B351974631A7}" srcOrd="1" destOrd="0" parTransId="{9627307C-9690-BB47-BD82-1ED6A752B118}" sibTransId="{ECBAD8E8-A9FB-B849-9821-2D5AF5449979}"/>
-    <dgm:cxn modelId="{B7283128-E233-4CC5-815D-4D4A8FDE12AF}" type="presOf" srcId="{0A4FCDB1-35C8-4041-B299-34A6542EC47F}" destId="{673805C9-AEC1-1E4A-9420-07C7CCB2EA23}" srcOrd="0" destOrd="0" presId="urn:microsoft.com/office/officeart/2005/8/layout/hierarchy3"/>
-    <dgm:cxn modelId="{D91D49A1-2403-44B9-AAB0-80748CB1FD2A}" type="presOf" srcId="{E60D329A-932E-4F46-A992-7BEC4E650667}" destId="{3A1E93D5-C55B-F948-949A-32EBE246EB79}" srcOrd="0" destOrd="0" presId="urn:microsoft.com/office/officeart/2005/8/layout/hierarchy3"/>
-    <dgm:cxn modelId="{7FACFE59-DF38-464F-A2E6-99507C02BE89}" srcId="{2A917167-CA08-9845-BFBB-075A4D35C066}" destId="{0A4FCDB1-35C8-4041-B299-34A6542EC47F}" srcOrd="2" destOrd="0" parTransId="{F49EA226-F576-414B-9B74-BAE6C0730F3A}" sibTransId="{F4D74F05-2A84-1F4F-8050-FCC00D9CC75D}"/>
-    <dgm:cxn modelId="{F5492BB1-1DE5-483D-B234-43CE2BFB8A99}" type="presOf" srcId="{68EF0485-1377-E945-AF25-075F3AAF9F27}" destId="{C9DE8436-9AB8-604F-ACE7-FD90ED9B6F6C}" srcOrd="0" destOrd="0" presId="urn:microsoft.com/office/officeart/2005/8/layout/hierarchy3"/>
-    <dgm:cxn modelId="{DD4D3793-1276-4EF1-AE6B-F1F1ACFC07F0}" type="presOf" srcId="{9B3DFC13-F877-2C4A-857B-7551B181A099}" destId="{8356A8C5-4708-3A42-87A7-FE92E34EAA6B}" srcOrd="0" destOrd="0" presId="urn:microsoft.com/office/officeart/2005/8/layout/hierarchy3"/>
-    <dgm:cxn modelId="{EEC07AB3-6CA7-4D6E-B7AC-D5E142C7AA5F}" type="presOf" srcId="{1F5C8817-DB8F-2F4F-9F3E-CDD779392C19}" destId="{63C51976-F41B-F141-93C0-FF6875F20846}" srcOrd="0" destOrd="0" presId="urn:microsoft.com/office/officeart/2005/8/layout/hierarchy3"/>
-    <dgm:cxn modelId="{E837D2F3-30B9-4FC6-B28D-2CB4AD970420}" type="presOf" srcId="{2A917167-CA08-9845-BFBB-075A4D35C066}" destId="{61DFCB1D-42FD-E944-8C7C-50260B51B897}" srcOrd="0" destOrd="0" presId="urn:microsoft.com/office/officeart/2005/8/layout/hierarchy3"/>
-    <dgm:cxn modelId="{1BD92F84-EC57-144F-BEB5-6A6E80F68A77}" srcId="{1F5C8817-DB8F-2F4F-9F3E-CDD779392C19}" destId="{D4C0AFD3-D6C7-944A-9CED-E9E485EBF1C8}" srcOrd="0" destOrd="0" parTransId="{6267DED2-D0F5-DC48-8F2D-BEFB14687890}" sibTransId="{015F7D32-DD96-EC49-B1BB-4559024785AF}"/>
-    <dgm:cxn modelId="{170FF20A-2667-4ABE-B707-81DDAECD9784}" type="presOf" srcId="{1F5C8817-DB8F-2F4F-9F3E-CDD779392C19}" destId="{885AAAEF-4BD4-0D45-BFDE-64B8C20C3057}" srcOrd="1" destOrd="0" presId="urn:microsoft.com/office/officeart/2005/8/layout/hierarchy3"/>
-    <dgm:cxn modelId="{97447E79-0537-4F5D-B0AC-DA7AB5E00D4B}" type="presOf" srcId="{D4C0AFD3-D6C7-944A-9CED-E9E485EBF1C8}" destId="{FE279622-5531-F84C-BFC7-FBD7FE8B9B82}" srcOrd="0" destOrd="0" presId="urn:microsoft.com/office/officeart/2005/8/layout/hierarchy3"/>
-    <dgm:cxn modelId="{7427ABAC-E7D6-432B-9B9E-984BD37B19AE}" type="presOf" srcId="{C3ADF586-87F3-124D-A60C-E66F54C6F810}" destId="{EC345899-C559-064C-9E75-D1103C0B82D1}" srcOrd="0" destOrd="0" presId="urn:microsoft.com/office/officeart/2005/8/layout/hierarchy3"/>
     <dgm:cxn modelId="{94D2ECD8-D02F-4F3A-94C7-729B8CE36083}" type="presParOf" srcId="{3C2C9004-2D3C-8640-988D-D779A8A491AC}" destId="{C48895A9-16BD-C54D-B3B8-AC7A279265F1}" srcOrd="0" destOrd="0" presId="urn:microsoft.com/office/officeart/2005/8/layout/hierarchy3"/>
     <dgm:cxn modelId="{3DE24F3A-EE80-4975-A051-E54694E87AF2}" type="presParOf" srcId="{C48895A9-16BD-C54D-B3B8-AC7A279265F1}" destId="{978B3DBA-CFA8-6F45-9D8C-08348409E345}" srcOrd="0" destOrd="0" presId="urn:microsoft.com/office/officeart/2005/8/layout/hierarchy3"/>
     <dgm:cxn modelId="{3DBB1668-EA50-4B1E-9F15-87B74AE0E69A}" type="presParOf" srcId="{978B3DBA-CFA8-6F45-9D8C-08348409E345}" destId="{63C51976-F41B-F141-93C0-FF6875F20846}" srcOrd="0" destOrd="0" presId="urn:microsoft.com/office/officeart/2005/8/layout/hierarchy3"/>
@@ -2398,7 +2398,7 @@
   <dgm:whole/>
   <dgm:extLst>
     <a:ext uri="http://schemas.microsoft.com/office/drawing/2008/diagram">
-      <dsp:dataModelExt xmlns:dsp="http://schemas.microsoft.com/office/drawing/2008/diagram" relId="rId7" minVer="http://schemas.openxmlformats.org/drawingml/2006/diagram"/>
+      <dsp:dataModelExt xmlns:dsp="http://schemas.microsoft.com/office/drawing/2008/diagram" xmlns="" relId="rId7" minVer="http://schemas.openxmlformats.org/drawingml/2006/diagram"/>
     </a:ext>
   </dgm:extLst>
 </dgm:dataModel>
@@ -3148,40 +3148,40 @@
     </dgm:pt>
   </dgm:ptLst>
   <dgm:cxnLst>
-    <dgm:cxn modelId="{9605E359-3E7A-374A-82AA-723F9B8D4BE0}" srcId="{417CFB14-29CB-2A43-A568-88EC1636DEAE}" destId="{F0382FFA-199F-F949-A2B4-580AC209826D}" srcOrd="2" destOrd="0" parTransId="{995C325E-B6AD-5D42-B480-489833D4ECF8}" sibTransId="{6EFFB374-9A32-8B4A-B4A7-ADD5D61F194E}"/>
+    <dgm:cxn modelId="{7BF875BE-BF1D-458D-96AF-CDE60EDD3AC9}" type="presOf" srcId="{3919F0DE-508E-DC4F-AC49-2B396CAD9DEB}" destId="{F63494B6-52D9-104C-ACBA-2846BDC8ABF4}" srcOrd="0" destOrd="0" presId="urn:microsoft.com/office/officeart/2005/8/layout/hierarchy3"/>
+    <dgm:cxn modelId="{6D682422-283F-E448-8B37-AC4B93FEFB18}" srcId="{417CFB14-29CB-2A43-A568-88EC1636DEAE}" destId="{A4D16DE4-B54F-1C43-BE16-527B2F6A22FD}" srcOrd="3" destOrd="0" parTransId="{9BE44122-E5BB-B74A-9DC2-2F566A1636B4}" sibTransId="{9A79DAD1-0778-1B45-A541-EA25FEAAD044}"/>
+    <dgm:cxn modelId="{1832144E-D620-467F-B91D-315A083DAD7A}" type="presOf" srcId="{4C3332EC-ACF6-A048-A27A-8E990B3ECB5F}" destId="{595A6716-442E-4549-8127-48D49896B05C}" srcOrd="0" destOrd="0" presId="urn:microsoft.com/office/officeart/2005/8/layout/hierarchy3"/>
+    <dgm:cxn modelId="{A1054420-569A-4B59-82B9-97BBC9009588}" type="presOf" srcId="{8D1AB63A-572C-304A-B221-3739A2D3C6C3}" destId="{F71B7755-BFF8-AA4D-B8A8-2CCA2110E62C}" srcOrd="0" destOrd="0" presId="urn:microsoft.com/office/officeart/2005/8/layout/hierarchy3"/>
+    <dgm:cxn modelId="{A44DDE99-471E-427C-B9B5-54C13461717B}" type="presOf" srcId="{39E4A93F-45F2-E54F-AECC-A7B024A97469}" destId="{38B4A859-D8DB-FB4A-A2A3-4B99DB398769}" srcOrd="0" destOrd="0" presId="urn:microsoft.com/office/officeart/2005/8/layout/hierarchy3"/>
+    <dgm:cxn modelId="{6567650A-E221-41E7-BD62-EDAFDBACF820}" type="presOf" srcId="{86C837A3-9B58-AF44-9270-EA6A0CB4B511}" destId="{BF6D7178-47C6-5944-9972-65F130D5597B}" srcOrd="0" destOrd="0" presId="urn:microsoft.com/office/officeart/2005/8/layout/hierarchy3"/>
+    <dgm:cxn modelId="{9AC082E2-4872-4C38-BBBB-895D16850839}" type="presOf" srcId="{6782E9AB-8CC2-8D42-B53A-736099E44264}" destId="{5C2657AA-8211-8247-97F1-AC51BDC7377D}" srcOrd="0" destOrd="0" presId="urn:microsoft.com/office/officeart/2005/8/layout/hierarchy3"/>
+    <dgm:cxn modelId="{B1F90F5B-9DD2-433C-A5CE-8D8DDDFDB281}" type="presOf" srcId="{417CFB14-29CB-2A43-A568-88EC1636DEAE}" destId="{2118EEE6-AC3B-694E-9704-05BE9277AA03}" srcOrd="1" destOrd="0" presId="urn:microsoft.com/office/officeart/2005/8/layout/hierarchy3"/>
+    <dgm:cxn modelId="{A5AED5FB-A2B7-124F-9BE7-BEFE2467BA5D}" srcId="{417CFB14-29CB-2A43-A568-88EC1636DEAE}" destId="{5130E954-33F2-D643-A9F5-1256772077D5}" srcOrd="4" destOrd="0" parTransId="{BCDA92D1-095D-FE4A-B32C-B294FB3A947C}" sibTransId="{2093E57A-1331-E44B-B3D6-40820FB835CC}"/>
+    <dgm:cxn modelId="{896BA7C1-0566-42CF-9BD8-615859B4ED67}" type="presOf" srcId="{16AC499F-3199-3A45-AC27-93E7ED191A9C}" destId="{D148868C-C96E-5A41-ABFC-951D2B34A6A7}" srcOrd="0" destOrd="0" presId="urn:microsoft.com/office/officeart/2005/8/layout/hierarchy3"/>
+    <dgm:cxn modelId="{9A2AA99F-487C-4C54-8725-CDF844AE5D7B}" type="presOf" srcId="{2791C6C2-4B08-444D-959B-1C1D824C4313}" destId="{F9213BAA-378E-C740-996C-32960B344D63}" srcOrd="0" destOrd="0" presId="urn:microsoft.com/office/officeart/2005/8/layout/hierarchy3"/>
+    <dgm:cxn modelId="{F088681B-8AFE-449C-B164-FEE52C544E51}" type="presOf" srcId="{A4D16DE4-B54F-1C43-BE16-527B2F6A22FD}" destId="{2AC97CD3-DDF4-D047-AFF8-5BAA588CB49A}" srcOrd="0" destOrd="0" presId="urn:microsoft.com/office/officeart/2005/8/layout/hierarchy3"/>
+    <dgm:cxn modelId="{CE7A107A-B2B5-4859-8327-7C0AF6C5E7DF}" type="presOf" srcId="{F0382FFA-199F-F949-A2B4-580AC209826D}" destId="{6DB4118C-B8BA-014B-9E51-DA599F4D6A3F}" srcOrd="0" destOrd="0" presId="urn:microsoft.com/office/officeart/2005/8/layout/hierarchy3"/>
+    <dgm:cxn modelId="{34B0988F-5576-4777-842A-A58D59F70D55}" type="presOf" srcId="{995C325E-B6AD-5D42-B480-489833D4ECF8}" destId="{56CB0792-F0B7-6B49-9AF0-9D9B2F9CCE8B}" srcOrd="0" destOrd="0" presId="urn:microsoft.com/office/officeart/2005/8/layout/hierarchy3"/>
+    <dgm:cxn modelId="{F5BE4375-CA83-446B-B867-B4ABAEFCB1A2}" type="presOf" srcId="{B3FB1AE1-2C9A-0C4F-BE4F-2A66E0D45F7E}" destId="{1CECD64F-4E14-7B47-9B47-8AF84EDD81FF}" srcOrd="0" destOrd="0" presId="urn:microsoft.com/office/officeart/2005/8/layout/hierarchy3"/>
+    <dgm:cxn modelId="{1E53E432-989B-4346-B8C1-24927139B3F5}" type="presOf" srcId="{207BEFDE-427B-A240-A8DF-5E7A6199B00B}" destId="{1F500712-3606-F849-8AE1-3B0FB2447614}" srcOrd="0" destOrd="0" presId="urn:microsoft.com/office/officeart/2005/8/layout/hierarchy3"/>
+    <dgm:cxn modelId="{F1EE002E-218C-4B48-94F8-DE2DDB0DF613}" type="presOf" srcId="{C5FB6FEE-7006-CC40-B083-BA3B10E0355C}" destId="{FA142D09-E238-BE4D-A75F-3AFBFE0B68B3}" srcOrd="0" destOrd="0" presId="urn:microsoft.com/office/officeart/2005/8/layout/hierarchy3"/>
+    <dgm:cxn modelId="{684079B8-3148-A84C-BB75-945C051CDF6F}" srcId="{417CFB14-29CB-2A43-A568-88EC1636DEAE}" destId="{39E4A93F-45F2-E54F-AECC-A7B024A97469}" srcOrd="0" destOrd="0" parTransId="{754AB484-6D66-6F4E-997D-66BE0A4004E6}" sibTransId="{8FB60764-E6FE-114C-8ABE-9CF0D65956D3}"/>
+    <dgm:cxn modelId="{4ED48D33-E291-4A79-86B1-3BCAF05B7698}" type="presOf" srcId="{E172CCD0-A302-D547-A67B-B7DF1A708A45}" destId="{D2719142-93AB-884D-BAD1-7B3475C496C3}" srcOrd="0" destOrd="0" presId="urn:microsoft.com/office/officeart/2005/8/layout/hierarchy3"/>
+    <dgm:cxn modelId="{FD9DB2A8-1BD5-47F2-9CF4-29AF295B7FFB}" type="presOf" srcId="{7B15CB30-6300-014F-A483-BA562B417DE8}" destId="{4A5FB6A0-1431-0E42-9E52-A214A729A15B}" srcOrd="0" destOrd="0" presId="urn:microsoft.com/office/officeart/2005/8/layout/hierarchy3"/>
+    <dgm:cxn modelId="{3CEC8A2D-6917-0A44-93B2-15464DB38369}" srcId="{E172CCD0-A302-D547-A67B-B7DF1A708A45}" destId="{86C837A3-9B58-AF44-9270-EA6A0CB4B511}" srcOrd="3" destOrd="0" parTransId="{4C3332EC-ACF6-A048-A27A-8E990B3ECB5F}" sibTransId="{B58935B8-165E-D24C-97AA-F5841BF7F9B4}"/>
+    <dgm:cxn modelId="{5F3A77D9-FC67-7E46-AC2E-BF337DE62450}" srcId="{6782E9AB-8CC2-8D42-B53A-736099E44264}" destId="{E172CCD0-A302-D547-A67B-B7DF1A708A45}" srcOrd="0" destOrd="0" parTransId="{89C003F1-58D6-7148-9EF1-E4613ADA0044}" sibTransId="{FB4EC413-F91A-C842-9938-FA3D7BC5821A}"/>
+    <dgm:cxn modelId="{187D76B4-D7DF-7346-985B-958B208BFE15}" srcId="{E172CCD0-A302-D547-A67B-B7DF1A708A45}" destId="{C5FB6FEE-7006-CC40-B083-BA3B10E0355C}" srcOrd="0" destOrd="0" parTransId="{8D1AB63A-572C-304A-B221-3739A2D3C6C3}" sibTransId="{9B846F60-F0ED-5145-B6CA-8FB1D6E7410E}"/>
+    <dgm:cxn modelId="{EDB27731-3E4C-4194-AFA0-571624DE2648}" type="presOf" srcId="{754AB484-6D66-6F4E-997D-66BE0A4004E6}" destId="{CD204E98-4B30-DD4F-8BB9-05C2D46950BE}" srcOrd="0" destOrd="0" presId="urn:microsoft.com/office/officeart/2005/8/layout/hierarchy3"/>
+    <dgm:cxn modelId="{EF9F7D71-88CE-4858-9FD1-E3C4DBFA7DDE}" type="presOf" srcId="{417CFB14-29CB-2A43-A568-88EC1636DEAE}" destId="{9875773A-BEAF-3D42-96EF-0D7F4240DFB3}" srcOrd="0" destOrd="0" presId="urn:microsoft.com/office/officeart/2005/8/layout/hierarchy3"/>
+    <dgm:cxn modelId="{4CD39B87-D3E7-4110-A934-0A19C669BAB1}" type="presOf" srcId="{5130E954-33F2-D643-A9F5-1256772077D5}" destId="{618FF701-2EFF-2E40-A256-8969E9DF822D}" srcOrd="0" destOrd="0" presId="urn:microsoft.com/office/officeart/2005/8/layout/hierarchy3"/>
     <dgm:cxn modelId="{1027DFD6-93AA-4D91-906F-028D84EB899A}" type="presOf" srcId="{E172CCD0-A302-D547-A67B-B7DF1A708A45}" destId="{1760A1A2-291A-AD4D-980F-BF2DF5CAF8F8}" srcOrd="1" destOrd="0" presId="urn:microsoft.com/office/officeart/2005/8/layout/hierarchy3"/>
-    <dgm:cxn modelId="{684079B8-3148-A84C-BB75-945C051CDF6F}" srcId="{417CFB14-29CB-2A43-A568-88EC1636DEAE}" destId="{39E4A93F-45F2-E54F-AECC-A7B024A97469}" srcOrd="0" destOrd="0" parTransId="{754AB484-6D66-6F4E-997D-66BE0A4004E6}" sibTransId="{8FB60764-E6FE-114C-8ABE-9CF0D65956D3}"/>
     <dgm:cxn modelId="{A4F16C7A-FB55-4393-9569-88874EDC86DC}" type="presOf" srcId="{9BE44122-E5BB-B74A-9DC2-2F566A1636B4}" destId="{A139CC07-6BB6-7D42-8214-0AC4D28DFE29}" srcOrd="0" destOrd="0" presId="urn:microsoft.com/office/officeart/2005/8/layout/hierarchy3"/>
     <dgm:cxn modelId="{1B7584F9-53F0-4F2E-BBC8-3008C4447838}" type="presOf" srcId="{BCDA92D1-095D-FE4A-B32C-B294FB3A947C}" destId="{CCFF7ECD-E788-F34E-B1DD-C9E2CA60EED2}" srcOrd="0" destOrd="0" presId="urn:microsoft.com/office/officeart/2005/8/layout/hierarchy3"/>
-    <dgm:cxn modelId="{EDB27731-3E4C-4194-AFA0-571624DE2648}" type="presOf" srcId="{754AB484-6D66-6F4E-997D-66BE0A4004E6}" destId="{CD204E98-4B30-DD4F-8BB9-05C2D46950BE}" srcOrd="0" destOrd="0" presId="urn:microsoft.com/office/officeart/2005/8/layout/hierarchy3"/>
-    <dgm:cxn modelId="{F1EE002E-218C-4B48-94F8-DE2DDB0DF613}" type="presOf" srcId="{C5FB6FEE-7006-CC40-B083-BA3B10E0355C}" destId="{FA142D09-E238-BE4D-A75F-3AFBFE0B68B3}" srcOrd="0" destOrd="0" presId="urn:microsoft.com/office/officeart/2005/8/layout/hierarchy3"/>
-    <dgm:cxn modelId="{6567650A-E221-41E7-BD62-EDAFDBACF820}" type="presOf" srcId="{86C837A3-9B58-AF44-9270-EA6A0CB4B511}" destId="{BF6D7178-47C6-5944-9972-65F130D5597B}" srcOrd="0" destOrd="0" presId="urn:microsoft.com/office/officeart/2005/8/layout/hierarchy3"/>
+    <dgm:cxn modelId="{1F50D3E8-B1EA-BD48-AC1B-F62888F27F6E}" srcId="{417CFB14-29CB-2A43-A568-88EC1636DEAE}" destId="{3919F0DE-508E-DC4F-AC49-2B396CAD9DEB}" srcOrd="1" destOrd="0" parTransId="{16AC499F-3199-3A45-AC27-93E7ED191A9C}" sibTransId="{610EBC49-736A-9042-98F4-6BB430ACD480}"/>
     <dgm:cxn modelId="{52E6D018-3359-D94D-BAE4-4BB07C4F8D68}" srcId="{6782E9AB-8CC2-8D42-B53A-736099E44264}" destId="{417CFB14-29CB-2A43-A568-88EC1636DEAE}" srcOrd="1" destOrd="0" parTransId="{F5195B31-2F63-AE47-A09B-0D489CF725B4}" sibTransId="{DBE6293F-1048-7B4A-A53B-DD7D6AED29F0}"/>
-    <dgm:cxn modelId="{A5AED5FB-A2B7-124F-9BE7-BEFE2467BA5D}" srcId="{417CFB14-29CB-2A43-A568-88EC1636DEAE}" destId="{5130E954-33F2-D643-A9F5-1256772077D5}" srcOrd="4" destOrd="0" parTransId="{BCDA92D1-095D-FE4A-B32C-B294FB3A947C}" sibTransId="{2093E57A-1331-E44B-B3D6-40820FB835CC}"/>
-    <dgm:cxn modelId="{CE7A107A-B2B5-4859-8327-7C0AF6C5E7DF}" type="presOf" srcId="{F0382FFA-199F-F949-A2B4-580AC209826D}" destId="{6DB4118C-B8BA-014B-9E51-DA599F4D6A3F}" srcOrd="0" destOrd="0" presId="urn:microsoft.com/office/officeart/2005/8/layout/hierarchy3"/>
-    <dgm:cxn modelId="{A44DDE99-471E-427C-B9B5-54C13461717B}" type="presOf" srcId="{39E4A93F-45F2-E54F-AECC-A7B024A97469}" destId="{38B4A859-D8DB-FB4A-A2A3-4B99DB398769}" srcOrd="0" destOrd="0" presId="urn:microsoft.com/office/officeart/2005/8/layout/hierarchy3"/>
     <dgm:cxn modelId="{58E8F9BE-0B5C-2142-B8CE-51D4774674D2}" srcId="{E172CCD0-A302-D547-A67B-B7DF1A708A45}" destId="{2791C6C2-4B08-444D-959B-1C1D824C4313}" srcOrd="2" destOrd="0" parTransId="{7B15CB30-6300-014F-A483-BA562B417DE8}" sibTransId="{18D919DC-40EB-7643-B805-333396DBD940}"/>
-    <dgm:cxn modelId="{F5BE4375-CA83-446B-B867-B4ABAEFCB1A2}" type="presOf" srcId="{B3FB1AE1-2C9A-0C4F-BE4F-2A66E0D45F7E}" destId="{1CECD64F-4E14-7B47-9B47-8AF84EDD81FF}" srcOrd="0" destOrd="0" presId="urn:microsoft.com/office/officeart/2005/8/layout/hierarchy3"/>
-    <dgm:cxn modelId="{B1F90F5B-9DD2-433C-A5CE-8D8DDDFDB281}" type="presOf" srcId="{417CFB14-29CB-2A43-A568-88EC1636DEAE}" destId="{2118EEE6-AC3B-694E-9704-05BE9277AA03}" srcOrd="1" destOrd="0" presId="urn:microsoft.com/office/officeart/2005/8/layout/hierarchy3"/>
-    <dgm:cxn modelId="{9A2AA99F-487C-4C54-8725-CDF844AE5D7B}" type="presOf" srcId="{2791C6C2-4B08-444D-959B-1C1D824C4313}" destId="{F9213BAA-378E-C740-996C-32960B344D63}" srcOrd="0" destOrd="0" presId="urn:microsoft.com/office/officeart/2005/8/layout/hierarchy3"/>
-    <dgm:cxn modelId="{1F50D3E8-B1EA-BD48-AC1B-F62888F27F6E}" srcId="{417CFB14-29CB-2A43-A568-88EC1636DEAE}" destId="{3919F0DE-508E-DC4F-AC49-2B396CAD9DEB}" srcOrd="1" destOrd="0" parTransId="{16AC499F-3199-3A45-AC27-93E7ED191A9C}" sibTransId="{610EBC49-736A-9042-98F4-6BB430ACD480}"/>
-    <dgm:cxn modelId="{187D76B4-D7DF-7346-985B-958B208BFE15}" srcId="{E172CCD0-A302-D547-A67B-B7DF1A708A45}" destId="{C5FB6FEE-7006-CC40-B083-BA3B10E0355C}" srcOrd="0" destOrd="0" parTransId="{8D1AB63A-572C-304A-B221-3739A2D3C6C3}" sibTransId="{9B846F60-F0ED-5145-B6CA-8FB1D6E7410E}"/>
-    <dgm:cxn modelId="{A1054420-569A-4B59-82B9-97BBC9009588}" type="presOf" srcId="{8D1AB63A-572C-304A-B221-3739A2D3C6C3}" destId="{F71B7755-BFF8-AA4D-B8A8-2CCA2110E62C}" srcOrd="0" destOrd="0" presId="urn:microsoft.com/office/officeart/2005/8/layout/hierarchy3"/>
-    <dgm:cxn modelId="{1E53E432-989B-4346-B8C1-24927139B3F5}" type="presOf" srcId="{207BEFDE-427B-A240-A8DF-5E7A6199B00B}" destId="{1F500712-3606-F849-8AE1-3B0FB2447614}" srcOrd="0" destOrd="0" presId="urn:microsoft.com/office/officeart/2005/8/layout/hierarchy3"/>
-    <dgm:cxn modelId="{EF9F7D71-88CE-4858-9FD1-E3C4DBFA7DDE}" type="presOf" srcId="{417CFB14-29CB-2A43-A568-88EC1636DEAE}" destId="{9875773A-BEAF-3D42-96EF-0D7F4240DFB3}" srcOrd="0" destOrd="0" presId="urn:microsoft.com/office/officeart/2005/8/layout/hierarchy3"/>
-    <dgm:cxn modelId="{896BA7C1-0566-42CF-9BD8-615859B4ED67}" type="presOf" srcId="{16AC499F-3199-3A45-AC27-93E7ED191A9C}" destId="{D148868C-C96E-5A41-ABFC-951D2B34A6A7}" srcOrd="0" destOrd="0" presId="urn:microsoft.com/office/officeart/2005/8/layout/hierarchy3"/>
-    <dgm:cxn modelId="{1832144E-D620-467F-B91D-315A083DAD7A}" type="presOf" srcId="{4C3332EC-ACF6-A048-A27A-8E990B3ECB5F}" destId="{595A6716-442E-4549-8127-48D49896B05C}" srcOrd="0" destOrd="0" presId="urn:microsoft.com/office/officeart/2005/8/layout/hierarchy3"/>
-    <dgm:cxn modelId="{9AC082E2-4872-4C38-BBBB-895D16850839}" type="presOf" srcId="{6782E9AB-8CC2-8D42-B53A-736099E44264}" destId="{5C2657AA-8211-8247-97F1-AC51BDC7377D}" srcOrd="0" destOrd="0" presId="urn:microsoft.com/office/officeart/2005/8/layout/hierarchy3"/>
-    <dgm:cxn modelId="{FD9DB2A8-1BD5-47F2-9CF4-29AF295B7FFB}" type="presOf" srcId="{7B15CB30-6300-014F-A483-BA562B417DE8}" destId="{4A5FB6A0-1431-0E42-9E52-A214A729A15B}" srcOrd="0" destOrd="0" presId="urn:microsoft.com/office/officeart/2005/8/layout/hierarchy3"/>
-    <dgm:cxn modelId="{7BF875BE-BF1D-458D-96AF-CDE60EDD3AC9}" type="presOf" srcId="{3919F0DE-508E-DC4F-AC49-2B396CAD9DEB}" destId="{F63494B6-52D9-104C-ACBA-2846BDC8ABF4}" srcOrd="0" destOrd="0" presId="urn:microsoft.com/office/officeart/2005/8/layout/hierarchy3"/>
-    <dgm:cxn modelId="{6D682422-283F-E448-8B37-AC4B93FEFB18}" srcId="{417CFB14-29CB-2A43-A568-88EC1636DEAE}" destId="{A4D16DE4-B54F-1C43-BE16-527B2F6A22FD}" srcOrd="3" destOrd="0" parTransId="{9BE44122-E5BB-B74A-9DC2-2F566A1636B4}" sibTransId="{9A79DAD1-0778-1B45-A541-EA25FEAAD044}"/>
-    <dgm:cxn modelId="{F088681B-8AFE-449C-B164-FEE52C544E51}" type="presOf" srcId="{A4D16DE4-B54F-1C43-BE16-527B2F6A22FD}" destId="{2AC97CD3-DDF4-D047-AFF8-5BAA588CB49A}" srcOrd="0" destOrd="0" presId="urn:microsoft.com/office/officeart/2005/8/layout/hierarchy3"/>
-    <dgm:cxn modelId="{4CD39B87-D3E7-4110-A934-0A19C669BAB1}" type="presOf" srcId="{5130E954-33F2-D643-A9F5-1256772077D5}" destId="{618FF701-2EFF-2E40-A256-8969E9DF822D}" srcOrd="0" destOrd="0" presId="urn:microsoft.com/office/officeart/2005/8/layout/hierarchy3"/>
-    <dgm:cxn modelId="{34B0988F-5576-4777-842A-A58D59F70D55}" type="presOf" srcId="{995C325E-B6AD-5D42-B480-489833D4ECF8}" destId="{56CB0792-F0B7-6B49-9AF0-9D9B2F9CCE8B}" srcOrd="0" destOrd="0" presId="urn:microsoft.com/office/officeart/2005/8/layout/hierarchy3"/>
-    <dgm:cxn modelId="{4ED48D33-E291-4A79-86B1-3BCAF05B7698}" type="presOf" srcId="{E172CCD0-A302-D547-A67B-B7DF1A708A45}" destId="{D2719142-93AB-884D-BAD1-7B3475C496C3}" srcOrd="0" destOrd="0" presId="urn:microsoft.com/office/officeart/2005/8/layout/hierarchy3"/>
-    <dgm:cxn modelId="{3CEC8A2D-6917-0A44-93B2-15464DB38369}" srcId="{E172CCD0-A302-D547-A67B-B7DF1A708A45}" destId="{86C837A3-9B58-AF44-9270-EA6A0CB4B511}" srcOrd="3" destOrd="0" parTransId="{4C3332EC-ACF6-A048-A27A-8E990B3ECB5F}" sibTransId="{B58935B8-165E-D24C-97AA-F5841BF7F9B4}"/>
     <dgm:cxn modelId="{1A40E373-3DD4-274F-B781-A58508397263}" srcId="{E172CCD0-A302-D547-A67B-B7DF1A708A45}" destId="{B3FB1AE1-2C9A-0C4F-BE4F-2A66E0D45F7E}" srcOrd="1" destOrd="0" parTransId="{207BEFDE-427B-A240-A8DF-5E7A6199B00B}" sibTransId="{640A4AF3-7D21-4F4C-B0F0-D0536627AD64}"/>
-    <dgm:cxn modelId="{5F3A77D9-FC67-7E46-AC2E-BF337DE62450}" srcId="{6782E9AB-8CC2-8D42-B53A-736099E44264}" destId="{E172CCD0-A302-D547-A67B-B7DF1A708A45}" srcOrd="0" destOrd="0" parTransId="{89C003F1-58D6-7148-9EF1-E4613ADA0044}" sibTransId="{FB4EC413-F91A-C842-9938-FA3D7BC5821A}"/>
+    <dgm:cxn modelId="{9605E359-3E7A-374A-82AA-723F9B8D4BE0}" srcId="{417CFB14-29CB-2A43-A568-88EC1636DEAE}" destId="{F0382FFA-199F-F949-A2B4-580AC209826D}" srcOrd="2" destOrd="0" parTransId="{995C325E-B6AD-5D42-B480-489833D4ECF8}" sibTransId="{6EFFB374-9A32-8B4A-B4A7-ADD5D61F194E}"/>
     <dgm:cxn modelId="{ED127BEC-50B1-47DA-86BC-2038C77ED471}" type="presParOf" srcId="{5C2657AA-8211-8247-97F1-AC51BDC7377D}" destId="{41C7C392-D593-5E4C-94D8-6860B7025B7B}" srcOrd="0" destOrd="0" presId="urn:microsoft.com/office/officeart/2005/8/layout/hierarchy3"/>
     <dgm:cxn modelId="{080B53EA-5DE9-4B75-8055-40E536BFB81F}" type="presParOf" srcId="{41C7C392-D593-5E4C-94D8-6860B7025B7B}" destId="{4D407A5C-35FE-3F4A-9A56-A8BE287ACDC5}" srcOrd="0" destOrd="0" presId="urn:microsoft.com/office/officeart/2005/8/layout/hierarchy3"/>
     <dgm:cxn modelId="{4A5F669C-F3EE-4E73-ACC3-6812BB797AE1}" type="presParOf" srcId="{4D407A5C-35FE-3F4A-9A56-A8BE287ACDC5}" destId="{D2719142-93AB-884D-BAD1-7B3475C496C3}" srcOrd="0" destOrd="0" presId="urn:microsoft.com/office/officeart/2005/8/layout/hierarchy3"/>
@@ -3215,14 +3215,14 @@
   <dgm:whole/>
   <dgm:extLst>
     <a:ext uri="http://schemas.microsoft.com/office/drawing/2008/diagram">
-      <dsp:dataModelExt xmlns:dsp="http://schemas.microsoft.com/office/drawing/2008/diagram" relId="rId7" minVer="http://schemas.openxmlformats.org/drawingml/2006/diagram"/>
+      <dsp:dataModelExt xmlns:dsp="http://schemas.microsoft.com/office/drawing/2008/diagram" xmlns="" relId="rId7" minVer="http://schemas.openxmlformats.org/drawingml/2006/diagram"/>
     </a:ext>
   </dgm:extLst>
 </dgm:dataModel>
 </file>
 
 <file path=ppt/diagrams/drawing1.xml><?xml version="1.0" encoding="utf-8"?>
-<dsp:drawing xmlns:dgm="http://schemas.openxmlformats.org/drawingml/2006/diagram" xmlns:dsp="http://schemas.microsoft.com/office/drawing/2008/diagram" xmlns:a="http://schemas.openxmlformats.org/drawingml/2006/main">
+<dsp:drawing xmlns:dgm="http://schemas.openxmlformats.org/drawingml/2006/diagram" xmlns:a="http://schemas.openxmlformats.org/drawingml/2006/main" xmlns:dsp="http://schemas.microsoft.com/office/drawing/2008/diagram">
   <dsp:spTree>
     <dsp:nvGrpSpPr>
       <dsp:cNvPr id="0" name=""/>
@@ -3333,8 +3333,8 @@
         </a:p>
       </dsp:txBody>
       <dsp:txXfrm>
-        <a:off x="1782911" y="29078"/>
-        <a:ext cx="1996332" cy="858450"/>
+        <a:off x="1756203" y="2370"/>
+        <a:ext cx="2049748" cy="911866"/>
       </dsp:txXfrm>
     </dsp:sp>
     <dsp:sp modelId="{35EA963D-C281-FF41-8262-A7EE56062F21}">
@@ -3470,8 +3470,8 @@
         </a:p>
       </dsp:txBody>
       <dsp:txXfrm>
-        <a:off x="2207797" y="1168911"/>
-        <a:ext cx="3410188" cy="858450"/>
+        <a:off x="2181089" y="1142203"/>
+        <a:ext cx="3463604" cy="911866"/>
       </dsp:txXfrm>
     </dsp:sp>
     <dsp:sp modelId="{81DC1441-90E5-E049-8492-C6CE65EF3CDD}">
@@ -3607,8 +3607,8 @@
         </a:p>
       </dsp:txBody>
       <dsp:txXfrm>
-        <a:off x="2207797" y="2308744"/>
-        <a:ext cx="3410188" cy="858450"/>
+        <a:off x="2181089" y="2282036"/>
+        <a:ext cx="3463604" cy="911866"/>
       </dsp:txXfrm>
     </dsp:sp>
     <dsp:sp modelId="{4428862E-12C3-BB49-BD53-24B1C2B3744C}">
@@ -3744,8 +3744,8 @@
         </a:p>
       </dsp:txBody>
       <dsp:txXfrm>
-        <a:off x="2207797" y="3448577"/>
-        <a:ext cx="3410188" cy="858450"/>
+        <a:off x="2181089" y="3421869"/>
+        <a:ext cx="3463604" cy="911866"/>
       </dsp:txXfrm>
     </dsp:sp>
     <dsp:sp modelId="{B180D373-6C22-4742-8F88-588A0AA7C133}">
@@ -3885,8 +3885,8 @@
         </a:p>
       </dsp:txBody>
       <dsp:txXfrm>
-        <a:off x="2207797" y="4588410"/>
-        <a:ext cx="3410188" cy="858450"/>
+        <a:off x="2181089" y="4561702"/>
+        <a:ext cx="3463604" cy="911866"/>
       </dsp:txXfrm>
     </dsp:sp>
     <dsp:sp modelId="{61DFCB1D-42FD-E944-8C7C-50260B51B897}">
@@ -3993,8 +3993,8 @@
         </a:p>
       </dsp:txBody>
       <dsp:txXfrm>
-        <a:off x="5702449" y="29078"/>
-        <a:ext cx="1996332" cy="858450"/>
+        <a:off x="5675741" y="2370"/>
+        <a:ext cx="2049748" cy="911866"/>
       </dsp:txXfrm>
     </dsp:sp>
     <dsp:sp modelId="{66A7E51A-FD5F-954D-A28F-4B87801C4DA6}">
@@ -4131,8 +4131,8 @@
         </a:p>
       </dsp:txBody>
       <dsp:txXfrm>
-        <a:off x="6127335" y="1168911"/>
-        <a:ext cx="3410188" cy="858450"/>
+        <a:off x="6100627" y="1142203"/>
+        <a:ext cx="3463604" cy="911866"/>
       </dsp:txXfrm>
     </dsp:sp>
     <dsp:sp modelId="{3E72D5A2-4BA6-0048-A855-4AD40E92F7DB}">
@@ -4268,8 +4268,8 @@
         </a:p>
       </dsp:txBody>
       <dsp:txXfrm>
-        <a:off x="6127335" y="2308744"/>
-        <a:ext cx="3410188" cy="858450"/>
+        <a:off x="6100627" y="2282036"/>
+        <a:ext cx="3463604" cy="911866"/>
       </dsp:txXfrm>
     </dsp:sp>
     <dsp:sp modelId="{B70210BD-9D05-ED4F-9E14-B9C09F156718}">
@@ -4405,8 +4405,8 @@
         </a:p>
       </dsp:txBody>
       <dsp:txXfrm>
-        <a:off x="6127335" y="3448577"/>
-        <a:ext cx="3410188" cy="858450"/>
+        <a:off x="6100627" y="3421869"/>
+        <a:ext cx="3463604" cy="911866"/>
       </dsp:txXfrm>
     </dsp:sp>
     <dsp:sp modelId="{15DDC369-24FC-CF43-B8C6-7347F3D93459}">
@@ -4543,8 +4543,8 @@
         </a:p>
       </dsp:txBody>
       <dsp:txXfrm>
-        <a:off x="6127335" y="4588410"/>
-        <a:ext cx="3410188" cy="858450"/>
+        <a:off x="6100627" y="4561702"/>
+        <a:ext cx="3463604" cy="911866"/>
       </dsp:txXfrm>
     </dsp:sp>
   </dsp:spTree>
@@ -4552,7 +4552,7 @@
 </file>
 
 <file path=ppt/diagrams/drawing2.xml><?xml version="1.0" encoding="utf-8"?>
-<dsp:drawing xmlns:dgm="http://schemas.openxmlformats.org/drawingml/2006/diagram" xmlns:dsp="http://schemas.microsoft.com/office/drawing/2008/diagram" xmlns:a="http://schemas.openxmlformats.org/drawingml/2006/main">
+<dsp:drawing xmlns:dgm="http://schemas.openxmlformats.org/drawingml/2006/diagram" xmlns:a="http://schemas.openxmlformats.org/drawingml/2006/main" xmlns:dsp="http://schemas.microsoft.com/office/drawing/2008/diagram">
   <dsp:spTree>
     <dsp:nvGrpSpPr>
       <dsp:cNvPr id="0" name=""/>
@@ -4663,8 +4663,8 @@
         </a:p>
       </dsp:txBody>
       <dsp:txXfrm>
-        <a:off x="1824353" y="23352"/>
-        <a:ext cx="2119363" cy="704868"/>
+        <a:off x="1802424" y="1423"/>
+        <a:ext cx="2163221" cy="748726"/>
       </dsp:txXfrm>
     </dsp:sp>
     <dsp:sp modelId="{F71B7755-BFF8-AA4D-B8A8-2CCA2110E62C}">
@@ -4801,8 +4801,8 @@
         </a:p>
       </dsp:txBody>
       <dsp:txXfrm>
-        <a:off x="2256674" y="959261"/>
-        <a:ext cx="2332589" cy="704868"/>
+        <a:off x="2234745" y="937332"/>
+        <a:ext cx="2376447" cy="748726"/>
       </dsp:txXfrm>
     </dsp:sp>
     <dsp:sp modelId="{1F500712-3606-F849-8AE1-3B0FB2447614}">
@@ -4939,8 +4939,8 @@
         </a:p>
       </dsp:txBody>
       <dsp:txXfrm>
-        <a:off x="2256674" y="1895170"/>
-        <a:ext cx="2332589" cy="704868"/>
+        <a:off x="2234745" y="1873241"/>
+        <a:ext cx="2376447" cy="748726"/>
       </dsp:txXfrm>
     </dsp:sp>
     <dsp:sp modelId="{4A5FB6A0-1431-0E42-9E52-A214A729A15B}">
@@ -5077,8 +5077,8 @@
         </a:p>
       </dsp:txBody>
       <dsp:txXfrm>
-        <a:off x="2256674" y="2831078"/>
-        <a:ext cx="2332589" cy="704868"/>
+        <a:off x="2234745" y="2809149"/>
+        <a:ext cx="2376447" cy="748726"/>
       </dsp:txXfrm>
     </dsp:sp>
     <dsp:sp modelId="{595A6716-442E-4549-8127-48D49896B05C}">
@@ -5215,8 +5215,8 @@
         </a:p>
       </dsp:txBody>
       <dsp:txXfrm>
-        <a:off x="2256674" y="3766987"/>
-        <a:ext cx="2332589" cy="704868"/>
+        <a:off x="2234745" y="3745058"/>
+        <a:ext cx="2376447" cy="748726"/>
       </dsp:txXfrm>
     </dsp:sp>
     <dsp:sp modelId="{9875773A-BEAF-3D42-96EF-0D7F4240DFB3}">
@@ -5323,8 +5323,8 @@
         </a:p>
       </dsp:txBody>
       <dsp:txXfrm>
-        <a:off x="5112631" y="23352"/>
-        <a:ext cx="2119363" cy="704868"/>
+        <a:off x="5090702" y="1423"/>
+        <a:ext cx="2163221" cy="748726"/>
       </dsp:txXfrm>
     </dsp:sp>
     <dsp:sp modelId="{CD204E98-4B30-DD4F-8BB9-05C2D46950BE}">
@@ -5461,8 +5461,8 @@
         </a:p>
       </dsp:txBody>
       <dsp:txXfrm>
-        <a:off x="5545275" y="959261"/>
-        <a:ext cx="2332589" cy="704868"/>
+        <a:off x="5523346" y="937332"/>
+        <a:ext cx="2376447" cy="748726"/>
       </dsp:txXfrm>
     </dsp:sp>
     <dsp:sp modelId="{D148868C-C96E-5A41-ABFC-951D2B34A6A7}">
@@ -5599,8 +5599,8 @@
         </a:p>
       </dsp:txBody>
       <dsp:txXfrm>
-        <a:off x="5545275" y="1895170"/>
-        <a:ext cx="2332589" cy="704868"/>
+        <a:off x="5523346" y="1873241"/>
+        <a:ext cx="2376447" cy="748726"/>
       </dsp:txXfrm>
     </dsp:sp>
     <dsp:sp modelId="{56CB0792-F0B7-6B49-9AF0-9D9B2F9CCE8B}">
@@ -5737,8 +5737,8 @@
         </a:p>
       </dsp:txBody>
       <dsp:txXfrm>
-        <a:off x="5545275" y="2831078"/>
-        <a:ext cx="2332589" cy="704868"/>
+        <a:off x="5523346" y="2809149"/>
+        <a:ext cx="2376447" cy="748726"/>
       </dsp:txXfrm>
     </dsp:sp>
     <dsp:sp modelId="{A139CC07-6BB6-7D42-8214-0AC4D28DFE29}">
@@ -5875,8 +5875,8 @@
         </a:p>
       </dsp:txBody>
       <dsp:txXfrm>
-        <a:off x="5545275" y="3766987"/>
-        <a:ext cx="2332589" cy="704868"/>
+        <a:off x="5523346" y="3745058"/>
+        <a:ext cx="2376447" cy="748726"/>
       </dsp:txXfrm>
     </dsp:sp>
     <dsp:sp modelId="{CCFF7ECD-E788-F34E-B1DD-C9E2CA60EED2}">
@@ -6013,8 +6013,8 @@
         </a:p>
       </dsp:txBody>
       <dsp:txXfrm>
-        <a:off x="5545275" y="4702896"/>
-        <a:ext cx="2332589" cy="704868"/>
+        <a:off x="5523346" y="4680967"/>
+        <a:ext cx="2376447" cy="748726"/>
       </dsp:txXfrm>
     </dsp:sp>
   </dsp:spTree>
@@ -8977,7 +8977,7 @@
     </p:spTree>
     <p:extLst>
       <p:ext uri="{BB962C8B-B14F-4D97-AF65-F5344CB8AC3E}">
-        <p14:creationId xmlns:p14="http://schemas.microsoft.com/office/powerpoint/2010/main" val="2616926588"/>
+        <p14:creationId xmlns:p14="http://schemas.microsoft.com/office/powerpoint/2010/main" xmlns="" val="2616926588"/>
       </p:ext>
     </p:extLst>
   </p:cSld>
@@ -9152,7 +9152,7 @@
     </p:spTree>
     <p:extLst>
       <p:ext uri="{BB962C8B-B14F-4D97-AF65-F5344CB8AC3E}">
-        <p14:creationId xmlns:p14="http://schemas.microsoft.com/office/powerpoint/2010/main" val="111020371"/>
+        <p14:creationId xmlns:p14="http://schemas.microsoft.com/office/powerpoint/2010/main" xmlns="" val="111020371"/>
       </p:ext>
     </p:extLst>
   </p:cSld>
@@ -9237,7 +9237,7 @@
     </p:spTree>
     <p:extLst>
       <p:ext uri="{BB962C8B-B14F-4D97-AF65-F5344CB8AC3E}">
-        <p14:creationId xmlns:p14="http://schemas.microsoft.com/office/powerpoint/2010/main" val="4281163813"/>
+        <p14:creationId xmlns:p14="http://schemas.microsoft.com/office/powerpoint/2010/main" xmlns="" val="4281163813"/>
       </p:ext>
     </p:extLst>
   </p:cSld>
@@ -9326,7 +9326,7 @@
     </p:spTree>
     <p:extLst>
       <p:ext uri="{BB962C8B-B14F-4D97-AF65-F5344CB8AC3E}">
-        <p14:creationId xmlns:p14="http://schemas.microsoft.com/office/powerpoint/2010/main" val="165875362"/>
+        <p14:creationId xmlns:p14="http://schemas.microsoft.com/office/powerpoint/2010/main" xmlns="" val="165875362"/>
       </p:ext>
     </p:extLst>
   </p:cSld>
@@ -9411,7 +9411,7 @@
     </p:spTree>
     <p:extLst>
       <p:ext uri="{BB962C8B-B14F-4D97-AF65-F5344CB8AC3E}">
-        <p14:creationId xmlns:p14="http://schemas.microsoft.com/office/powerpoint/2010/main" val="2173540970"/>
+        <p14:creationId xmlns:p14="http://schemas.microsoft.com/office/powerpoint/2010/main" xmlns="" val="2173540970"/>
       </p:ext>
     </p:extLst>
   </p:cSld>
@@ -9522,7 +9522,7 @@
     </p:spTree>
     <p:extLst>
       <p:ext uri="{BB962C8B-B14F-4D97-AF65-F5344CB8AC3E}">
-        <p14:creationId xmlns:p14="http://schemas.microsoft.com/office/powerpoint/2010/main" val="2121103400"/>
+        <p14:creationId xmlns:p14="http://schemas.microsoft.com/office/powerpoint/2010/main" xmlns="" val="2121103400"/>
       </p:ext>
     </p:extLst>
   </p:cSld>
@@ -9607,7 +9607,7 @@
     </p:spTree>
     <p:extLst>
       <p:ext uri="{BB962C8B-B14F-4D97-AF65-F5344CB8AC3E}">
-        <p14:creationId xmlns:p14="http://schemas.microsoft.com/office/powerpoint/2010/main" val="2971931751"/>
+        <p14:creationId xmlns:p14="http://schemas.microsoft.com/office/powerpoint/2010/main" xmlns="" val="2971931751"/>
       </p:ext>
     </p:extLst>
   </p:cSld>
@@ -9734,7 +9734,7 @@
     </p:spTree>
     <p:extLst>
       <p:ext uri="{BB962C8B-B14F-4D97-AF65-F5344CB8AC3E}">
-        <p14:creationId xmlns:p14="http://schemas.microsoft.com/office/powerpoint/2010/main" val="1586871927"/>
+        <p14:creationId xmlns:p14="http://schemas.microsoft.com/office/powerpoint/2010/main" xmlns="" val="1586871927"/>
       </p:ext>
     </p:extLst>
   </p:cSld>
@@ -9819,7 +9819,7 @@
     </p:spTree>
     <p:extLst>
       <p:ext uri="{BB962C8B-B14F-4D97-AF65-F5344CB8AC3E}">
-        <p14:creationId xmlns:p14="http://schemas.microsoft.com/office/powerpoint/2010/main" val="945867830"/>
+        <p14:creationId xmlns:p14="http://schemas.microsoft.com/office/powerpoint/2010/main" xmlns="" val="945867830"/>
       </p:ext>
     </p:extLst>
   </p:cSld>
@@ -9916,7 +9916,7 @@
     </p:spTree>
     <p:extLst>
       <p:ext uri="{BB962C8B-B14F-4D97-AF65-F5344CB8AC3E}">
-        <p14:creationId xmlns:p14="http://schemas.microsoft.com/office/powerpoint/2010/main" val="3028685514"/>
+        <p14:creationId xmlns:p14="http://schemas.microsoft.com/office/powerpoint/2010/main" xmlns="" val="3028685514"/>
       </p:ext>
     </p:extLst>
   </p:cSld>
@@ -10090,7 +10090,7 @@
     </p:spTree>
     <p:extLst>
       <p:ext uri="{BB962C8B-B14F-4D97-AF65-F5344CB8AC3E}">
-        <p14:creationId xmlns:p14="http://schemas.microsoft.com/office/powerpoint/2010/main" val="1237087064"/>
+        <p14:creationId xmlns:p14="http://schemas.microsoft.com/office/powerpoint/2010/main" xmlns="" val="1237087064"/>
       </p:ext>
     </p:extLst>
   </p:cSld>
@@ -10328,7 +10328,7 @@
     </p:spTree>
     <p:extLst>
       <p:ext uri="{BB962C8B-B14F-4D97-AF65-F5344CB8AC3E}">
-        <p14:creationId xmlns:p14="http://schemas.microsoft.com/office/powerpoint/2010/main" val="4266326598"/>
+        <p14:creationId xmlns:p14="http://schemas.microsoft.com/office/powerpoint/2010/main" xmlns="" val="4266326598"/>
       </p:ext>
     </p:extLst>
   </p:cSld>
@@ -10413,7 +10413,7 @@
     </p:spTree>
     <p:extLst>
       <p:ext uri="{BB962C8B-B14F-4D97-AF65-F5344CB8AC3E}">
-        <p14:creationId xmlns:p14="http://schemas.microsoft.com/office/powerpoint/2010/main" val="945867830"/>
+        <p14:creationId xmlns:p14="http://schemas.microsoft.com/office/powerpoint/2010/main" xmlns="" val="945867830"/>
       </p:ext>
     </p:extLst>
   </p:cSld>
@@ -10653,7 +10653,7 @@
     </p:spTree>
     <p:extLst>
       <p:ext uri="{BB962C8B-B14F-4D97-AF65-F5344CB8AC3E}">
-        <p14:creationId xmlns:p14="http://schemas.microsoft.com/office/powerpoint/2010/main" val="1838295415"/>
+        <p14:creationId xmlns:p14="http://schemas.microsoft.com/office/powerpoint/2010/main" xmlns="" val="1838295415"/>
       </p:ext>
     </p:extLst>
   </p:cSld>
@@ -10746,7 +10746,7 @@
     </p:spTree>
     <p:extLst>
       <p:ext uri="{BB962C8B-B14F-4D97-AF65-F5344CB8AC3E}">
-        <p14:creationId xmlns:p14="http://schemas.microsoft.com/office/powerpoint/2010/main" val="165875362"/>
+        <p14:creationId xmlns:p14="http://schemas.microsoft.com/office/powerpoint/2010/main" xmlns="" val="165875362"/>
       </p:ext>
     </p:extLst>
   </p:cSld>
@@ -10983,7 +10983,7 @@
     </p:spTree>
     <p:extLst>
       <p:ext uri="{BB962C8B-B14F-4D97-AF65-F5344CB8AC3E}">
-        <p14:creationId xmlns:p14="http://schemas.microsoft.com/office/powerpoint/2010/main" val="588844449"/>
+        <p14:creationId xmlns:p14="http://schemas.microsoft.com/office/powerpoint/2010/main" xmlns="" val="588844449"/>
       </p:ext>
     </p:extLst>
   </p:cSld>
@@ -11198,7 +11198,7 @@
     </p:spTree>
     <p:extLst>
       <p:ext uri="{BB962C8B-B14F-4D97-AF65-F5344CB8AC3E}">
-        <p14:creationId xmlns:p14="http://schemas.microsoft.com/office/powerpoint/2010/main" val="2374176888"/>
+        <p14:creationId xmlns:p14="http://schemas.microsoft.com/office/powerpoint/2010/main" xmlns="" val="2374176888"/>
       </p:ext>
     </p:extLst>
   </p:cSld>
@@ -11423,7 +11423,7 @@
     </p:spTree>
     <p:extLst>
       <p:ext uri="{BB962C8B-B14F-4D97-AF65-F5344CB8AC3E}">
-        <p14:creationId xmlns:p14="http://schemas.microsoft.com/office/powerpoint/2010/main" val="991584953"/>
+        <p14:creationId xmlns:p14="http://schemas.microsoft.com/office/powerpoint/2010/main" xmlns="" val="991584953"/>
       </p:ext>
     </p:extLst>
   </p:cSld>
@@ -11664,7 +11664,7 @@
     </p:spTree>
     <p:extLst>
       <p:ext uri="{BB962C8B-B14F-4D97-AF65-F5344CB8AC3E}">
-        <p14:creationId xmlns:p14="http://schemas.microsoft.com/office/powerpoint/2010/main" val="379613614"/>
+        <p14:creationId xmlns:p14="http://schemas.microsoft.com/office/powerpoint/2010/main" xmlns="" val="379613614"/>
       </p:ext>
     </p:extLst>
   </p:cSld>
@@ -11953,7 +11953,7 @@
     </p:spTree>
     <p:extLst>
       <p:ext uri="{BB962C8B-B14F-4D97-AF65-F5344CB8AC3E}">
-        <p14:creationId xmlns:p14="http://schemas.microsoft.com/office/powerpoint/2010/main" val="1749530271"/>
+        <p14:creationId xmlns:p14="http://schemas.microsoft.com/office/powerpoint/2010/main" xmlns="" val="1749530271"/>
       </p:ext>
     </p:extLst>
   </p:cSld>
@@ -12274,7 +12274,7 @@
     </p:spTree>
     <p:extLst>
       <p:ext uri="{BB962C8B-B14F-4D97-AF65-F5344CB8AC3E}">
-        <p14:creationId xmlns:p14="http://schemas.microsoft.com/office/powerpoint/2010/main" val="4117643888"/>
+        <p14:creationId xmlns:p14="http://schemas.microsoft.com/office/powerpoint/2010/main" xmlns="" val="4117643888"/>
       </p:ext>
     </p:extLst>
   </p:cSld>
@@ -12734,7 +12734,7 @@
     </p:spTree>
     <p:extLst>
       <p:ext uri="{BB962C8B-B14F-4D97-AF65-F5344CB8AC3E}">
-        <p14:creationId xmlns:p14="http://schemas.microsoft.com/office/powerpoint/2010/main" val="3305394207"/>
+        <p14:creationId xmlns:p14="http://schemas.microsoft.com/office/powerpoint/2010/main" xmlns="" val="3305394207"/>
       </p:ext>
     </p:extLst>
   </p:cSld>
@@ -12905,7 +12905,7 @@
     </p:spTree>
     <p:extLst>
       <p:ext uri="{BB962C8B-B14F-4D97-AF65-F5344CB8AC3E}">
-        <p14:creationId xmlns:p14="http://schemas.microsoft.com/office/powerpoint/2010/main" val="2564282291"/>
+        <p14:creationId xmlns:p14="http://schemas.microsoft.com/office/powerpoint/2010/main" xmlns="" val="2564282291"/>
       </p:ext>
     </p:extLst>
   </p:cSld>
@@ -13045,7 +13045,7 @@
     </p:spTree>
     <p:extLst>
       <p:ext uri="{BB962C8B-B14F-4D97-AF65-F5344CB8AC3E}">
-        <p14:creationId xmlns:p14="http://schemas.microsoft.com/office/powerpoint/2010/main" val="2633152322"/>
+        <p14:creationId xmlns:p14="http://schemas.microsoft.com/office/powerpoint/2010/main" xmlns="" val="2633152322"/>
       </p:ext>
     </p:extLst>
   </p:cSld>
@@ -13367,7 +13367,7 @@
     </p:spTree>
     <p:extLst>
       <p:ext uri="{BB962C8B-B14F-4D97-AF65-F5344CB8AC3E}">
-        <p14:creationId xmlns:p14="http://schemas.microsoft.com/office/powerpoint/2010/main" val="4283600683"/>
+        <p14:creationId xmlns:p14="http://schemas.microsoft.com/office/powerpoint/2010/main" xmlns="" val="4283600683"/>
       </p:ext>
     </p:extLst>
   </p:cSld>
@@ -13669,7 +13669,7 @@
     </p:spTree>
     <p:extLst>
       <p:ext uri="{BB962C8B-B14F-4D97-AF65-F5344CB8AC3E}">
-        <p14:creationId xmlns:p14="http://schemas.microsoft.com/office/powerpoint/2010/main" val="3406240267"/>
+        <p14:creationId xmlns:p14="http://schemas.microsoft.com/office/powerpoint/2010/main" xmlns="" val="3406240267"/>
       </p:ext>
     </p:extLst>
   </p:cSld>
@@ -13963,7 +13963,7 @@
     </p:spTree>
     <p:extLst>
       <p:ext uri="{BB962C8B-B14F-4D97-AF65-F5344CB8AC3E}">
-        <p14:creationId xmlns:p14="http://schemas.microsoft.com/office/powerpoint/2010/main" val="1652920772"/>
+        <p14:creationId xmlns:p14="http://schemas.microsoft.com/office/powerpoint/2010/main" xmlns="" val="1652920772"/>
       </p:ext>
     </p:extLst>
   </p:cSld>
@@ -14293,7 +14293,7 @@
           <a:blip r:embed="rId3" cstate="print">
             <a:extLst>
               <a:ext uri="{28A0092B-C50C-407E-A947-70E740481C1C}">
-                <a14:useLocalDpi xmlns:a14="http://schemas.microsoft.com/office/drawing/2010/main" val="0"/>
+                <a14:useLocalDpi xmlns:a14="http://schemas.microsoft.com/office/drawing/2010/main" xmlns="" val="0"/>
               </a:ext>
             </a:extLst>
           </a:blip>
@@ -14456,7 +14456,7 @@
     </p:spTree>
     <p:extLst>
       <p:ext uri="{BB962C8B-B14F-4D97-AF65-F5344CB8AC3E}">
-        <p14:creationId xmlns:p14="http://schemas.microsoft.com/office/powerpoint/2010/main" val="1875680063"/>
+        <p14:creationId xmlns:p14="http://schemas.microsoft.com/office/powerpoint/2010/main" xmlns="" val="1875680063"/>
       </p:ext>
     </p:extLst>
   </p:cSld>
@@ -15000,7 +15000,7 @@
     </p:spTree>
     <p:extLst>
       <p:ext uri="{BB962C8B-B14F-4D97-AF65-F5344CB8AC3E}">
-        <p14:creationId xmlns:p14="http://schemas.microsoft.com/office/powerpoint/2010/main" val="2427709017"/>
+        <p14:creationId xmlns:p14="http://schemas.microsoft.com/office/powerpoint/2010/main" xmlns="" val="2427709017"/>
       </p:ext>
     </p:extLst>
   </p:cSld>
@@ -15619,7 +15619,7 @@
     </p:spTree>
     <p:extLst>
       <p:ext uri="{BB962C8B-B14F-4D97-AF65-F5344CB8AC3E}">
-        <p14:creationId xmlns:p14="http://schemas.microsoft.com/office/powerpoint/2010/main" val="3654368468"/>
+        <p14:creationId xmlns:p14="http://schemas.microsoft.com/office/powerpoint/2010/main" xmlns="" val="3654368468"/>
       </p:ext>
     </p:extLst>
   </p:cSld>
@@ -15695,7 +15695,7 @@
           <a:blip r:embed="rId2" cstate="print">
             <a:extLst>
               <a:ext uri="{28A0092B-C50C-407E-A947-70E740481C1C}">
-                <a14:useLocalDpi xmlns:a14="http://schemas.microsoft.com/office/drawing/2010/main" val="0"/>
+                <a14:useLocalDpi xmlns:a14="http://schemas.microsoft.com/office/drawing/2010/main" xmlns="" val="0"/>
               </a:ext>
             </a:extLst>
           </a:blip>
@@ -15916,7 +15916,7 @@
     </p:spTree>
     <p:extLst>
       <p:ext uri="{BB962C8B-B14F-4D97-AF65-F5344CB8AC3E}">
-        <p14:creationId xmlns:p14="http://schemas.microsoft.com/office/powerpoint/2010/main" val="1486800041"/>
+        <p14:creationId xmlns:p14="http://schemas.microsoft.com/office/powerpoint/2010/main" xmlns="" val="1486800041"/>
       </p:ext>
     </p:extLst>
   </p:cSld>
@@ -16152,7 +16152,6 @@
               <a:rPr lang="en-US" dirty="0" smtClean="0"/>
               <a:t>Control</a:t>
             </a:r>
-            <a:endParaRPr lang="en-US" dirty="0" smtClean="0"/>
           </a:p>
           <a:p>
             <a:pPr>
@@ -16259,10 +16258,10 @@
           <p:nvPr/>
         </p:nvPicPr>
         <p:blipFill>
-          <a:blip r:embed="rId2">
+          <a:blip r:embed="rId2" cstate="print">
             <a:extLst>
               <a:ext uri="{28A0092B-C50C-407E-A947-70E740481C1C}">
-                <a14:useLocalDpi xmlns:a14="http://schemas.microsoft.com/office/drawing/2010/main" val="0"/>
+                <a14:useLocalDpi xmlns:a14="http://schemas.microsoft.com/office/drawing/2010/main" xmlns="" val="0"/>
               </a:ext>
             </a:extLst>
           </a:blip>
@@ -16282,7 +16281,7 @@
           <a:noFill/>
           <a:extLst>
             <a:ext uri="{909E8E84-426E-40DD-AFC4-6F175D3DCCD1}">
-              <a14:hiddenFill xmlns:a14="http://schemas.microsoft.com/office/drawing/2010/main">
+              <a14:hiddenFill xmlns:a14="http://schemas.microsoft.com/office/drawing/2010/main" xmlns="">
                 <a:solidFill>
                   <a:srgbClr val="FFFFFF"/>
                 </a:solidFill>
@@ -16394,7 +16393,7 @@
     </p:spTree>
     <p:extLst>
       <p:ext uri="{BB962C8B-B14F-4D97-AF65-F5344CB8AC3E}">
-        <p14:creationId xmlns:p14="http://schemas.microsoft.com/office/powerpoint/2010/main" val="3365219470"/>
+        <p14:creationId xmlns:p14="http://schemas.microsoft.com/office/powerpoint/2010/main" xmlns="" val="3365219470"/>
       </p:ext>
     </p:extLst>
   </p:cSld>
@@ -16844,62 +16843,7 @@
                   </a:schemeClr>
                 </a:solidFill>
               </a:rPr>
-              <a:t>Next seven slides </a:t>
-            </a:r>
-            <a:r>
-              <a:rPr lang="en-US" sz="1400" dirty="0" smtClean="0">
-                <a:solidFill>
-                  <a:schemeClr val="tx1">
-                    <a:lumMod val="65000"/>
-                    <a:lumOff val="35000"/>
-                  </a:schemeClr>
-                </a:solidFill>
-              </a:rPr>
-              <a:t>adapted from: </a:t>
-            </a:r>
-            <a:r>
-              <a:rPr lang="en-US" sz="1400" dirty="0" smtClean="0">
-                <a:solidFill>
-                  <a:schemeClr val="tx1">
-                    <a:lumMod val="65000"/>
-                    <a:lumOff val="35000"/>
-                  </a:schemeClr>
-                </a:solidFill>
-              </a:rPr>
-              <a:t>Whitmire</a:t>
-            </a:r>
-            <a:r>
-              <a:rPr lang="en-US" sz="1400" dirty="0" smtClean="0">
-                <a:solidFill>
-                  <a:schemeClr val="tx1">
-                    <a:lumMod val="65000"/>
-                    <a:lumOff val="35000"/>
-                  </a:schemeClr>
-                </a:solidFill>
-              </a:rPr>
-              <a:t>, Amanda L. (2014). Research Data Management Curriculum, Lecture </a:t>
-            </a:r>
-            <a:r>
-              <a:rPr lang="en-US" sz="1400" dirty="0" smtClean="0">
-                <a:solidFill>
-                  <a:schemeClr val="tx1">
-                    <a:lumMod val="65000"/>
-                    <a:lumOff val="35000"/>
-                  </a:schemeClr>
-                </a:solidFill>
-              </a:rPr>
-              <a:t>15: Data Preservation. </a:t>
-            </a:r>
-            <a:r>
-              <a:rPr lang="en-US" sz="1400" dirty="0" smtClean="0">
-                <a:solidFill>
-                  <a:schemeClr val="tx1">
-                    <a:lumMod val="65000"/>
-                    <a:lumOff val="35000"/>
-                  </a:schemeClr>
-                </a:solidFill>
-              </a:rPr>
-              <a:t>Oregon State University Libraries. Retrieved 11/04/2015 from: http://figshare.com/articles/GRAD521_Research_Data_Management_Lectures/1003835</a:t>
+              <a:t>Next seven slides adapted from: Whitmire, Amanda L. (2014). Research Data Management Curriculum, Lecture 15: Data Preservation. Oregon State University Libraries. Retrieved 11/04/2015 from: http://figshare.com/articles/GRAD521_Research_Data_Management_Lectures/1003835</a:t>
             </a:r>
             <a:endParaRPr lang="en-US" sz="1400" dirty="0">
               <a:solidFill>
@@ -16915,7 +16859,7 @@
     </p:spTree>
     <p:extLst>
       <p:ext uri="{BB962C8B-B14F-4D97-AF65-F5344CB8AC3E}">
-        <p14:creationId xmlns:p14="http://schemas.microsoft.com/office/powerpoint/2010/main" val="2472325380"/>
+        <p14:creationId xmlns:p14="http://schemas.microsoft.com/office/powerpoint/2010/main" xmlns="" val="2472325380"/>
       </p:ext>
     </p:extLst>
   </p:cSld>
@@ -17718,7 +17662,7 @@
     </p:spTree>
     <p:extLst>
       <p:ext uri="{BB962C8B-B14F-4D97-AF65-F5344CB8AC3E}">
-        <p14:creationId xmlns:p14="http://schemas.microsoft.com/office/powerpoint/2010/main" val="2937956849"/>
+        <p14:creationId xmlns:p14="http://schemas.microsoft.com/office/powerpoint/2010/main" xmlns="" val="2937956849"/>
       </p:ext>
     </p:extLst>
   </p:cSld>
@@ -18047,7 +17991,7 @@
     </p:spTree>
     <p:extLst>
       <p:ext uri="{BB962C8B-B14F-4D97-AF65-F5344CB8AC3E}">
-        <p14:creationId xmlns:p14="http://schemas.microsoft.com/office/powerpoint/2010/main" val="2834901047"/>
+        <p14:creationId xmlns:p14="http://schemas.microsoft.com/office/powerpoint/2010/main" xmlns="" val="2834901047"/>
       </p:ext>
     </p:extLst>
   </p:cSld>
@@ -18115,11 +18059,7 @@
             </a:br>
             <a:r>
               <a:rPr lang="en-US" dirty="0" smtClean="0"/>
-              <a:t>Repositories and </a:t>
-            </a:r>
-            <a:r>
-              <a:rPr lang="en-US" dirty="0" smtClean="0"/>
-              <a:t>Archiving</a:t>
+              <a:t>Repositories and Archiving</a:t>
             </a:r>
             <a:endParaRPr lang="en-US" dirty="0"/>
           </a:p>
@@ -18149,11 +18089,7 @@
           <a:p>
             <a:r>
               <a:rPr lang="en-US" dirty="0" smtClean="0"/>
-              <a:t>Archiving vs</a:t>
-            </a:r>
-            <a:r>
-              <a:rPr lang="en-US" dirty="0" smtClean="0"/>
-              <a:t>. Backup</a:t>
+              <a:t>Archiving vs. Backup</a:t>
             </a:r>
           </a:p>
           <a:p>
@@ -18182,7 +18118,7 @@
     </p:spTree>
     <p:extLst>
       <p:ext uri="{BB962C8B-B14F-4D97-AF65-F5344CB8AC3E}">
-        <p14:creationId xmlns:p14="http://schemas.microsoft.com/office/powerpoint/2010/main" val="4075626601"/>
+        <p14:creationId xmlns:p14="http://schemas.microsoft.com/office/powerpoint/2010/main" xmlns="" val="4075626601"/>
       </p:ext>
     </p:extLst>
   </p:cSld>
@@ -18489,7 +18425,7 @@
     </p:spTree>
     <p:extLst>
       <p:ext uri="{BB962C8B-B14F-4D97-AF65-F5344CB8AC3E}">
-        <p14:creationId xmlns:p14="http://schemas.microsoft.com/office/powerpoint/2010/main" val="3468255081"/>
+        <p14:creationId xmlns:p14="http://schemas.microsoft.com/office/powerpoint/2010/main" xmlns="" val="3468255081"/>
       </p:ext>
     </p:extLst>
   </p:cSld>
@@ -18622,7 +18558,7 @@
           <a:blip r:embed="rId3" cstate="print">
             <a:extLst>
               <a:ext uri="{28A0092B-C50C-407E-A947-70E740481C1C}">
-                <a14:useLocalDpi xmlns:a14="http://schemas.microsoft.com/office/drawing/2010/main" val="0"/>
+                <a14:useLocalDpi xmlns:a14="http://schemas.microsoft.com/office/drawing/2010/main" xmlns="" val="0"/>
               </a:ext>
             </a:extLst>
           </a:blip>
@@ -18659,7 +18595,7 @@
             </a:duotone>
             <a:extLst>
               <a:ext uri="{28A0092B-C50C-407E-A947-70E740481C1C}">
-                <a14:useLocalDpi xmlns:a14="http://schemas.microsoft.com/office/drawing/2010/main" val="0"/>
+                <a14:useLocalDpi xmlns:a14="http://schemas.microsoft.com/office/drawing/2010/main" xmlns="" val="0"/>
               </a:ext>
             </a:extLst>
           </a:blip>
@@ -18832,7 +18768,7 @@
     </p:spTree>
     <p:extLst>
       <p:ext uri="{BB962C8B-B14F-4D97-AF65-F5344CB8AC3E}">
-        <p14:creationId xmlns:p14="http://schemas.microsoft.com/office/powerpoint/2010/main" val="3653644375"/>
+        <p14:creationId xmlns:p14="http://schemas.microsoft.com/office/powerpoint/2010/main" xmlns="" val="3653644375"/>
       </p:ext>
     </p:extLst>
   </p:cSld>
@@ -18909,7 +18845,7 @@
           <a:blip r:embed="rId3" cstate="print">
             <a:extLst>
               <a:ext uri="{28A0092B-C50C-407E-A947-70E740481C1C}">
-                <a14:useLocalDpi xmlns:a14="http://schemas.microsoft.com/office/drawing/2010/main" val="0"/>
+                <a14:useLocalDpi xmlns:a14="http://schemas.microsoft.com/office/drawing/2010/main" xmlns="" val="0"/>
               </a:ext>
             </a:extLst>
           </a:blip>
@@ -18939,7 +18875,7 @@
           <a:blip r:embed="rId4" cstate="print">
             <a:extLst>
               <a:ext uri="{28A0092B-C50C-407E-A947-70E740481C1C}">
-                <a14:useLocalDpi xmlns:a14="http://schemas.microsoft.com/office/drawing/2010/main" val="0"/>
+                <a14:useLocalDpi xmlns:a14="http://schemas.microsoft.com/office/drawing/2010/main" xmlns="" val="0"/>
               </a:ext>
             </a:extLst>
           </a:blip>
@@ -19112,7 +19048,7 @@
     </p:spTree>
     <p:extLst>
       <p:ext uri="{BB962C8B-B14F-4D97-AF65-F5344CB8AC3E}">
-        <p14:creationId xmlns:p14="http://schemas.microsoft.com/office/powerpoint/2010/main" val="3971642249"/>
+        <p14:creationId xmlns:p14="http://schemas.microsoft.com/office/powerpoint/2010/main" xmlns="" val="3971642249"/>
       </p:ext>
     </p:extLst>
   </p:cSld>
@@ -19226,7 +19162,7 @@
     </p:spTree>
     <p:extLst>
       <p:ext uri="{BB962C8B-B14F-4D97-AF65-F5344CB8AC3E}">
-        <p14:creationId xmlns:p14="http://schemas.microsoft.com/office/powerpoint/2010/main" val="1890575488"/>
+        <p14:creationId xmlns:p14="http://schemas.microsoft.com/office/powerpoint/2010/main" xmlns="" val="1890575488"/>
       </p:ext>
     </p:extLst>
   </p:cSld>
@@ -19400,7 +19336,7 @@
     </p:spTree>
     <p:extLst>
       <p:ext uri="{BB962C8B-B14F-4D97-AF65-F5344CB8AC3E}">
-        <p14:creationId xmlns:p14="http://schemas.microsoft.com/office/powerpoint/2010/main" val="4162834582"/>
+        <p14:creationId xmlns:p14="http://schemas.microsoft.com/office/powerpoint/2010/main" xmlns="" val="4162834582"/>
       </p:ext>
     </p:extLst>
   </p:cSld>
@@ -19911,7 +19847,7 @@
     </p:spTree>
     <p:extLst>
       <p:ext uri="{BB962C8B-B14F-4D97-AF65-F5344CB8AC3E}">
-        <p14:creationId xmlns:p14="http://schemas.microsoft.com/office/powerpoint/2010/main" val="961576702"/>
+        <p14:creationId xmlns:p14="http://schemas.microsoft.com/office/powerpoint/2010/main" xmlns="" val="961576702"/>
       </p:ext>
     </p:extLst>
   </p:cSld>
@@ -20374,7 +20310,7 @@
     </p:spTree>
     <p:extLst>
       <p:ext uri="{BB962C8B-B14F-4D97-AF65-F5344CB8AC3E}">
-        <p14:creationId xmlns:p14="http://schemas.microsoft.com/office/powerpoint/2010/main" val="2736309626"/>
+        <p14:creationId xmlns:p14="http://schemas.microsoft.com/office/powerpoint/2010/main" xmlns="" val="2736309626"/>
       </p:ext>
     </p:extLst>
   </p:cSld>
@@ -20569,7 +20505,7 @@
     </p:spTree>
     <p:extLst>
       <p:ext uri="{BB962C8B-B14F-4D97-AF65-F5344CB8AC3E}">
-        <p14:creationId xmlns:p14="http://schemas.microsoft.com/office/powerpoint/2010/main" val="2901667496"/>
+        <p14:creationId xmlns:p14="http://schemas.microsoft.com/office/powerpoint/2010/main" xmlns="" val="2901667496"/>
       </p:ext>
     </p:extLst>
   </p:cSld>
@@ -20869,10 +20805,10 @@
           <p:nvPr/>
         </p:nvPicPr>
         <p:blipFill>
-          <a:blip r:embed="rId3">
+          <a:blip r:embed="rId3" cstate="print">
             <a:extLst>
               <a:ext uri="{28A0092B-C50C-407E-A947-70E740481C1C}">
-                <a14:useLocalDpi xmlns:a14="http://schemas.microsoft.com/office/drawing/2010/main" val="0"/>
+                <a14:useLocalDpi xmlns:a14="http://schemas.microsoft.com/office/drawing/2010/main" xmlns="" val="0"/>
               </a:ext>
             </a:extLst>
           </a:blip>
@@ -20892,7 +20828,7 @@
           <a:noFill/>
           <a:extLst>
             <a:ext uri="{909E8E84-426E-40DD-AFC4-6F175D3DCCD1}">
-              <a14:hiddenFill xmlns:a14="http://schemas.microsoft.com/office/drawing/2010/main">
+              <a14:hiddenFill xmlns:a14="http://schemas.microsoft.com/office/drawing/2010/main" xmlns="">
                 <a:solidFill>
                   <a:srgbClr val="FFFFFF"/>
                 </a:solidFill>
@@ -20948,7 +20884,7 @@
     </p:spTree>
     <p:extLst>
       <p:ext uri="{BB962C8B-B14F-4D97-AF65-F5344CB8AC3E}">
-        <p14:creationId xmlns:p14="http://schemas.microsoft.com/office/powerpoint/2010/main" val="4037965183"/>
+        <p14:creationId xmlns:p14="http://schemas.microsoft.com/office/powerpoint/2010/main" xmlns="" val="4037965183"/>
       </p:ext>
     </p:extLst>
   </p:cSld>
@@ -21155,7 +21091,7 @@
     </p:spTree>
     <p:extLst>
       <p:ext uri="{BB962C8B-B14F-4D97-AF65-F5344CB8AC3E}">
-        <p14:creationId xmlns:p14="http://schemas.microsoft.com/office/powerpoint/2010/main" val="1338865962"/>
+        <p14:creationId xmlns:p14="http://schemas.microsoft.com/office/powerpoint/2010/main" xmlns="" val="1338865962"/>
       </p:ext>
     </p:extLst>
   </p:cSld>
@@ -21350,8 +21286,13 @@
             </a:pPr>
             <a:r>
               <a:rPr lang="en-US" dirty="0" smtClean="0"/>
-              <a:t>Costs (if any)</a:t>
-            </a:r>
+              <a:t>Costs (if any</a:t>
+            </a:r>
+            <a:r>
+              <a:rPr lang="en-US" dirty="0" smtClean="0"/>
+              <a:t>) and who funds it</a:t>
+            </a:r>
+            <a:endParaRPr lang="en-US" dirty="0" smtClean="0"/>
           </a:p>
           <a:p>
             <a:pPr marL="685800" lvl="2">
@@ -21406,7 +21347,7 @@
     </p:spTree>
     <p:extLst>
       <p:ext uri="{BB962C8B-B14F-4D97-AF65-F5344CB8AC3E}">
-        <p14:creationId xmlns:p14="http://schemas.microsoft.com/office/powerpoint/2010/main" val="488060740"/>
+        <p14:creationId xmlns:p14="http://schemas.microsoft.com/office/powerpoint/2010/main" xmlns="" val="488060740"/>
       </p:ext>
     </p:extLst>
   </p:cSld>
@@ -21447,7 +21388,7 @@
           <p:nvPr>
             <p:extLst>
               <p:ext uri="{D42A27DB-BD31-4B8C-83A1-F6EECF244321}">
-                <p14:modId xmlns:p14="http://schemas.microsoft.com/office/powerpoint/2010/main" val="2074170780"/>
+                <p14:modId xmlns:p14="http://schemas.microsoft.com/office/powerpoint/2010/main" xmlns="" val="2074170780"/>
               </p:ext>
             </p:extLst>
           </p:nvPr>
@@ -21531,51 +21472,7 @@
                   </a:schemeClr>
                 </a:solidFill>
               </a:rPr>
-              <a:t>Next five slides </a:t>
-            </a:r>
-            <a:r>
-              <a:rPr lang="en-US" sz="1400" dirty="0" smtClean="0">
-                <a:solidFill>
-                  <a:schemeClr val="tx1">
-                    <a:lumMod val="65000"/>
-                    <a:lumOff val="35000"/>
-                  </a:schemeClr>
-                </a:solidFill>
-              </a:rPr>
-              <a:t>adapted from: </a:t>
-            </a:r>
-            <a:r>
-              <a:rPr lang="en-US" sz="1400" dirty="0" smtClean="0">
-                <a:solidFill>
-                  <a:schemeClr val="tx1">
-                    <a:lumMod val="65000"/>
-                    <a:lumOff val="35000"/>
-                  </a:schemeClr>
-                </a:solidFill>
-              </a:rPr>
-              <a:t>Whitmire</a:t>
-            </a:r>
-            <a:r>
-              <a:rPr lang="en-US" sz="1400" dirty="0" smtClean="0">
-                <a:solidFill>
-                  <a:schemeClr val="tx1">
-                    <a:lumMod val="65000"/>
-                    <a:lumOff val="35000"/>
-                  </a:schemeClr>
-                </a:solidFill>
-              </a:rPr>
-              <a:t>, Amanda L. (2014). Research Data Management Curriculum, Lecture </a:t>
-            </a:r>
-            <a:r>
-              <a:rPr lang="en-US" sz="1400" dirty="0" smtClean="0">
-                <a:solidFill>
-                  <a:schemeClr val="tx1">
-                    <a:lumMod val="65000"/>
-                    <a:lumOff val="35000"/>
-                  </a:schemeClr>
-                </a:solidFill>
-              </a:rPr>
-              <a:t>15: Data Preservation and </a:t>
+              <a:t>Next five slides adapted from: Whitmire, Amanda L. (2014). Research Data Management Curriculum, Lecture 15: Data Preservation and </a:t>
             </a:r>
             <a:r>
               <a:rPr lang="en-US" sz="1400" dirty="0" err="1" smtClean="0">
@@ -21635,7 +21532,7 @@
     </p:spTree>
     <p:extLst>
       <p:ext uri="{BB962C8B-B14F-4D97-AF65-F5344CB8AC3E}">
-        <p14:creationId xmlns:p14="http://schemas.microsoft.com/office/powerpoint/2010/main" val="3299391354"/>
+        <p14:creationId xmlns:p14="http://schemas.microsoft.com/office/powerpoint/2010/main" xmlns="" val="3299391354"/>
       </p:ext>
     </p:extLst>
   </p:cSld>
@@ -21767,7 +21664,7 @@
     </p:spTree>
     <p:extLst>
       <p:ext uri="{BB962C8B-B14F-4D97-AF65-F5344CB8AC3E}">
-        <p14:creationId xmlns:p14="http://schemas.microsoft.com/office/powerpoint/2010/main" val="900820502"/>
+        <p14:creationId xmlns:p14="http://schemas.microsoft.com/office/powerpoint/2010/main" xmlns="" val="900820502"/>
       </p:ext>
     </p:extLst>
   </p:cSld>
@@ -21921,7 +21818,7 @@
     </p:spTree>
     <p:extLst>
       <p:ext uri="{BB962C8B-B14F-4D97-AF65-F5344CB8AC3E}">
-        <p14:creationId xmlns:p14="http://schemas.microsoft.com/office/powerpoint/2010/main" val="3448903699"/>
+        <p14:creationId xmlns:p14="http://schemas.microsoft.com/office/powerpoint/2010/main" xmlns="" val="3448903699"/>
       </p:ext>
     </p:extLst>
   </p:cSld>
@@ -21990,7 +21887,7 @@
           <p:nvPr>
             <p:extLst>
               <p:ext uri="{D42A27DB-BD31-4B8C-83A1-F6EECF244321}">
-                <p14:modId xmlns:p14="http://schemas.microsoft.com/office/powerpoint/2010/main" val="4073663572"/>
+                <p14:modId xmlns:p14="http://schemas.microsoft.com/office/powerpoint/2010/main" xmlns="" val="4073663572"/>
               </p:ext>
             </p:extLst>
           </p:nvPr>
@@ -22008,7 +21905,7 @@
     </p:spTree>
     <p:extLst>
       <p:ext uri="{BB962C8B-B14F-4D97-AF65-F5344CB8AC3E}">
-        <p14:creationId xmlns:p14="http://schemas.microsoft.com/office/powerpoint/2010/main" val="372364011"/>
+        <p14:creationId xmlns:p14="http://schemas.microsoft.com/office/powerpoint/2010/main" xmlns="" val="372364011"/>
       </p:ext>
     </p:extLst>
   </p:cSld>
@@ -22332,7 +22229,7 @@
     </p:spTree>
     <p:extLst>
       <p:ext uri="{BB962C8B-B14F-4D97-AF65-F5344CB8AC3E}">
-        <p14:creationId xmlns:p14="http://schemas.microsoft.com/office/powerpoint/2010/main" val="2342921133"/>
+        <p14:creationId xmlns:p14="http://schemas.microsoft.com/office/powerpoint/2010/main" xmlns="" val="2342921133"/>
       </p:ext>
     </p:extLst>
   </p:cSld>
@@ -22464,7 +22361,7 @@
     </p:spTree>
     <p:extLst>
       <p:ext uri="{BB962C8B-B14F-4D97-AF65-F5344CB8AC3E}">
-        <p14:creationId xmlns:p14="http://schemas.microsoft.com/office/powerpoint/2010/main" val="900820502"/>
+        <p14:creationId xmlns:p14="http://schemas.microsoft.com/office/powerpoint/2010/main" xmlns="" val="900820502"/>
       </p:ext>
     </p:extLst>
   </p:cSld>
@@ -22736,7 +22633,7 @@
   <a:extraClrSchemeLst/>
   <a:extLst>
     <a:ext uri="{05A4C25C-085E-4340-85A3-A5531E510DB2}">
-      <thm15:themeFamily xmlns:thm15="http://schemas.microsoft.com/office/thememl/2012/main" name="Office Theme" id="{62F939B6-93AF-4DB8-9C6B-D6C7DFDC589F}" vid="{4A3C46E8-61CC-4603-A589-7422A47A8E4A}"/>
+      <thm15:themeFamily xmlns:thm15="http://schemas.microsoft.com/office/thememl/2012/main" xmlns="" name="Office Theme" id="{62F939B6-93AF-4DB8-9C6B-D6C7DFDC589F}" vid="{4A3C46E8-61CC-4603-A589-7422A47A8E4A}"/>
     </a:ext>
   </a:extLst>
 </a:theme>
@@ -22997,7 +22894,7 @@
   <a:extraClrSchemeLst/>
   <a:extLst>
     <a:ext uri="{05A4C25C-085E-4340-85A3-A5531E510DB2}">
-      <thm15:themeFamily xmlns:thm15="http://schemas.microsoft.com/office/thememl/2012/main" name="Office Theme" id="{62F939B6-93AF-4DB8-9C6B-D6C7DFDC589F}" vid="{4A3C46E8-61CC-4603-A589-7422A47A8E4A}"/>
+      <thm15:themeFamily xmlns:thm15="http://schemas.microsoft.com/office/thememl/2012/main" xmlns="" name="Office Theme" id="{62F939B6-93AF-4DB8-9C6B-D6C7DFDC589F}" vid="{4A3C46E8-61CC-4603-A589-7422A47A8E4A}"/>
     </a:ext>
   </a:extLst>
 </a:theme>
